--- a/Pack4U.pptx
+++ b/Pack4U.pptx
@@ -5,28 +5,27 @@
     <p:sldMasterId id="2147483660" r:id="rId1"/>
   </p:sldMasterIdLst>
   <p:notesMasterIdLst>
-    <p:notesMasterId r:id="rId18"/>
+    <p:notesMasterId r:id="rId17"/>
   </p:notesMasterIdLst>
   <p:handoutMasterIdLst>
-    <p:handoutMasterId r:id="rId19"/>
+    <p:handoutMasterId r:id="rId18"/>
   </p:handoutMasterIdLst>
   <p:sldIdLst>
     <p:sldId id="256" r:id="rId2"/>
     <p:sldId id="257" r:id="rId3"/>
-    <p:sldId id="266" r:id="rId4"/>
-    <p:sldId id="273" r:id="rId5"/>
-    <p:sldId id="259" r:id="rId6"/>
-    <p:sldId id="269" r:id="rId7"/>
-    <p:sldId id="268" r:id="rId8"/>
-    <p:sldId id="267" r:id="rId9"/>
-    <p:sldId id="270" r:id="rId10"/>
-    <p:sldId id="271" r:id="rId11"/>
-    <p:sldId id="272" r:id="rId12"/>
-    <p:sldId id="260" r:id="rId13"/>
-    <p:sldId id="279" r:id="rId14"/>
-    <p:sldId id="281" r:id="rId15"/>
-    <p:sldId id="265" r:id="rId16"/>
-    <p:sldId id="278" r:id="rId17"/>
+    <p:sldId id="273" r:id="rId4"/>
+    <p:sldId id="259" r:id="rId5"/>
+    <p:sldId id="269" r:id="rId6"/>
+    <p:sldId id="268" r:id="rId7"/>
+    <p:sldId id="267" r:id="rId8"/>
+    <p:sldId id="270" r:id="rId9"/>
+    <p:sldId id="271" r:id="rId10"/>
+    <p:sldId id="272" r:id="rId11"/>
+    <p:sldId id="260" r:id="rId12"/>
+    <p:sldId id="279" r:id="rId13"/>
+    <p:sldId id="281" r:id="rId14"/>
+    <p:sldId id="265" r:id="rId15"/>
+    <p:sldId id="278" r:id="rId16"/>
   </p:sldIdLst>
   <p:sldSz cx="12188825" cy="6858000"/>
   <p:notesSz cx="6858000" cy="9144000"/>
@@ -201,6 +200,660 @@
     </p:ext>
   </p:extLst>
 </p:presentation>
+</file>
+
+<file path=ppt/revisionInfo.xml><?xml version="1.0" encoding="utf-8"?>
+<p1510:revInfo xmlns:a="http://schemas.openxmlformats.org/drawingml/2006/main" xmlns:r="http://schemas.openxmlformats.org/officeDocument/2006/relationships" xmlns:p1510="http://schemas.microsoft.com/office/powerpoint/2015/10/main">
+  <p1510:revLst>
+    <p1510:client id="{2EE7F043-B757-4D06-8C8B-4DB106B1D190}" v="40" dt="2021-01-10T13:53:30.080"/>
+  </p1510:revLst>
+</p1510:revInfo>
+</file>
+
+<file path=ppt/changesInfos/changesInfo1.xml><?xml version="1.0" encoding="utf-8"?>
+<pc:chgInfo xmlns:a="http://schemas.openxmlformats.org/drawingml/2006/main" xmlns:r="http://schemas.openxmlformats.org/officeDocument/2006/relationships" xmlns:ac="http://schemas.microsoft.com/office/drawing/2013/main/command" xmlns:pc="http://schemas.microsoft.com/office/powerpoint/2013/main/command">
+  <pc:docChgLst>
+    <pc:chgData name="Coral Avital" userId="b56c5f9a-5b5b-44ae-b3ed-fb11a0ae0651" providerId="ADAL" clId="{2EE7F043-B757-4D06-8C8B-4DB106B1D190}"/>
+    <pc:docChg chg="undo custSel delSld modSld">
+      <pc:chgData name="Coral Avital" userId="b56c5f9a-5b5b-44ae-b3ed-fb11a0ae0651" providerId="ADAL" clId="{2EE7F043-B757-4D06-8C8B-4DB106B1D190}" dt="2021-01-10T14:21:41.838" v="2278" actId="115"/>
+      <pc:docMkLst>
+        <pc:docMk/>
+      </pc:docMkLst>
+      <pc:sldChg chg="modSp mod">
+        <pc:chgData name="Coral Avital" userId="b56c5f9a-5b5b-44ae-b3ed-fb11a0ae0651" providerId="ADAL" clId="{2EE7F043-B757-4D06-8C8B-4DB106B1D190}" dt="2021-01-10T13:17:10.431" v="11" actId="207"/>
+        <pc:sldMkLst>
+          <pc:docMk/>
+          <pc:sldMk cId="344080127" sldId="256"/>
+        </pc:sldMkLst>
+        <pc:spChg chg="mod">
+          <ac:chgData name="Coral Avital" userId="b56c5f9a-5b5b-44ae-b3ed-fb11a0ae0651" providerId="ADAL" clId="{2EE7F043-B757-4D06-8C8B-4DB106B1D190}" dt="2021-01-10T13:17:10.431" v="11" actId="207"/>
+          <ac:spMkLst>
+            <pc:docMk/>
+            <pc:sldMk cId="344080127" sldId="256"/>
+            <ac:spMk id="3" creationId="{00000000-0000-0000-0000-000000000000}"/>
+          </ac:spMkLst>
+        </pc:spChg>
+      </pc:sldChg>
+      <pc:sldChg chg="modSp mod">
+        <pc:chgData name="Coral Avital" userId="b56c5f9a-5b5b-44ae-b3ed-fb11a0ae0651" providerId="ADAL" clId="{2EE7F043-B757-4D06-8C8B-4DB106B1D190}" dt="2021-01-10T13:17:22.746" v="13"/>
+        <pc:sldMkLst>
+          <pc:docMk/>
+          <pc:sldMk cId="379348850" sldId="257"/>
+        </pc:sldMkLst>
+        <pc:spChg chg="mod">
+          <ac:chgData name="Coral Avital" userId="b56c5f9a-5b5b-44ae-b3ed-fb11a0ae0651" providerId="ADAL" clId="{2EE7F043-B757-4D06-8C8B-4DB106B1D190}" dt="2021-01-10T13:17:22.746" v="13"/>
+          <ac:spMkLst>
+            <pc:docMk/>
+            <pc:sldMk cId="379348850" sldId="257"/>
+            <ac:spMk id="2" creationId="{00000000-0000-0000-0000-000000000000}"/>
+          </ac:spMkLst>
+        </pc:spChg>
+      </pc:sldChg>
+      <pc:sldChg chg="modSp mod">
+        <pc:chgData name="Coral Avital" userId="b56c5f9a-5b5b-44ae-b3ed-fb11a0ae0651" providerId="ADAL" clId="{2EE7F043-B757-4D06-8C8B-4DB106B1D190}" dt="2021-01-10T14:21:04.576" v="2268" actId="115"/>
+        <pc:sldMkLst>
+          <pc:docMk/>
+          <pc:sldMk cId="3098616160" sldId="259"/>
+        </pc:sldMkLst>
+        <pc:spChg chg="mod">
+          <ac:chgData name="Coral Avital" userId="b56c5f9a-5b5b-44ae-b3ed-fb11a0ae0651" providerId="ADAL" clId="{2EE7F043-B757-4D06-8C8B-4DB106B1D190}" dt="2021-01-10T14:21:04.576" v="2268" actId="115"/>
+          <ac:spMkLst>
+            <pc:docMk/>
+            <pc:sldMk cId="3098616160" sldId="259"/>
+            <ac:spMk id="2" creationId="{00000000-0000-0000-0000-000000000000}"/>
+          </ac:spMkLst>
+        </pc:spChg>
+      </pc:sldChg>
+      <pc:sldChg chg="modSp mod">
+        <pc:chgData name="Coral Avital" userId="b56c5f9a-5b5b-44ae-b3ed-fb11a0ae0651" providerId="ADAL" clId="{2EE7F043-B757-4D06-8C8B-4DB106B1D190}" dt="2021-01-10T14:21:33.159" v="2276" actId="115"/>
+        <pc:sldMkLst>
+          <pc:docMk/>
+          <pc:sldMk cId="381540845" sldId="260"/>
+        </pc:sldMkLst>
+        <pc:spChg chg="mod">
+          <ac:chgData name="Coral Avital" userId="b56c5f9a-5b5b-44ae-b3ed-fb11a0ae0651" providerId="ADAL" clId="{2EE7F043-B757-4D06-8C8B-4DB106B1D190}" dt="2021-01-10T14:21:33.159" v="2276" actId="115"/>
+          <ac:spMkLst>
+            <pc:docMk/>
+            <pc:sldMk cId="381540845" sldId="260"/>
+            <ac:spMk id="2" creationId="{00000000-0000-0000-0000-000000000000}"/>
+          </ac:spMkLst>
+        </pc:spChg>
+      </pc:sldChg>
+      <pc:sldChg chg="modSp mod">
+        <pc:chgData name="Coral Avital" userId="b56c5f9a-5b5b-44ae-b3ed-fb11a0ae0651" providerId="ADAL" clId="{2EE7F043-B757-4D06-8C8B-4DB106B1D190}" dt="2021-01-10T14:21:41.838" v="2278" actId="115"/>
+        <pc:sldMkLst>
+          <pc:docMk/>
+          <pc:sldMk cId="3997117863" sldId="265"/>
+        </pc:sldMkLst>
+        <pc:spChg chg="mod">
+          <ac:chgData name="Coral Avital" userId="b56c5f9a-5b5b-44ae-b3ed-fb11a0ae0651" providerId="ADAL" clId="{2EE7F043-B757-4D06-8C8B-4DB106B1D190}" dt="2021-01-10T14:21:41.838" v="2278" actId="115"/>
+          <ac:spMkLst>
+            <pc:docMk/>
+            <pc:sldMk cId="3997117863" sldId="265"/>
+            <ac:spMk id="2" creationId="{00000000-0000-0000-0000-000000000000}"/>
+          </ac:spMkLst>
+        </pc:spChg>
+        <pc:spChg chg="mod">
+          <ac:chgData name="Coral Avital" userId="b56c5f9a-5b5b-44ae-b3ed-fb11a0ae0651" providerId="ADAL" clId="{2EE7F043-B757-4D06-8C8B-4DB106B1D190}" dt="2021-01-10T14:20:27.363" v="2266" actId="20577"/>
+          <ac:spMkLst>
+            <pc:docMk/>
+            <pc:sldMk cId="3997117863" sldId="265"/>
+            <ac:spMk id="3" creationId="{00000000-0000-0000-0000-000000000000}"/>
+          </ac:spMkLst>
+        </pc:spChg>
+      </pc:sldChg>
+      <pc:sldChg chg="del">
+        <pc:chgData name="Coral Avital" userId="b56c5f9a-5b5b-44ae-b3ed-fb11a0ae0651" providerId="ADAL" clId="{2EE7F043-B757-4D06-8C8B-4DB106B1D190}" dt="2021-01-10T13:50:57.625" v="1970" actId="47"/>
+        <pc:sldMkLst>
+          <pc:docMk/>
+          <pc:sldMk cId="646368633" sldId="266"/>
+        </pc:sldMkLst>
+      </pc:sldChg>
+      <pc:sldChg chg="modSp mod">
+        <pc:chgData name="Coral Avital" userId="b56c5f9a-5b5b-44ae-b3ed-fb11a0ae0651" providerId="ADAL" clId="{2EE7F043-B757-4D06-8C8B-4DB106B1D190}" dt="2021-01-10T14:21:15.045" v="2271" actId="115"/>
+        <pc:sldMkLst>
+          <pc:docMk/>
+          <pc:sldMk cId="2249572214" sldId="267"/>
+        </pc:sldMkLst>
+        <pc:spChg chg="mod">
+          <ac:chgData name="Coral Avital" userId="b56c5f9a-5b5b-44ae-b3ed-fb11a0ae0651" providerId="ADAL" clId="{2EE7F043-B757-4D06-8C8B-4DB106B1D190}" dt="2021-01-10T14:21:15.045" v="2271" actId="115"/>
+          <ac:spMkLst>
+            <pc:docMk/>
+            <pc:sldMk cId="2249572214" sldId="267"/>
+            <ac:spMk id="2" creationId="{11886B5E-891A-4E87-A876-51D3E81A3CC5}"/>
+          </ac:spMkLst>
+        </pc:spChg>
+      </pc:sldChg>
+      <pc:sldChg chg="modSp mod">
+        <pc:chgData name="Coral Avital" userId="b56c5f9a-5b5b-44ae-b3ed-fb11a0ae0651" providerId="ADAL" clId="{2EE7F043-B757-4D06-8C8B-4DB106B1D190}" dt="2021-01-10T14:21:11.094" v="2270" actId="115"/>
+        <pc:sldMkLst>
+          <pc:docMk/>
+          <pc:sldMk cId="243983559" sldId="268"/>
+        </pc:sldMkLst>
+        <pc:spChg chg="mod">
+          <ac:chgData name="Coral Avital" userId="b56c5f9a-5b5b-44ae-b3ed-fb11a0ae0651" providerId="ADAL" clId="{2EE7F043-B757-4D06-8C8B-4DB106B1D190}" dt="2021-01-10T14:21:11.094" v="2270" actId="115"/>
+          <ac:spMkLst>
+            <pc:docMk/>
+            <pc:sldMk cId="243983559" sldId="268"/>
+            <ac:spMk id="2" creationId="{8CA2F272-48F4-4C7A-A61A-61E6A1F1014E}"/>
+          </ac:spMkLst>
+        </pc:spChg>
+      </pc:sldChg>
+      <pc:sldChg chg="modSp mod">
+        <pc:chgData name="Coral Avital" userId="b56c5f9a-5b5b-44ae-b3ed-fb11a0ae0651" providerId="ADAL" clId="{2EE7F043-B757-4D06-8C8B-4DB106B1D190}" dt="2021-01-10T14:21:07.434" v="2269" actId="115"/>
+        <pc:sldMkLst>
+          <pc:docMk/>
+          <pc:sldMk cId="1887307946" sldId="269"/>
+        </pc:sldMkLst>
+        <pc:spChg chg="mod">
+          <ac:chgData name="Coral Avital" userId="b56c5f9a-5b5b-44ae-b3ed-fb11a0ae0651" providerId="ADAL" clId="{2EE7F043-B757-4D06-8C8B-4DB106B1D190}" dt="2021-01-10T14:21:07.434" v="2269" actId="115"/>
+          <ac:spMkLst>
+            <pc:docMk/>
+            <pc:sldMk cId="1887307946" sldId="269"/>
+            <ac:spMk id="2" creationId="{30EF3598-137E-4F49-9C1C-9DC74CB1216F}"/>
+          </ac:spMkLst>
+        </pc:spChg>
+      </pc:sldChg>
+      <pc:sldChg chg="modSp mod">
+        <pc:chgData name="Coral Avital" userId="b56c5f9a-5b5b-44ae-b3ed-fb11a0ae0651" providerId="ADAL" clId="{2EE7F043-B757-4D06-8C8B-4DB106B1D190}" dt="2021-01-10T14:21:18.354" v="2272" actId="115"/>
+        <pc:sldMkLst>
+          <pc:docMk/>
+          <pc:sldMk cId="3135177602" sldId="270"/>
+        </pc:sldMkLst>
+        <pc:spChg chg="mod">
+          <ac:chgData name="Coral Avital" userId="b56c5f9a-5b5b-44ae-b3ed-fb11a0ae0651" providerId="ADAL" clId="{2EE7F043-B757-4D06-8C8B-4DB106B1D190}" dt="2021-01-10T14:21:18.354" v="2272" actId="115"/>
+          <ac:spMkLst>
+            <pc:docMk/>
+            <pc:sldMk cId="3135177602" sldId="270"/>
+            <ac:spMk id="2" creationId="{AA4A0E51-C6B3-489B-9176-345D1CAEB2F2}"/>
+          </ac:spMkLst>
+        </pc:spChg>
+      </pc:sldChg>
+      <pc:sldChg chg="modSp mod">
+        <pc:chgData name="Coral Avital" userId="b56c5f9a-5b5b-44ae-b3ed-fb11a0ae0651" providerId="ADAL" clId="{2EE7F043-B757-4D06-8C8B-4DB106B1D190}" dt="2021-01-10T14:21:25.842" v="2274" actId="207"/>
+        <pc:sldMkLst>
+          <pc:docMk/>
+          <pc:sldMk cId="2693111403" sldId="271"/>
+        </pc:sldMkLst>
+        <pc:spChg chg="mod">
+          <ac:chgData name="Coral Avital" userId="b56c5f9a-5b5b-44ae-b3ed-fb11a0ae0651" providerId="ADAL" clId="{2EE7F043-B757-4D06-8C8B-4DB106B1D190}" dt="2021-01-10T14:21:21.091" v="2273" actId="115"/>
+          <ac:spMkLst>
+            <pc:docMk/>
+            <pc:sldMk cId="2693111403" sldId="271"/>
+            <ac:spMk id="2" creationId="{020AAFC4-9AA3-4FD4-A9AF-810A1D3696E9}"/>
+          </ac:spMkLst>
+        </pc:spChg>
+        <pc:spChg chg="mod">
+          <ac:chgData name="Coral Avital" userId="b56c5f9a-5b5b-44ae-b3ed-fb11a0ae0651" providerId="ADAL" clId="{2EE7F043-B757-4D06-8C8B-4DB106B1D190}" dt="2021-01-10T14:21:25.842" v="2274" actId="207"/>
+          <ac:spMkLst>
+            <pc:docMk/>
+            <pc:sldMk cId="2693111403" sldId="271"/>
+            <ac:spMk id="12" creationId="{D6C4A5D7-1C2B-4A7A-AC44-2AB786A78235}"/>
+          </ac:spMkLst>
+        </pc:spChg>
+      </pc:sldChg>
+      <pc:sldChg chg="modSp mod">
+        <pc:chgData name="Coral Avital" userId="b56c5f9a-5b5b-44ae-b3ed-fb11a0ae0651" providerId="ADAL" clId="{2EE7F043-B757-4D06-8C8B-4DB106B1D190}" dt="2021-01-10T14:21:29.907" v="2275" actId="115"/>
+        <pc:sldMkLst>
+          <pc:docMk/>
+          <pc:sldMk cId="3780918073" sldId="272"/>
+        </pc:sldMkLst>
+        <pc:spChg chg="mod">
+          <ac:chgData name="Coral Avital" userId="b56c5f9a-5b5b-44ae-b3ed-fb11a0ae0651" providerId="ADAL" clId="{2EE7F043-B757-4D06-8C8B-4DB106B1D190}" dt="2021-01-10T14:21:29.907" v="2275" actId="115"/>
+          <ac:spMkLst>
+            <pc:docMk/>
+            <pc:sldMk cId="3780918073" sldId="272"/>
+            <ac:spMk id="2" creationId="{97958050-8C0A-432E-BDD4-C6B78C69654F}"/>
+          </ac:spMkLst>
+        </pc:spChg>
+      </pc:sldChg>
+      <pc:sldChg chg="addSp delSp modSp mod">
+        <pc:chgData name="Coral Avital" userId="b56c5f9a-5b5b-44ae-b3ed-fb11a0ae0651" providerId="ADAL" clId="{2EE7F043-B757-4D06-8C8B-4DB106B1D190}" dt="2021-01-10T14:20:59.380" v="2267" actId="115"/>
+        <pc:sldMkLst>
+          <pc:docMk/>
+          <pc:sldMk cId="1676160878" sldId="273"/>
+        </pc:sldMkLst>
+        <pc:spChg chg="add del mod">
+          <ac:chgData name="Coral Avital" userId="b56c5f9a-5b5b-44ae-b3ed-fb11a0ae0651" providerId="ADAL" clId="{2EE7F043-B757-4D06-8C8B-4DB106B1D190}" dt="2021-01-10T13:46:15.602" v="1815" actId="478"/>
+          <ac:spMkLst>
+            <pc:docMk/>
+            <pc:sldMk cId="1676160878" sldId="273"/>
+            <ac:spMk id="4" creationId="{53DC5935-0C4A-4755-A3EB-F2DDBF2CAB6F}"/>
+          </ac:spMkLst>
+        </pc:spChg>
+        <pc:spChg chg="add del mod">
+          <ac:chgData name="Coral Avital" userId="b56c5f9a-5b5b-44ae-b3ed-fb11a0ae0651" providerId="ADAL" clId="{2EE7F043-B757-4D06-8C8B-4DB106B1D190}" dt="2021-01-10T13:37:48.550" v="1316" actId="478"/>
+          <ac:spMkLst>
+            <pc:docMk/>
+            <pc:sldMk cId="1676160878" sldId="273"/>
+            <ac:spMk id="6" creationId="{5B66E210-0031-4B4B-B89C-E6739E85DC2C}"/>
+          </ac:spMkLst>
+        </pc:spChg>
+        <pc:spChg chg="add del mod">
+          <ac:chgData name="Coral Avital" userId="b56c5f9a-5b5b-44ae-b3ed-fb11a0ae0651" providerId="ADAL" clId="{2EE7F043-B757-4D06-8C8B-4DB106B1D190}" dt="2021-01-10T13:34:06.888" v="1038" actId="478"/>
+          <ac:spMkLst>
+            <pc:docMk/>
+            <pc:sldMk cId="1676160878" sldId="273"/>
+            <ac:spMk id="8" creationId="{19F9E5E4-7D0A-4D6C-889E-F00921B20C41}"/>
+          </ac:spMkLst>
+        </pc:spChg>
+        <pc:spChg chg="add mod">
+          <ac:chgData name="Coral Avital" userId="b56c5f9a-5b5b-44ae-b3ed-fb11a0ae0651" providerId="ADAL" clId="{2EE7F043-B757-4D06-8C8B-4DB106B1D190}" dt="2021-01-10T13:46:06.780" v="1809" actId="1038"/>
+          <ac:spMkLst>
+            <pc:docMk/>
+            <pc:sldMk cId="1676160878" sldId="273"/>
+            <ac:spMk id="20" creationId="{730936CA-1143-4837-894F-FBB86CADD12A}"/>
+          </ac:spMkLst>
+        </pc:spChg>
+        <pc:spChg chg="add del mod">
+          <ac:chgData name="Coral Avital" userId="b56c5f9a-5b5b-44ae-b3ed-fb11a0ae0651" providerId="ADAL" clId="{2EE7F043-B757-4D06-8C8B-4DB106B1D190}" dt="2021-01-10T13:29:23.043" v="876" actId="478"/>
+          <ac:spMkLst>
+            <pc:docMk/>
+            <pc:sldMk cId="1676160878" sldId="273"/>
+            <ac:spMk id="22" creationId="{0E5B6C9C-4A84-4B0F-AB11-CA7DFE36CA7C}"/>
+          </ac:spMkLst>
+        </pc:spChg>
+        <pc:spChg chg="add mod">
+          <ac:chgData name="Coral Avital" userId="b56c5f9a-5b5b-44ae-b3ed-fb11a0ae0651" providerId="ADAL" clId="{2EE7F043-B757-4D06-8C8B-4DB106B1D190}" dt="2021-01-10T13:45:37.554" v="1794" actId="1038"/>
+          <ac:spMkLst>
+            <pc:docMk/>
+            <pc:sldMk cId="1676160878" sldId="273"/>
+            <ac:spMk id="25" creationId="{308C5AD4-68D0-40F3-BDF4-C1B0DB3431B4}"/>
+          </ac:spMkLst>
+        </pc:spChg>
+        <pc:spChg chg="add del mod">
+          <ac:chgData name="Coral Avital" userId="b56c5f9a-5b5b-44ae-b3ed-fb11a0ae0651" providerId="ADAL" clId="{2EE7F043-B757-4D06-8C8B-4DB106B1D190}" dt="2021-01-10T13:29:30.374" v="882" actId="478"/>
+          <ac:spMkLst>
+            <pc:docMk/>
+            <pc:sldMk cId="1676160878" sldId="273"/>
+            <ac:spMk id="27" creationId="{9175942A-BCE5-4912-8D29-A70FE8878DC1}"/>
+          </ac:spMkLst>
+        </pc:spChg>
+        <pc:spChg chg="add del mod">
+          <ac:chgData name="Coral Avital" userId="b56c5f9a-5b5b-44ae-b3ed-fb11a0ae0651" providerId="ADAL" clId="{2EE7F043-B757-4D06-8C8B-4DB106B1D190}" dt="2021-01-10T13:44:09.324" v="1591" actId="478"/>
+          <ac:spMkLst>
+            <pc:docMk/>
+            <pc:sldMk cId="1676160878" sldId="273"/>
+            <ac:spMk id="28" creationId="{C2AFEA80-18C8-44DF-8A85-39F23B40C3D9}"/>
+          </ac:spMkLst>
+        </pc:spChg>
+        <pc:spChg chg="add del mod">
+          <ac:chgData name="Coral Avital" userId="b56c5f9a-5b5b-44ae-b3ed-fb11a0ae0651" providerId="ADAL" clId="{2EE7F043-B757-4D06-8C8B-4DB106B1D190}" dt="2021-01-10T13:44:03.867" v="1589" actId="478"/>
+          <ac:spMkLst>
+            <pc:docMk/>
+            <pc:sldMk cId="1676160878" sldId="273"/>
+            <ac:spMk id="29" creationId="{193FB393-51EE-431E-9A90-59DB15C97732}"/>
+          </ac:spMkLst>
+        </pc:spChg>
+        <pc:spChg chg="add del mod">
+          <ac:chgData name="Coral Avital" userId="b56c5f9a-5b5b-44ae-b3ed-fb11a0ae0651" providerId="ADAL" clId="{2EE7F043-B757-4D06-8C8B-4DB106B1D190}" dt="2021-01-10T13:44:06.348" v="1590" actId="478"/>
+          <ac:spMkLst>
+            <pc:docMk/>
+            <pc:sldMk cId="1676160878" sldId="273"/>
+            <ac:spMk id="30" creationId="{DB707855-4F97-44CF-8308-7B3502CFA5ED}"/>
+          </ac:spMkLst>
+        </pc:spChg>
+        <pc:spChg chg="add mod">
+          <ac:chgData name="Coral Avital" userId="b56c5f9a-5b5b-44ae-b3ed-fb11a0ae0651" providerId="ADAL" clId="{2EE7F043-B757-4D06-8C8B-4DB106B1D190}" dt="2021-01-10T13:45:21.269" v="1784" actId="1038"/>
+          <ac:spMkLst>
+            <pc:docMk/>
+            <pc:sldMk cId="1676160878" sldId="273"/>
+            <ac:spMk id="31" creationId="{7C915B1A-7F92-444D-AD08-72EAC698DE21}"/>
+          </ac:spMkLst>
+        </pc:spChg>
+        <pc:spChg chg="add del mod">
+          <ac:chgData name="Coral Avital" userId="b56c5f9a-5b5b-44ae-b3ed-fb11a0ae0651" providerId="ADAL" clId="{2EE7F043-B757-4D06-8C8B-4DB106B1D190}" dt="2021-01-10T13:30:05.149" v="919" actId="478"/>
+          <ac:spMkLst>
+            <pc:docMk/>
+            <pc:sldMk cId="1676160878" sldId="273"/>
+            <ac:spMk id="33" creationId="{1259869B-4189-41F8-9554-63D286EFB09F}"/>
+          </ac:spMkLst>
+        </pc:spChg>
+        <pc:spChg chg="add mod">
+          <ac:chgData name="Coral Avital" userId="b56c5f9a-5b5b-44ae-b3ed-fb11a0ae0651" providerId="ADAL" clId="{2EE7F043-B757-4D06-8C8B-4DB106B1D190}" dt="2021-01-10T13:47:43.533" v="1866" actId="20577"/>
+          <ac:spMkLst>
+            <pc:docMk/>
+            <pc:sldMk cId="1676160878" sldId="273"/>
+            <ac:spMk id="40" creationId="{A45141FF-F5D2-45E4-B6E1-F33DBC377243}"/>
+          </ac:spMkLst>
+        </pc:spChg>
+        <pc:spChg chg="add mod">
+          <ac:chgData name="Coral Avital" userId="b56c5f9a-5b5b-44ae-b3ed-fb11a0ae0651" providerId="ADAL" clId="{2EE7F043-B757-4D06-8C8B-4DB106B1D190}" dt="2021-01-10T13:48:51.023" v="1902" actId="20577"/>
+          <ac:spMkLst>
+            <pc:docMk/>
+            <pc:sldMk cId="1676160878" sldId="273"/>
+            <ac:spMk id="41" creationId="{53D70A9B-A9B8-4971-8099-950F9BF4DE9F}"/>
+          </ac:spMkLst>
+        </pc:spChg>
+        <pc:spChg chg="add mod">
+          <ac:chgData name="Coral Avital" userId="b56c5f9a-5b5b-44ae-b3ed-fb11a0ae0651" providerId="ADAL" clId="{2EE7F043-B757-4D06-8C8B-4DB106B1D190}" dt="2021-01-10T13:51:38.169" v="1972" actId="20577"/>
+          <ac:spMkLst>
+            <pc:docMk/>
+            <pc:sldMk cId="1676160878" sldId="273"/>
+            <ac:spMk id="42" creationId="{5CA971D1-1E60-4D77-966C-9354B3844008}"/>
+          </ac:spMkLst>
+        </pc:spChg>
+        <pc:spChg chg="mod">
+          <ac:chgData name="Coral Avital" userId="b56c5f9a-5b5b-44ae-b3ed-fb11a0ae0651" providerId="ADAL" clId="{2EE7F043-B757-4D06-8C8B-4DB106B1D190}" dt="2021-01-10T14:20:59.380" v="2267" actId="115"/>
+          <ac:spMkLst>
+            <pc:docMk/>
+            <pc:sldMk cId="1676160878" sldId="273"/>
+            <ac:spMk id="73" creationId="{59944BFF-EB0E-47AA-AE6D-B2808E119493}"/>
+          </ac:spMkLst>
+        </pc:spChg>
+        <pc:spChg chg="mod">
+          <ac:chgData name="Coral Avital" userId="b56c5f9a-5b5b-44ae-b3ed-fb11a0ae0651" providerId="ADAL" clId="{2EE7F043-B757-4D06-8C8B-4DB106B1D190}" dt="2021-01-10T13:46:23.635" v="1822" actId="1038"/>
+          <ac:spMkLst>
+            <pc:docMk/>
+            <pc:sldMk cId="1676160878" sldId="273"/>
+            <ac:spMk id="75" creationId="{54A28B80-949D-4875-8454-65C677C242C0}"/>
+          </ac:spMkLst>
+        </pc:spChg>
+        <pc:spChg chg="mod">
+          <ac:chgData name="Coral Avital" userId="b56c5f9a-5b5b-44ae-b3ed-fb11a0ae0651" providerId="ADAL" clId="{2EE7F043-B757-4D06-8C8B-4DB106B1D190}" dt="2021-01-10T13:49:09.840" v="1919" actId="20577"/>
+          <ac:spMkLst>
+            <pc:docMk/>
+            <pc:sldMk cId="1676160878" sldId="273"/>
+            <ac:spMk id="76" creationId="{F85615EC-ED58-4535-8364-5453CA87C6BB}"/>
+          </ac:spMkLst>
+        </pc:spChg>
+        <pc:spChg chg="del mod">
+          <ac:chgData name="Coral Avital" userId="b56c5f9a-5b5b-44ae-b3ed-fb11a0ae0651" providerId="ADAL" clId="{2EE7F043-B757-4D06-8C8B-4DB106B1D190}" dt="2021-01-10T13:29:43.587" v="892" actId="478"/>
+          <ac:spMkLst>
+            <pc:docMk/>
+            <pc:sldMk cId="1676160878" sldId="273"/>
+            <ac:spMk id="78" creationId="{07F9DC5B-EFCF-4160-9CA2-67357CDD5404}"/>
+          </ac:spMkLst>
+        </pc:spChg>
+        <pc:spChg chg="mod">
+          <ac:chgData name="Coral Avital" userId="b56c5f9a-5b5b-44ae-b3ed-fb11a0ae0651" providerId="ADAL" clId="{2EE7F043-B757-4D06-8C8B-4DB106B1D190}" dt="2021-01-10T13:45:47.196" v="1799" actId="1038"/>
+          <ac:spMkLst>
+            <pc:docMk/>
+            <pc:sldMk cId="1676160878" sldId="273"/>
+            <ac:spMk id="80" creationId="{E86E6499-D2B1-4F88-A5B6-F0C83093D6C8}"/>
+          </ac:spMkLst>
+        </pc:spChg>
+        <pc:spChg chg="mod">
+          <ac:chgData name="Coral Avital" userId="b56c5f9a-5b5b-44ae-b3ed-fb11a0ae0651" providerId="ADAL" clId="{2EE7F043-B757-4D06-8C8B-4DB106B1D190}" dt="2021-01-10T13:49:34.231" v="1944" actId="20577"/>
+          <ac:spMkLst>
+            <pc:docMk/>
+            <pc:sldMk cId="1676160878" sldId="273"/>
+            <ac:spMk id="81" creationId="{9CAD9DA0-591D-4655-BE3B-D2162C5D73BB}"/>
+          </ac:spMkLst>
+        </pc:spChg>
+        <pc:spChg chg="del mod">
+          <ac:chgData name="Coral Avital" userId="b56c5f9a-5b5b-44ae-b3ed-fb11a0ae0651" providerId="ADAL" clId="{2EE7F043-B757-4D06-8C8B-4DB106B1D190}" dt="2021-01-10T13:29:51.449" v="901" actId="478"/>
+          <ac:spMkLst>
+            <pc:docMk/>
+            <pc:sldMk cId="1676160878" sldId="273"/>
+            <ac:spMk id="82" creationId="{7496B20D-BD66-4B27-84AA-E50FEB2506C5}"/>
+          </ac:spMkLst>
+        </pc:spChg>
+        <pc:spChg chg="mod">
+          <ac:chgData name="Coral Avital" userId="b56c5f9a-5b5b-44ae-b3ed-fb11a0ae0651" providerId="ADAL" clId="{2EE7F043-B757-4D06-8C8B-4DB106B1D190}" dt="2021-01-10T13:45:28.283" v="1788" actId="1038"/>
+          <ac:spMkLst>
+            <pc:docMk/>
+            <pc:sldMk cId="1676160878" sldId="273"/>
+            <ac:spMk id="84" creationId="{33A97CBA-B92B-47D6-939E-FC794AA85C08}"/>
+          </ac:spMkLst>
+        </pc:spChg>
+        <pc:spChg chg="mod">
+          <ac:chgData name="Coral Avital" userId="b56c5f9a-5b5b-44ae-b3ed-fb11a0ae0651" providerId="ADAL" clId="{2EE7F043-B757-4D06-8C8B-4DB106B1D190}" dt="2021-01-10T13:50:06.477" v="1969" actId="20577"/>
+          <ac:spMkLst>
+            <pc:docMk/>
+            <pc:sldMk cId="1676160878" sldId="273"/>
+            <ac:spMk id="85" creationId="{63255D73-8481-4553-B0E0-EEAB97E8A603}"/>
+          </ac:spMkLst>
+        </pc:spChg>
+        <pc:spChg chg="del mod">
+          <ac:chgData name="Coral Avital" userId="b56c5f9a-5b5b-44ae-b3ed-fb11a0ae0651" providerId="ADAL" clId="{2EE7F043-B757-4D06-8C8B-4DB106B1D190}" dt="2021-01-10T13:29:58.388" v="910" actId="478"/>
+          <ac:spMkLst>
+            <pc:docMk/>
+            <pc:sldMk cId="1676160878" sldId="273"/>
+            <ac:spMk id="86" creationId="{F71D59A8-B12B-4EFC-8838-C21115F76149}"/>
+          </ac:spMkLst>
+        </pc:spChg>
+        <pc:picChg chg="add mod">
+          <ac:chgData name="Coral Avital" userId="b56c5f9a-5b5b-44ae-b3ed-fb11a0ae0651" providerId="ADAL" clId="{2EE7F043-B757-4D06-8C8B-4DB106B1D190}" dt="2021-01-10T13:37:28.756" v="1305" actId="14861"/>
+          <ac:picMkLst>
+            <pc:docMk/>
+            <pc:sldMk cId="1676160878" sldId="273"/>
+            <ac:picMk id="19" creationId="{F5C84D2E-EB89-4AA8-9443-9F2FA699EE30}"/>
+          </ac:picMkLst>
+        </pc:picChg>
+        <pc:picChg chg="add mod">
+          <ac:chgData name="Coral Avital" userId="b56c5f9a-5b5b-44ae-b3ed-fb11a0ae0651" providerId="ADAL" clId="{2EE7F043-B757-4D06-8C8B-4DB106B1D190}" dt="2021-01-10T13:37:34.789" v="1310" actId="14861"/>
+          <ac:picMkLst>
+            <pc:docMk/>
+            <pc:sldMk cId="1676160878" sldId="273"/>
+            <ac:picMk id="23" creationId="{52031419-6FAF-4651-B719-53893CA454D9}"/>
+          </ac:picMkLst>
+        </pc:picChg>
+        <pc:picChg chg="add mod">
+          <ac:chgData name="Coral Avital" userId="b56c5f9a-5b5b-44ae-b3ed-fb11a0ae0651" providerId="ADAL" clId="{2EE7F043-B757-4D06-8C8B-4DB106B1D190}" dt="2021-01-10T13:37:43.664" v="1315" actId="14861"/>
+          <ac:picMkLst>
+            <pc:docMk/>
+            <pc:sldMk cId="1676160878" sldId="273"/>
+            <ac:picMk id="24" creationId="{96AF35E7-B953-4751-8ACB-F33F3BC5E948}"/>
+          </ac:picMkLst>
+        </pc:picChg>
+        <pc:picChg chg="mod">
+          <ac:chgData name="Coral Avital" userId="b56c5f9a-5b5b-44ae-b3ed-fb11a0ae0651" providerId="ADAL" clId="{2EE7F043-B757-4D06-8C8B-4DB106B1D190}" dt="2021-01-10T13:37:23.728" v="1300" actId="14861"/>
+          <ac:picMkLst>
+            <pc:docMk/>
+            <pc:sldMk cId="1676160878" sldId="273"/>
+            <ac:picMk id="88" creationId="{19C1C15E-A3C7-49BA-BCDD-5C95EE280367}"/>
+          </ac:picMkLst>
+        </pc:picChg>
+        <pc:picChg chg="mod">
+          <ac:chgData name="Coral Avital" userId="b56c5f9a-5b5b-44ae-b3ed-fb11a0ae0651" providerId="ADAL" clId="{2EE7F043-B757-4D06-8C8B-4DB106B1D190}" dt="2021-01-10T13:37:15.400" v="1293" actId="14861"/>
+          <ac:picMkLst>
+            <pc:docMk/>
+            <pc:sldMk cId="1676160878" sldId="273"/>
+            <ac:picMk id="92" creationId="{921A3CFA-B715-446B-83FD-D5AA8586EBE2}"/>
+          </ac:picMkLst>
+        </pc:picChg>
+        <pc:picChg chg="mod">
+          <ac:chgData name="Coral Avital" userId="b56c5f9a-5b5b-44ae-b3ed-fb11a0ae0651" providerId="ADAL" clId="{2EE7F043-B757-4D06-8C8B-4DB106B1D190}" dt="2021-01-10T13:37:01.263" v="1262" actId="14861"/>
+          <ac:picMkLst>
+            <pc:docMk/>
+            <pc:sldMk cId="1676160878" sldId="273"/>
+            <ac:picMk id="94" creationId="{678140F2-20DC-49B9-8BD8-815437A060C9}"/>
+          </ac:picMkLst>
+        </pc:picChg>
+        <pc:cxnChg chg="add mod">
+          <ac:chgData name="Coral Avital" userId="b56c5f9a-5b5b-44ae-b3ed-fb11a0ae0651" providerId="ADAL" clId="{2EE7F043-B757-4D06-8C8B-4DB106B1D190}" dt="2021-01-10T13:46:02.932" v="1806" actId="1037"/>
+          <ac:cxnSpMkLst>
+            <pc:docMk/>
+            <pc:sldMk cId="1676160878" sldId="273"/>
+            <ac:cxnSpMk id="21" creationId="{9F34C340-E111-4DFE-82CC-782DCAAE8152}"/>
+          </ac:cxnSpMkLst>
+        </pc:cxnChg>
+        <pc:cxnChg chg="add mod">
+          <ac:chgData name="Coral Avital" userId="b56c5f9a-5b5b-44ae-b3ed-fb11a0ae0651" providerId="ADAL" clId="{2EE7F043-B757-4D06-8C8B-4DB106B1D190}" dt="2021-01-10T13:45:02.027" v="1770" actId="1037"/>
+          <ac:cxnSpMkLst>
+            <pc:docMk/>
+            <pc:sldMk cId="1676160878" sldId="273"/>
+            <ac:cxnSpMk id="26" creationId="{B64C9D9A-113C-4A76-9FE2-AFFFC3A6B19C}"/>
+          </ac:cxnSpMkLst>
+        </pc:cxnChg>
+        <pc:cxnChg chg="add mod">
+          <ac:chgData name="Coral Avital" userId="b56c5f9a-5b5b-44ae-b3ed-fb11a0ae0651" providerId="ADAL" clId="{2EE7F043-B757-4D06-8C8B-4DB106B1D190}" dt="2021-01-10T13:45:11.165" v="1775" actId="1037"/>
+          <ac:cxnSpMkLst>
+            <pc:docMk/>
+            <pc:sldMk cId="1676160878" sldId="273"/>
+            <ac:cxnSpMk id="32" creationId="{84961E9A-943A-4590-9B23-19984785166C}"/>
+          </ac:cxnSpMkLst>
+        </pc:cxnChg>
+        <pc:cxnChg chg="mod">
+          <ac:chgData name="Coral Avital" userId="b56c5f9a-5b5b-44ae-b3ed-fb11a0ae0651" providerId="ADAL" clId="{2EE7F043-B757-4D06-8C8B-4DB106B1D190}" dt="2021-01-10T13:46:27.157" v="1825" actId="1037"/>
+          <ac:cxnSpMkLst>
+            <pc:docMk/>
+            <pc:sldMk cId="1676160878" sldId="273"/>
+            <ac:cxnSpMk id="95" creationId="{80BC67F4-4E33-4709-9D60-593B322A8C48}"/>
+          </ac:cxnSpMkLst>
+        </pc:cxnChg>
+        <pc:cxnChg chg="mod">
+          <ac:chgData name="Coral Avital" userId="b56c5f9a-5b5b-44ae-b3ed-fb11a0ae0651" providerId="ADAL" clId="{2EE7F043-B757-4D06-8C8B-4DB106B1D190}" dt="2021-01-10T13:45:53.456" v="1800" actId="1037"/>
+          <ac:cxnSpMkLst>
+            <pc:docMk/>
+            <pc:sldMk cId="1676160878" sldId="273"/>
+            <ac:cxnSpMk id="96" creationId="{F57D445D-9983-4AAC-8E68-88EA351CB22B}"/>
+          </ac:cxnSpMkLst>
+        </pc:cxnChg>
+        <pc:cxnChg chg="mod">
+          <ac:chgData name="Coral Avital" userId="b56c5f9a-5b5b-44ae-b3ed-fb11a0ae0651" providerId="ADAL" clId="{2EE7F043-B757-4D06-8C8B-4DB106B1D190}" dt="2021-01-10T13:45:08.585" v="1774" actId="1037"/>
+          <ac:cxnSpMkLst>
+            <pc:docMk/>
+            <pc:sldMk cId="1676160878" sldId="273"/>
+            <ac:cxnSpMk id="97" creationId="{0BCA98FD-268D-47AA-8871-119024D92EA6}"/>
+          </ac:cxnSpMkLst>
+        </pc:cxnChg>
+      </pc:sldChg>
+      <pc:sldChg chg="modSp mod">
+        <pc:chgData name="Coral Avital" userId="b56c5f9a-5b5b-44ae-b3ed-fb11a0ae0651" providerId="ADAL" clId="{2EE7F043-B757-4D06-8C8B-4DB106B1D190}" dt="2021-01-10T13:53:30.935" v="2033" actId="207"/>
+        <pc:sldMkLst>
+          <pc:docMk/>
+          <pc:sldMk cId="4155564764" sldId="278"/>
+        </pc:sldMkLst>
+        <pc:spChg chg="mod">
+          <ac:chgData name="Coral Avital" userId="b56c5f9a-5b5b-44ae-b3ed-fb11a0ae0651" providerId="ADAL" clId="{2EE7F043-B757-4D06-8C8B-4DB106B1D190}" dt="2021-01-10T13:53:30.935" v="2033" actId="207"/>
+          <ac:spMkLst>
+            <pc:docMk/>
+            <pc:sldMk cId="4155564764" sldId="278"/>
+            <ac:spMk id="2" creationId="{05F54379-12DC-488A-96E2-264D244A381B}"/>
+          </ac:spMkLst>
+        </pc:spChg>
+      </pc:sldChg>
+      <pc:sldChg chg="modSp mod">
+        <pc:chgData name="Coral Avital" userId="b56c5f9a-5b5b-44ae-b3ed-fb11a0ae0651" providerId="ADAL" clId="{2EE7F043-B757-4D06-8C8B-4DB106B1D190}" dt="2021-01-10T14:17:41.899" v="2263" actId="14100"/>
+        <pc:sldMkLst>
+          <pc:docMk/>
+          <pc:sldMk cId="4170961216" sldId="279"/>
+        </pc:sldMkLst>
+        <pc:spChg chg="mod">
+          <ac:chgData name="Coral Avital" userId="b56c5f9a-5b5b-44ae-b3ed-fb11a0ae0651" providerId="ADAL" clId="{2EE7F043-B757-4D06-8C8B-4DB106B1D190}" dt="2021-01-10T13:52:48.071" v="1997" actId="207"/>
+          <ac:spMkLst>
+            <pc:docMk/>
+            <pc:sldMk cId="4170961216" sldId="279"/>
+            <ac:spMk id="2" creationId="{05F54379-12DC-488A-96E2-264D244A381B}"/>
+          </ac:spMkLst>
+        </pc:spChg>
+        <pc:spChg chg="mod">
+          <ac:chgData name="Coral Avital" userId="b56c5f9a-5b5b-44ae-b3ed-fb11a0ae0651" providerId="ADAL" clId="{2EE7F043-B757-4D06-8C8B-4DB106B1D190}" dt="2021-01-10T14:10:30.265" v="2196" actId="1035"/>
+          <ac:spMkLst>
+            <pc:docMk/>
+            <pc:sldMk cId="4170961216" sldId="279"/>
+            <ac:spMk id="3" creationId="{18397F9A-0355-4091-BDD7-5C578348C1FB}"/>
+          </ac:spMkLst>
+        </pc:spChg>
+        <pc:spChg chg="mod">
+          <ac:chgData name="Coral Avital" userId="b56c5f9a-5b5b-44ae-b3ed-fb11a0ae0651" providerId="ADAL" clId="{2EE7F043-B757-4D06-8C8B-4DB106B1D190}" dt="2021-01-10T14:17:41.899" v="2263" actId="14100"/>
+          <ac:spMkLst>
+            <pc:docMk/>
+            <pc:sldMk cId="4170961216" sldId="279"/>
+            <ac:spMk id="8" creationId="{0D9263D0-7B10-45A1-AD9E-D040B170EFE2}"/>
+          </ac:spMkLst>
+        </pc:spChg>
+        <pc:spChg chg="mod">
+          <ac:chgData name="Coral Avital" userId="b56c5f9a-5b5b-44ae-b3ed-fb11a0ae0651" providerId="ADAL" clId="{2EE7F043-B757-4D06-8C8B-4DB106B1D190}" dt="2021-01-10T14:17:36.463" v="2262" actId="27636"/>
+          <ac:spMkLst>
+            <pc:docMk/>
+            <pc:sldMk cId="4170961216" sldId="279"/>
+            <ac:spMk id="10" creationId="{9884D43A-F693-45B5-941E-26162517B9A6}"/>
+          </ac:spMkLst>
+        </pc:spChg>
+        <pc:spChg chg="mod">
+          <ac:chgData name="Coral Avital" userId="b56c5f9a-5b5b-44ae-b3ed-fb11a0ae0651" providerId="ADAL" clId="{2EE7F043-B757-4D06-8C8B-4DB106B1D190}" dt="2021-01-10T14:10:39.502" v="2215" actId="1035"/>
+          <ac:spMkLst>
+            <pc:docMk/>
+            <pc:sldMk cId="4170961216" sldId="279"/>
+            <ac:spMk id="20" creationId="{F39CF165-4D0A-4FFE-A234-42CF6D42A53E}"/>
+          </ac:spMkLst>
+        </pc:spChg>
+        <pc:spChg chg="mod">
+          <ac:chgData name="Coral Avital" userId="b56c5f9a-5b5b-44ae-b3ed-fb11a0ae0651" providerId="ADAL" clId="{2EE7F043-B757-4D06-8C8B-4DB106B1D190}" dt="2021-01-10T14:10:51" v="2237" actId="1035"/>
+          <ac:spMkLst>
+            <pc:docMk/>
+            <pc:sldMk cId="4170961216" sldId="279"/>
+            <ac:spMk id="21" creationId="{DC1439B0-F39B-424E-8629-432D70098BBA}"/>
+          </ac:spMkLst>
+        </pc:spChg>
+        <pc:spChg chg="mod">
+          <ac:chgData name="Coral Avital" userId="b56c5f9a-5b5b-44ae-b3ed-fb11a0ae0651" providerId="ADAL" clId="{2EE7F043-B757-4D06-8C8B-4DB106B1D190}" dt="2021-01-10T14:11:03.877" v="2256" actId="1035"/>
+          <ac:spMkLst>
+            <pc:docMk/>
+            <pc:sldMk cId="4170961216" sldId="279"/>
+            <ac:spMk id="22" creationId="{7E38BBAF-0461-4D34-ACB4-015B330D3CCC}"/>
+          </ac:spMkLst>
+        </pc:spChg>
+      </pc:sldChg>
+      <pc:sldChg chg="modSp mod">
+        <pc:chgData name="Coral Avital" userId="b56c5f9a-5b5b-44ae-b3ed-fb11a0ae0651" providerId="ADAL" clId="{2EE7F043-B757-4D06-8C8B-4DB106B1D190}" dt="2021-01-10T14:21:38.537" v="2277" actId="115"/>
+        <pc:sldMkLst>
+          <pc:docMk/>
+          <pc:sldMk cId="2811499314" sldId="281"/>
+        </pc:sldMkLst>
+        <pc:spChg chg="mod">
+          <ac:chgData name="Coral Avital" userId="b56c5f9a-5b5b-44ae-b3ed-fb11a0ae0651" providerId="ADAL" clId="{2EE7F043-B757-4D06-8C8B-4DB106B1D190}" dt="2021-01-10T14:21:38.537" v="2277" actId="115"/>
+          <ac:spMkLst>
+            <pc:docMk/>
+            <pc:sldMk cId="2811499314" sldId="281"/>
+            <ac:spMk id="2" creationId="{5FAEC97E-A437-4843-81CB-2F215D3EA4E5}"/>
+          </ac:spMkLst>
+        </pc:spChg>
+        <pc:spChg chg="mod">
+          <ac:chgData name="Coral Avital" userId="b56c5f9a-5b5b-44ae-b3ed-fb11a0ae0651" providerId="ADAL" clId="{2EE7F043-B757-4D06-8C8B-4DB106B1D190}" dt="2021-01-10T13:53:16.255" v="2029" actId="5793"/>
+          <ac:spMkLst>
+            <pc:docMk/>
+            <pc:sldMk cId="2811499314" sldId="281"/>
+            <ac:spMk id="5" creationId="{D3659FA1-93D3-46F2-9245-9BB2309C53A4}"/>
+          </ac:spMkLst>
+        </pc:spChg>
+        <pc:spChg chg="mod">
+          <ac:chgData name="Coral Avital" userId="b56c5f9a-5b5b-44ae-b3ed-fb11a0ae0651" providerId="ADAL" clId="{2EE7F043-B757-4D06-8C8B-4DB106B1D190}" dt="2021-01-10T13:56:00.024" v="2145" actId="20577"/>
+          <ac:spMkLst>
+            <pc:docMk/>
+            <pc:sldMk cId="2811499314" sldId="281"/>
+            <ac:spMk id="6" creationId="{85D9ABDA-7D25-45FF-9839-7F7886D956E3}"/>
+          </ac:spMkLst>
+        </pc:spChg>
+        <pc:spChg chg="mod">
+          <ac:chgData name="Coral Avital" userId="b56c5f9a-5b5b-44ae-b3ed-fb11a0ae0651" providerId="ADAL" clId="{2EE7F043-B757-4D06-8C8B-4DB106B1D190}" dt="2021-01-10T13:53:12.963" v="2025" actId="20577"/>
+          <ac:spMkLst>
+            <pc:docMk/>
+            <pc:sldMk cId="2811499314" sldId="281"/>
+            <ac:spMk id="27" creationId="{36D1E065-62B5-4D94-BE31-531E357C79F1}"/>
+          </ac:spMkLst>
+        </pc:spChg>
+        <pc:spChg chg="mod">
+          <ac:chgData name="Coral Avital" userId="b56c5f9a-5b5b-44ae-b3ed-fb11a0ae0651" providerId="ADAL" clId="{2EE7F043-B757-4D06-8C8B-4DB106B1D190}" dt="2021-01-10T13:56:08.093" v="2150" actId="20577"/>
+          <ac:spMkLst>
+            <pc:docMk/>
+            <pc:sldMk cId="2811499314" sldId="281"/>
+            <ac:spMk id="28" creationId="{624EE17F-6BE6-435B-8402-7E942E31D955}"/>
+          </ac:spMkLst>
+        </pc:spChg>
+        <pc:spChg chg="mod">
+          <ac:chgData name="Coral Avital" userId="b56c5f9a-5b5b-44ae-b3ed-fb11a0ae0651" providerId="ADAL" clId="{2EE7F043-B757-4D06-8C8B-4DB106B1D190}" dt="2021-01-10T13:53:11.174" v="2023" actId="20577"/>
+          <ac:spMkLst>
+            <pc:docMk/>
+            <pc:sldMk cId="2811499314" sldId="281"/>
+            <ac:spMk id="29" creationId="{44354466-168C-4056-96E7-4D2ABD373072}"/>
+          </ac:spMkLst>
+        </pc:spChg>
+        <pc:spChg chg="mod">
+          <ac:chgData name="Coral Avital" userId="b56c5f9a-5b5b-44ae-b3ed-fb11a0ae0651" providerId="ADAL" clId="{2EE7F043-B757-4D06-8C8B-4DB106B1D190}" dt="2021-01-10T13:56:11.184" v="2152" actId="20577"/>
+          <ac:spMkLst>
+            <pc:docMk/>
+            <pc:sldMk cId="2811499314" sldId="281"/>
+            <ac:spMk id="30" creationId="{76D004CC-05F4-4982-AE6B-C6E5D8E1CF5B}"/>
+          </ac:spMkLst>
+        </pc:spChg>
+      </pc:sldChg>
+    </pc:docChg>
+  </pc:docChgLst>
+</pc:chgInfo>
 </file>
 
 <file path=ppt/diagrams/colors1.xml><?xml version="1.0" encoding="utf-8"?>
@@ -4376,7 +5029,7 @@
           <a:p>
             <a:fld id="{168375C1-7C5C-42A2-80F2-05631BB3764E}" type="slidenum">
               <a:rPr lang="en-US" smtClean="0"/>
-              <a:t>4</a:t>
+              <a:t>3</a:t>
             </a:fld>
             <a:endParaRPr lang="en-US"/>
           </a:p>
@@ -4460,7 +5113,7 @@
           <a:p>
             <a:fld id="{9CA004F4-F240-48F9-8AE1-486585C7F00D}" type="slidenum">
               <a:rPr lang="en-US" smtClean="0"/>
-              <a:t>13</a:t>
+              <a:t>12</a:t>
             </a:fld>
             <a:endParaRPr lang="en-US" dirty="0"/>
           </a:p>
@@ -4544,7 +5197,7 @@
           <a:p>
             <a:fld id="{168375C1-7C5C-42A2-80F2-05631BB3764E}" type="slidenum">
               <a:rPr lang="en-US" noProof="0" smtClean="0"/>
-              <a:t>14</a:t>
+              <a:t>13</a:t>
             </a:fld>
             <a:endParaRPr lang="en-US" noProof="0" dirty="0"/>
           </a:p>
@@ -4628,7 +5281,7 @@
           <a:p>
             <a:fld id="{9CA004F4-F240-48F9-8AE1-486585C7F00D}" type="slidenum">
               <a:rPr lang="en-US" smtClean="0"/>
-              <a:t>16</a:t>
+              <a:t>15</a:t>
             </a:fld>
             <a:endParaRPr lang="en-US" dirty="0"/>
           </a:p>
@@ -10226,18 +10879,31 @@
         </p:nvSpPr>
         <p:spPr>
           <a:xfrm>
-            <a:off x="0" y="5157192"/>
-            <a:ext cx="4968552" cy="1088132"/>
+            <a:off x="333772" y="5157192"/>
+            <a:ext cx="4274740" cy="360040"/>
           </a:xfrm>
         </p:spPr>
         <p:txBody>
           <a:bodyPr>
-            <a:normAutofit/>
+            <a:normAutofit lnSpcReduction="10000"/>
           </a:bodyPr>
           <a:lstStyle/>
           <a:p>
             <a:r>
-              <a:rPr lang="en-US" sz="2000" b="1" dirty="0"/>
+              <a:rPr lang="en-US" sz="2000" b="1" dirty="0">
+                <a:solidFill>
+                  <a:schemeClr val="bg2">
+                    <a:lumMod val="50000"/>
+                  </a:schemeClr>
+                </a:solidFill>
+                <a:effectLst>
+                  <a:outerShdw blurRad="38100" dist="38100" dir="2700000" algn="tl">
+                    <a:srgbClr val="000000">
+                      <a:alpha val="43137"/>
+                    </a:srgbClr>
+                  </a:outerShdw>
+                </a:effectLst>
+              </a:rPr>
               <a:t>Travel Agency management software</a:t>
             </a:r>
           </a:p>
@@ -10326,255 +10992,6 @@
           <p:cNvPr id="2" name="Title 1">
             <a:extLst>
               <a:ext uri="{FF2B5EF4-FFF2-40B4-BE49-F238E27FC236}">
-                <a16:creationId xmlns:a16="http://schemas.microsoft.com/office/drawing/2014/main" id="{020AAFC4-9AA3-4FD4-A9AF-810A1D3696E9}"/>
-              </a:ext>
-            </a:extLst>
-          </p:cNvPr>
-          <p:cNvSpPr>
-            <a:spLocks noGrp="1"/>
-          </p:cNvSpPr>
-          <p:nvPr>
-            <p:ph type="title"/>
-          </p:nvPr>
-        </p:nvSpPr>
-        <p:spPr/>
-        <p:txBody>
-          <a:bodyPr/>
-          <a:lstStyle/>
-          <a:p>
-            <a:r>
-              <a:rPr lang="en-US" b="1" u="sng" dirty="0"/>
-              <a:t>USE CASE</a:t>
-            </a:r>
-            <a:endParaRPr lang="en-IL" b="1" u="sng" dirty="0"/>
-          </a:p>
-        </p:txBody>
-      </p:sp>
-      <p:pic>
-        <p:nvPicPr>
-          <p:cNvPr id="9" name="Picture 8" descr="Diagram&#10;&#10;Description automatically generated">
-            <a:extLst>
-              <a:ext uri="{FF2B5EF4-FFF2-40B4-BE49-F238E27FC236}">
-                <a16:creationId xmlns:a16="http://schemas.microsoft.com/office/drawing/2014/main" id="{28497EBC-17BF-46B6-8FD0-DD9CC3921C4F}"/>
-              </a:ext>
-            </a:extLst>
-          </p:cNvPr>
-          <p:cNvPicPr>
-            <a:picLocks noChangeAspect="1"/>
-          </p:cNvPicPr>
-          <p:nvPr/>
-        </p:nvPicPr>
-        <p:blipFill>
-          <a:blip r:embed="rId2">
-            <a:extLst>
-              <a:ext uri="{28A0092B-C50C-407E-A947-70E740481C1C}">
-                <a14:useLocalDpi xmlns:a14="http://schemas.microsoft.com/office/drawing/2010/main" val="0"/>
-              </a:ext>
-            </a:extLst>
-          </a:blip>
-          <a:stretch>
-            <a:fillRect/>
-          </a:stretch>
-        </p:blipFill>
-        <p:spPr>
-          <a:xfrm>
-            <a:off x="4856683" y="351936"/>
-            <a:ext cx="6666487" cy="6079954"/>
-          </a:xfrm>
-          <a:prstGeom prst="rect">
-            <a:avLst/>
-          </a:prstGeom>
-        </p:spPr>
-      </p:pic>
-      <p:sp>
-        <p:nvSpPr>
-          <p:cNvPr id="10" name="Content Placeholder 2">
-            <a:extLst>
-              <a:ext uri="{FF2B5EF4-FFF2-40B4-BE49-F238E27FC236}">
-                <a16:creationId xmlns:a16="http://schemas.microsoft.com/office/drawing/2014/main" id="{825917FA-08FC-4E73-98BC-65549D7D32F1}"/>
-              </a:ext>
-            </a:extLst>
-          </p:cNvPr>
-          <p:cNvSpPr>
-            <a:spLocks noGrp="1"/>
-          </p:cNvSpPr>
-          <p:nvPr>
-            <p:ph sz="half" idx="1"/>
-          </p:nvPr>
-        </p:nvSpPr>
-        <p:spPr>
-          <a:xfrm>
-            <a:off x="641476" y="685800"/>
-            <a:ext cx="3720479" cy="3535288"/>
-          </a:xfrm>
-        </p:spPr>
-        <p:txBody>
-          <a:bodyPr/>
-          <a:lstStyle/>
-          <a:p>
-            <a:r>
-              <a:rPr lang="en-US" dirty="0">
-                <a:solidFill>
-                  <a:srgbClr val="FF0000"/>
-                </a:solidFill>
-              </a:rPr>
-              <a:t>1</a:t>
-            </a:r>
-          </a:p>
-          <a:p>
-            <a:r>
-              <a:rPr lang="en-US" dirty="0">
-                <a:solidFill>
-                  <a:srgbClr val="FF0000"/>
-                </a:solidFill>
-              </a:rPr>
-              <a:t>2</a:t>
-            </a:r>
-          </a:p>
-          <a:p>
-            <a:r>
-              <a:rPr lang="en-US" dirty="0">
-                <a:solidFill>
-                  <a:srgbClr val="FF0000"/>
-                </a:solidFill>
-              </a:rPr>
-              <a:t>3</a:t>
-            </a:r>
-            <a:endParaRPr lang="en-IL" dirty="0">
-              <a:solidFill>
-                <a:srgbClr val="FF0000"/>
-              </a:solidFill>
-            </a:endParaRPr>
-          </a:p>
-        </p:txBody>
-      </p:sp>
-      <p:sp>
-        <p:nvSpPr>
-          <p:cNvPr id="12" name="TextBox 11">
-            <a:extLst>
-              <a:ext uri="{FF2B5EF4-FFF2-40B4-BE49-F238E27FC236}">
-                <a16:creationId xmlns:a16="http://schemas.microsoft.com/office/drawing/2014/main" id="{D6C4A5D7-1C2B-4A7A-AC44-2AB786A78235}"/>
-              </a:ext>
-            </a:extLst>
-          </p:cNvPr>
-          <p:cNvSpPr txBox="1"/>
-          <p:nvPr/>
-        </p:nvSpPr>
-        <p:spPr>
-          <a:xfrm>
-            <a:off x="261764" y="6387774"/>
-            <a:ext cx="5486401" cy="369332"/>
-          </a:xfrm>
-          <a:prstGeom prst="rect">
-            <a:avLst/>
-          </a:prstGeom>
-          <a:noFill/>
-        </p:spPr>
-        <p:txBody>
-          <a:bodyPr wrap="square" rtlCol="0">
-            <a:spAutoFit/>
-          </a:bodyPr>
-          <a:lstStyle/>
-          <a:p>
-            <a:pPr>
-              <a:lnSpc>
-                <a:spcPct val="90000"/>
-              </a:lnSpc>
-            </a:pPr>
-            <a:r>
-              <a:rPr lang="en-US" sz="1400" dirty="0"/>
-              <a:t>* </a:t>
-            </a:r>
-            <a:r>
-              <a:rPr lang="en-US" sz="2000" dirty="0"/>
-              <a:t>Full documented file delivered</a:t>
-            </a:r>
-          </a:p>
-        </p:txBody>
-      </p:sp>
-      <p:pic>
-        <p:nvPicPr>
-          <p:cNvPr id="13" name="Picture 12" descr="A picture containing logo&#10;&#10;Description automatically generated">
-            <a:extLst>
-              <a:ext uri="{FF2B5EF4-FFF2-40B4-BE49-F238E27FC236}">
-                <a16:creationId xmlns:a16="http://schemas.microsoft.com/office/drawing/2014/main" id="{D32835CF-F087-4FAF-BD8E-8F2DC2490508}"/>
-              </a:ext>
-            </a:extLst>
-          </p:cNvPr>
-          <p:cNvPicPr>
-            <a:picLocks noChangeAspect="1"/>
-          </p:cNvPicPr>
-          <p:nvPr/>
-        </p:nvPicPr>
-        <p:blipFill>
-          <a:blip r:embed="rId3" cstate="print">
-            <a:extLst>
-              <a:ext uri="{28A0092B-C50C-407E-A947-70E740481C1C}">
-                <a14:useLocalDpi xmlns:a14="http://schemas.microsoft.com/office/drawing/2010/main" val="0"/>
-              </a:ext>
-            </a:extLst>
-          </a:blip>
-          <a:stretch>
-            <a:fillRect/>
-          </a:stretch>
-        </p:blipFill>
-        <p:spPr>
-          <a:xfrm>
-            <a:off x="9982844" y="4840705"/>
-            <a:ext cx="1989956" cy="1989956"/>
-          </a:xfrm>
-          <a:prstGeom prst="rect">
-            <a:avLst/>
-          </a:prstGeom>
-        </p:spPr>
-      </p:pic>
-    </p:spTree>
-    <p:extLst>
-      <p:ext uri="{BB962C8B-B14F-4D97-AF65-F5344CB8AC3E}">
-        <p14:creationId xmlns:p14="http://schemas.microsoft.com/office/powerpoint/2010/main" val="2693111403"/>
-      </p:ext>
-    </p:extLst>
-  </p:cSld>
-  <p:clrMapOvr>
-    <a:masterClrMapping/>
-  </p:clrMapOvr>
-  <mc:AlternateContent xmlns:mc="http://schemas.openxmlformats.org/markup-compatibility/2006" xmlns:p14="http://schemas.microsoft.com/office/powerpoint/2010/main">
-    <mc:Choice Requires="p14">
-      <p:transition spd="med" p14:dur="700">
-        <p:fade/>
-      </p:transition>
-    </mc:Choice>
-    <mc:Fallback xmlns="">
-      <p:transition spd="med">
-        <p:fade/>
-      </p:transition>
-    </mc:Fallback>
-  </mc:AlternateContent>
-</p:sld>
-</file>
-
-<file path=ppt/slides/slide11.xml><?xml version="1.0" encoding="utf-8"?>
-<p:sld xmlns:a="http://schemas.openxmlformats.org/drawingml/2006/main" xmlns:r="http://schemas.openxmlformats.org/officeDocument/2006/relationships" xmlns:p="http://schemas.openxmlformats.org/presentationml/2006/main">
-  <p:cSld>
-    <p:spTree>
-      <p:nvGrpSpPr>
-        <p:cNvPr id="1" name=""/>
-        <p:cNvGrpSpPr/>
-        <p:nvPr/>
-      </p:nvGrpSpPr>
-      <p:grpSpPr>
-        <a:xfrm>
-          <a:off x="0" y="0"/>
-          <a:ext cx="0" cy="0"/>
-          <a:chOff x="0" y="0"/>
-          <a:chExt cx="0" cy="0"/>
-        </a:xfrm>
-      </p:grpSpPr>
-      <p:sp>
-        <p:nvSpPr>
-          <p:cNvPr id="2" name="Title 1">
-            <a:extLst>
-              <a:ext uri="{FF2B5EF4-FFF2-40B4-BE49-F238E27FC236}">
                 <a16:creationId xmlns:a16="http://schemas.microsoft.com/office/drawing/2014/main" id="{97958050-8C0A-432E-BDD4-C6B78C69654F}"/>
               </a:ext>
             </a:extLst>
@@ -10592,10 +11009,36 @@
           <a:lstStyle/>
           <a:p>
             <a:r>
-              <a:rPr lang="en-US" b="1" u="sng" dirty="0"/>
+              <a:rPr lang="en-US" b="1" u="sng" dirty="0">
+                <a:solidFill>
+                  <a:schemeClr val="bg2">
+                    <a:lumMod val="50000"/>
+                  </a:schemeClr>
+                </a:solidFill>
+                <a:effectLst>
+                  <a:outerShdw blurRad="38100" dist="38100" dir="2700000" algn="tl">
+                    <a:srgbClr val="000000">
+                      <a:alpha val="43137"/>
+                    </a:srgbClr>
+                  </a:outerShdw>
+                </a:effectLst>
+              </a:rPr>
               <a:t>DFD</a:t>
             </a:r>
-            <a:endParaRPr lang="en-IL" b="1" u="sng" dirty="0"/>
+            <a:endParaRPr lang="en-IL" b="1" u="sng" dirty="0">
+              <a:solidFill>
+                <a:schemeClr val="bg2">
+                  <a:lumMod val="50000"/>
+                </a:schemeClr>
+              </a:solidFill>
+              <a:effectLst>
+                <a:outerShdw blurRad="38100" dist="38100" dir="2700000" algn="tl">
+                  <a:srgbClr val="000000">
+                    <a:alpha val="43137"/>
+                  </a:srgbClr>
+                </a:outerShdw>
+              </a:effectLst>
+            </a:endParaRPr>
           </a:p>
         </p:txBody>
       </p:sp>
@@ -10982,7 +11425,7 @@
 </p:sld>
 </file>
 
-<file path=ppt/slides/slide12.xml><?xml version="1.0" encoding="utf-8"?>
+<file path=ppt/slides/slide11.xml><?xml version="1.0" encoding="utf-8"?>
 <p:sld xmlns:a="http://schemas.openxmlformats.org/drawingml/2006/main" xmlns:r="http://schemas.openxmlformats.org/officeDocument/2006/relationships" xmlns:p="http://schemas.openxmlformats.org/presentationml/2006/main">
   <p:cSld>
     <p:spTree>
@@ -11015,7 +11458,20 @@
           <a:lstStyle/>
           <a:p>
             <a:r>
-              <a:rPr lang="en-US" b="1" dirty="0"/>
+              <a:rPr lang="en-US" b="1" u="sng" dirty="0">
+                <a:solidFill>
+                  <a:schemeClr val="bg2">
+                    <a:lumMod val="50000"/>
+                  </a:schemeClr>
+                </a:solidFill>
+                <a:effectLst>
+                  <a:outerShdw blurRad="38100" dist="38100" dir="2700000" algn="tl">
+                    <a:srgbClr val="000000">
+                      <a:alpha val="43137"/>
+                    </a:srgbClr>
+                  </a:outerShdw>
+                </a:effectLst>
+              </a:rPr>
               <a:t>STP main tests</a:t>
             </a:r>
           </a:p>
@@ -15763,7 +16219,7 @@
 </p:sld>
 </file>
 
-<file path=ppt/slides/slide13.xml><?xml version="1.0" encoding="utf-8"?>
+<file path=ppt/slides/slide12.xml><?xml version="1.0" encoding="utf-8"?>
 <p:sld xmlns:a="http://schemas.openxmlformats.org/drawingml/2006/main" xmlns:r="http://schemas.openxmlformats.org/officeDocument/2006/relationships" xmlns:p="http://schemas.openxmlformats.org/presentationml/2006/main">
   <p:cSld>
     <p:spTree>
@@ -15809,7 +16265,20 @@
           <a:lstStyle/>
           <a:p>
             <a:r>
-              <a:rPr lang="en-US" sz="4800" b="1" dirty="0"/>
+              <a:rPr lang="en-US" sz="4800" b="1" dirty="0">
+                <a:solidFill>
+                  <a:schemeClr val="bg2">
+                    <a:lumMod val="50000"/>
+                  </a:schemeClr>
+                </a:solidFill>
+                <a:effectLst>
+                  <a:outerShdw blurRad="38100" dist="38100" dir="2700000" algn="tl">
+                    <a:srgbClr val="000000">
+                      <a:alpha val="43137"/>
+                    </a:srgbClr>
+                  </a:outerShdw>
+                </a:effectLst>
+              </a:rPr>
               <a:t>Why Us?  </a:t>
             </a:r>
           </a:p>
@@ -15833,13 +16302,13 @@
         </p:nvSpPr>
         <p:spPr>
           <a:xfrm>
-            <a:off x="7044765" y="1769600"/>
-            <a:ext cx="4503839" cy="1430861"/>
+            <a:off x="7044765" y="692696"/>
+            <a:ext cx="5144060" cy="1430861"/>
           </a:xfrm>
         </p:spPr>
         <p:txBody>
           <a:bodyPr>
-            <a:normAutofit/>
+            <a:normAutofit fontScale="85000" lnSpcReduction="10000"/>
           </a:bodyPr>
           <a:lstStyle/>
           <a:p>
@@ -15858,11 +16327,14 @@
                 </a:solidFill>
                 <a:latin typeface="+mj-lt"/>
               </a:rPr>
-              <a:t>Heading 1</a:t>
+              <a:t>Easy and convenient access to use</a:t>
             </a:r>
           </a:p>
           <a:p>
             <a:pPr>
+              <a:lnSpc>
+                <a:spcPct val="110000"/>
+              </a:lnSpc>
               <a:spcBef>
                 <a:spcPts val="400"/>
               </a:spcBef>
@@ -15877,7 +16349,7 @@
                 </a:solidFill>
                 <a:cs typeface="Arial"/>
               </a:rPr>
-              <a:t>Lorem ipsum dolor sit amet, consectetur adipiscing elit. Etiam aliquet eu mi quis lacinia.  Ut fermentum a magna ut eleifend. </a:t>
+              <a:t>Each user has a customized menu that offers the features that are relevant to him. The connection process and / or the registration process are performed with one click and the steps are clear. Making an order can be easily done by the package number you want to order. Additional processes like package ranking or package search are simply made possible.</a:t>
             </a:r>
           </a:p>
         </p:txBody>
@@ -15905,7 +16377,7 @@
           <a:p>
             <a:fld id="{82EE24B5-652C-4DB5-B7C3-B5BBEC1280B1}" type="slidenum">
               <a:rPr lang="en-US" smtClean="0"/>
-              <a:t>13</a:t>
+              <a:t>12</a:t>
             </a:fld>
             <a:endParaRPr lang="en-US" dirty="0"/>
           </a:p>
@@ -15929,13 +16401,13 @@
         </p:nvSpPr>
         <p:spPr>
           <a:xfrm>
-            <a:off x="7044765" y="3002881"/>
-            <a:ext cx="4421092" cy="1648199"/>
+            <a:off x="7044764" y="2276872"/>
+            <a:ext cx="5144061" cy="1800200"/>
           </a:xfrm>
         </p:spPr>
         <p:txBody>
           <a:bodyPr>
-            <a:normAutofit fontScale="70000" lnSpcReduction="20000"/>
+            <a:normAutofit fontScale="55000" lnSpcReduction="20000"/>
           </a:bodyPr>
           <a:lstStyle/>
           <a:p>
@@ -15954,13 +16426,13 @@
                 </a:solidFill>
                 <a:latin typeface="+mj-lt"/>
               </a:rPr>
-              <a:t>Heading 2</a:t>
+              <a:t>Information security at the highest level</a:t>
             </a:r>
           </a:p>
           <a:p>
             <a:pPr>
               <a:lnSpc>
-                <a:spcPct val="110000"/>
+                <a:spcPct val="130000"/>
               </a:lnSpc>
               <a:spcBef>
                 <a:spcPts val="400"/>
@@ -15976,7 +16448,29 @@
                 </a:solidFill>
                 <a:cs typeface="Arial"/>
               </a:rPr>
-              <a:t>Lorem ipsum dolor sit amet, consectetur adipiscing elit. Etiam aliquet eu mi quis lacinia.  Ut fermentum a magna ut eleifend. Integer convallis suscipit ante eu varius. Morbi a purus dolor. </a:t>
+              <a:t>The system uses a high-level encryption method so that the information cannot be used maliciously. All information is stored in encrypted text files that only the company can decrypt so that your information is always safe with us.</a:t>
+            </a:r>
+          </a:p>
+          <a:p>
+            <a:pPr>
+              <a:lnSpc>
+                <a:spcPct val="130000"/>
+              </a:lnSpc>
+              <a:spcBef>
+                <a:spcPts val="400"/>
+              </a:spcBef>
+            </a:pPr>
+            <a:r>
+              <a:rPr lang="en-US" sz="2199" i="1" spc="-15" dirty="0">
+                <a:solidFill>
+                  <a:schemeClr val="bg2">
+                    <a:lumMod val="20000"/>
+                    <a:lumOff val="80000"/>
+                  </a:schemeClr>
+                </a:solidFill>
+                <a:cs typeface="Arial"/>
+              </a:rPr>
+              <a:t>Please note that the customer's credit information is not stored in the system and customers can be calm in this regard.</a:t>
             </a:r>
           </a:p>
         </p:txBody>
@@ -15999,13 +16493,13 @@
         </p:nvSpPr>
         <p:spPr>
           <a:xfrm>
-            <a:off x="7044764" y="4627341"/>
-            <a:ext cx="4503839" cy="1911875"/>
+            <a:off x="7044764" y="4005064"/>
+            <a:ext cx="5144061" cy="1911875"/>
           </a:xfrm>
         </p:spPr>
         <p:txBody>
           <a:bodyPr>
-            <a:normAutofit/>
+            <a:normAutofit fontScale="92500" lnSpcReduction="20000"/>
           </a:bodyPr>
           <a:lstStyle/>
           <a:p>
@@ -16018,17 +16512,20 @@
               </a:spcBef>
             </a:pPr>
             <a:r>
-              <a:rPr lang="en-US" sz="2199" b="1" dirty="0">
+              <a:rPr lang="en-US" sz="1900" b="1" dirty="0">
                 <a:solidFill>
                   <a:schemeClr val="bg1"/>
                 </a:solidFill>
                 <a:latin typeface="+mj-lt"/>
               </a:rPr>
-              <a:t>Heading 3</a:t>
+              <a:t>Comprehensive and extensive testing that has brought us to a high level of performance</a:t>
             </a:r>
           </a:p>
           <a:p>
             <a:pPr>
+              <a:lnSpc>
+                <a:spcPct val="110000"/>
+              </a:lnSpc>
               <a:spcBef>
                 <a:spcPts val="400"/>
               </a:spcBef>
@@ -16043,7 +16540,29 @@
                 </a:solidFill>
                 <a:cs typeface="Arial"/>
               </a:rPr>
-              <a:t>Lorem ipsum dolor sit amet, consectetur adipiscing elit. Etiam aliquet eu mi quis lacinia.  Ut fermentum a magna ut eleifend. Integer convallis suscipit ante eu varius. Morbi a purus dolor. </a:t>
+              <a:t>Every unit in the system, even the smallest, has been comprehensive, the results of which have guided us in repairing the system, in understanding the necessary steps on the way to improving the system.</a:t>
+            </a:r>
+          </a:p>
+          <a:p>
+            <a:pPr>
+              <a:lnSpc>
+                <a:spcPct val="110000"/>
+              </a:lnSpc>
+              <a:spcBef>
+                <a:spcPts val="400"/>
+              </a:spcBef>
+            </a:pPr>
+            <a:r>
+              <a:rPr lang="en-US" sz="1500" i="1" spc="-15" dirty="0">
+                <a:solidFill>
+                  <a:schemeClr val="bg2">
+                    <a:lumMod val="20000"/>
+                    <a:lumOff val="80000"/>
+                  </a:schemeClr>
+                </a:solidFill>
+                <a:cs typeface="Arial"/>
+              </a:rPr>
+              <a:t>In addition, regression tests were performed which included repairs that resulted in the wonderful system that we present to you today.</a:t>
             </a:r>
           </a:p>
         </p:txBody>
@@ -16146,7 +16665,7 @@
         </p:nvSpPr>
         <p:spPr>
           <a:xfrm>
-            <a:off x="6881483" y="1943728"/>
+            <a:off x="6881483" y="764704"/>
             <a:ext cx="158093" cy="147232"/>
           </a:xfrm>
           <a:prstGeom prst="ellipse">
@@ -16196,7 +16715,7 @@
         </p:nvSpPr>
         <p:spPr>
           <a:xfrm>
-            <a:off x="6863362" y="3198505"/>
+            <a:off x="6863362" y="2348880"/>
             <a:ext cx="158093" cy="147232"/>
           </a:xfrm>
           <a:prstGeom prst="ellipse">
@@ -16246,7 +16765,7 @@
         </p:nvSpPr>
         <p:spPr>
           <a:xfrm>
-            <a:off x="6883318" y="4777831"/>
+            <a:off x="6883318" y="4077072"/>
             <a:ext cx="158093" cy="147232"/>
           </a:xfrm>
           <a:prstGeom prst="ellipse">
@@ -16295,7 +16814,7 @@
 </p:sld>
 </file>
 
-<file path=ppt/slides/slide14.xml><?xml version="1.0" encoding="utf-8"?>
+<file path=ppt/slides/slide13.xml><?xml version="1.0" encoding="utf-8"?>
 <p:sld xmlns:a="http://schemas.openxmlformats.org/drawingml/2006/main" xmlns:r="http://schemas.openxmlformats.org/officeDocument/2006/relationships" xmlns:p="http://schemas.openxmlformats.org/presentationml/2006/main">
   <p:cSld>
     <p:spTree>
@@ -16334,7 +16853,20 @@
           <a:lstStyle/>
           <a:p>
             <a:r>
-              <a:rPr lang="en-US" b="1" u="sng" dirty="0"/>
+              <a:rPr lang="en-US" b="1" u="sng" dirty="0">
+                <a:solidFill>
+                  <a:schemeClr val="bg2">
+                    <a:lumMod val="50000"/>
+                  </a:schemeClr>
+                </a:solidFill>
+                <a:effectLst>
+                  <a:outerShdw blurRad="38100" dist="38100" dir="2700000" algn="tl">
+                    <a:srgbClr val="000000">
+                      <a:alpha val="43137"/>
+                    </a:srgbClr>
+                  </a:outerShdw>
+                </a:effectLst>
+              </a:rPr>
               <a:t>People tell us</a:t>
             </a:r>
           </a:p>
@@ -16666,7 +17198,19 @@
                   </a:schemeClr>
                 </a:solidFill>
               </a:rPr>
-              <a:t>תהייה לנו תחרות קשה איתכם</a:t>
+              <a:t>תהייה לנו תחרות קשה איתכם </a:t>
+            </a:r>
+            <a:r>
+              <a:rPr lang="he-IL" dirty="0">
+                <a:solidFill>
+                  <a:schemeClr val="tx1">
+                    <a:lumMod val="75000"/>
+                    <a:lumOff val="25000"/>
+                  </a:schemeClr>
+                </a:solidFill>
+                <a:sym typeface="Wingdings" panose="05000000000000000000" pitchFamily="2" charset="2"/>
+              </a:rPr>
+              <a:t></a:t>
             </a:r>
             <a:endParaRPr lang="en-US" dirty="0">
               <a:solidFill>
@@ -16905,6 +17449,10 @@
           <a:lstStyle/>
           <a:p>
             <a:r>
+              <a:rPr lang="he-IL" dirty="0"/>
+              <a:t>מתכנתים של </a:t>
+            </a:r>
+            <a:r>
               <a:rPr lang="he-IL" dirty="0">
                 <a:solidFill>
                   <a:schemeClr val="tx1">
@@ -16913,7 +17461,7 @@
                   </a:schemeClr>
                 </a:solidFill>
               </a:rPr>
-              <a:t>קבוצה מתחרה</a:t>
+              <a:t>מערכת מתחרה..</a:t>
             </a:r>
             <a:endParaRPr lang="en-US" dirty="0">
               <a:solidFill>
@@ -17306,7 +17854,19 @@
                   </a:schemeClr>
                 </a:solidFill>
               </a:rPr>
-              <a:t>תקבלו מעל 85</a:t>
+              <a:t>עבודה מעולה </a:t>
+            </a:r>
+            <a:r>
+              <a:rPr lang="he-IL" dirty="0">
+                <a:solidFill>
+                  <a:schemeClr val="tx1">
+                    <a:lumMod val="75000"/>
+                    <a:lumOff val="25000"/>
+                  </a:schemeClr>
+                </a:solidFill>
+                <a:sym typeface="Wingdings" panose="05000000000000000000" pitchFamily="2" charset="2"/>
+              </a:rPr>
+              <a:t></a:t>
             </a:r>
             <a:endParaRPr lang="en-US" dirty="0">
               <a:solidFill>
@@ -17494,7 +18054,7 @@
                   </a:schemeClr>
                 </a:solidFill>
               </a:rPr>
-              <a:t>הראל</a:t>
+              <a:t>הראל, מנחה הפרויקט..</a:t>
             </a:r>
             <a:endParaRPr lang="en-US" dirty="0">
               <a:solidFill>
@@ -17833,7 +18393,19 @@
                   </a:schemeClr>
                 </a:solidFill>
               </a:rPr>
-              <a:t>הקוד נראה פצצה</a:t>
+              <a:t>הקוד נראה פצצה </a:t>
+            </a:r>
+            <a:r>
+              <a:rPr lang="he-IL" dirty="0">
+                <a:solidFill>
+                  <a:schemeClr val="tx1">
+                    <a:lumMod val="75000"/>
+                    <a:lumOff val="25000"/>
+                  </a:schemeClr>
+                </a:solidFill>
+                <a:sym typeface="Wingdings" panose="05000000000000000000" pitchFamily="2" charset="2"/>
+              </a:rPr>
+              <a:t></a:t>
             </a:r>
             <a:endParaRPr lang="en-US" dirty="0">
               <a:solidFill>
@@ -18067,15 +18639,8 @@
           <a:lstStyle/>
           <a:p>
             <a:r>
-              <a:rPr lang="he-IL" dirty="0">
-                <a:solidFill>
-                  <a:schemeClr val="tx1">
-                    <a:lumMod val="75000"/>
-                    <a:lumOff val="25000"/>
-                  </a:schemeClr>
-                </a:solidFill>
-              </a:rPr>
-              <a:t>חבר למחלקה</a:t>
+              <a:rPr lang="he-IL" dirty="0"/>
+              <a:t>לקוח מרוצה..</a:t>
             </a:r>
             <a:endParaRPr lang="en-US" dirty="0">
               <a:solidFill>
@@ -18112,7 +18677,7 @@
             <a:fld id="{4B73C415-D670-4716-A5EC-CC4D52CA2BAC}" type="slidenum">
               <a:rPr lang="en-US" smtClean="0"/>
               <a:pPr/>
-              <a:t>14</a:t>
+              <a:t>13</a:t>
             </a:fld>
             <a:endParaRPr lang="en-US" dirty="0"/>
           </a:p>
@@ -18131,7 +18696,7 @@
 </p:sld>
 </file>
 
-<file path=ppt/slides/slide15.xml><?xml version="1.0" encoding="utf-8"?>
+<file path=ppt/slides/slide14.xml><?xml version="1.0" encoding="utf-8"?>
 <p:sld xmlns:a="http://schemas.openxmlformats.org/drawingml/2006/main" xmlns:r="http://schemas.openxmlformats.org/officeDocument/2006/relationships" xmlns:p="http://schemas.openxmlformats.org/presentationml/2006/main">
   <p:cSld>
     <p:spTree>
@@ -18164,15 +18729,54 @@
           <a:lstStyle/>
           <a:p>
             <a:r>
-              <a:rPr lang="en-US" b="1" dirty="0"/>
+              <a:rPr lang="en-US" b="1" u="sng" dirty="0">
+                <a:solidFill>
+                  <a:schemeClr val="bg2">
+                    <a:lumMod val="50000"/>
+                  </a:schemeClr>
+                </a:solidFill>
+                <a:effectLst>
+                  <a:outerShdw blurRad="38100" dist="38100" dir="2700000" algn="tl">
+                    <a:srgbClr val="000000">
+                      <a:alpha val="43137"/>
+                    </a:srgbClr>
+                  </a:outerShdw>
+                </a:effectLst>
+              </a:rPr>
               <a:t>Contact Information</a:t>
             </a:r>
             <a:r>
-              <a:rPr lang="he-IL" b="1" dirty="0"/>
+              <a:rPr lang="he-IL" b="1" u="sng" dirty="0">
+                <a:solidFill>
+                  <a:schemeClr val="bg2">
+                    <a:lumMod val="50000"/>
+                  </a:schemeClr>
+                </a:solidFill>
+                <a:effectLst>
+                  <a:outerShdw blurRad="38100" dist="38100" dir="2700000" algn="tl">
+                    <a:srgbClr val="000000">
+                      <a:alpha val="43137"/>
+                    </a:srgbClr>
+                  </a:outerShdw>
+                </a:effectLst>
+              </a:rPr>
               <a:t> </a:t>
             </a:r>
             <a:r>
-              <a:rPr lang="en-US" b="1" dirty="0"/>
+              <a:rPr lang="en-US" b="1" u="sng" dirty="0">
+                <a:solidFill>
+                  <a:schemeClr val="bg2">
+                    <a:lumMod val="50000"/>
+                  </a:schemeClr>
+                </a:solidFill>
+                <a:effectLst>
+                  <a:outerShdw blurRad="38100" dist="38100" dir="2700000" algn="tl">
+                    <a:srgbClr val="000000">
+                      <a:alpha val="43137"/>
+                    </a:srgbClr>
+                  </a:outerShdw>
+                </a:effectLst>
+              </a:rPr>
               <a:t>and references </a:t>
             </a:r>
           </a:p>
@@ -18193,50 +18797,128 @@
           <a:bodyPr/>
           <a:lstStyle/>
           <a:p>
+            <a:pPr>
+              <a:buClr>
+                <a:schemeClr val="accent1">
+                  <a:lumMod val="75000"/>
+                </a:schemeClr>
+              </a:buClr>
+            </a:pPr>
             <a:r>
-              <a:rPr lang="en-US" b="1" dirty="0"/>
+              <a:rPr lang="en-US" b="1" dirty="0">
+                <a:solidFill>
+                  <a:schemeClr val="bg2">
+                    <a:lumMod val="50000"/>
+                  </a:schemeClr>
+                </a:solidFill>
+              </a:rPr>
               <a:t>Tel: 1800-00-00</a:t>
             </a:r>
           </a:p>
           <a:p>
+            <a:pPr>
+              <a:buClr>
+                <a:schemeClr val="accent1">
+                  <a:lumMod val="75000"/>
+                </a:schemeClr>
+              </a:buClr>
+            </a:pPr>
             <a:r>
-              <a:rPr lang="en-US" b="1" dirty="0"/>
+              <a:rPr lang="en-US" b="1" dirty="0">
+                <a:solidFill>
+                  <a:schemeClr val="bg2">
+                    <a:lumMod val="50000"/>
+                  </a:schemeClr>
+                </a:solidFill>
+              </a:rPr>
               <a:t>Mail : </a:t>
             </a:r>
             <a:r>
               <a:rPr lang="en-US" b="1" dirty="0">
-                <a:hlinkClick r:id="rId2"/>
+                <a:solidFill>
+                  <a:schemeClr val="bg2">
+                    <a:lumMod val="50000"/>
+                  </a:schemeClr>
+                </a:solidFill>
+                <a:hlinkClick r:id="rId2">
+                  <a:extLst>
+                    <a:ext uri="{A12FA001-AC4F-418D-AE19-62706E023703}">
+                      <ahyp:hlinkClr xmlns:ahyp="http://schemas.microsoft.com/office/drawing/2018/hyperlinkcolor" val="tx"/>
+                    </a:ext>
+                  </a:extLst>
+                </a:hlinkClick>
               </a:rPr>
-              <a:t>pack4u@mail.com</a:t>
+              <a:t>pack4u@gmail.com</a:t>
             </a:r>
-            <a:endParaRPr lang="en-US" b="1" dirty="0"/>
-          </a:p>
-          <a:p>
+            <a:endParaRPr lang="en-US" b="1" dirty="0">
+              <a:solidFill>
+                <a:schemeClr val="bg2">
+                  <a:lumMod val="50000"/>
+                </a:schemeClr>
+              </a:solidFill>
+            </a:endParaRPr>
+          </a:p>
+          <a:p>
+            <a:pPr>
+              <a:buClr>
+                <a:schemeClr val="bg2">
+                  <a:lumMod val="50000"/>
+                </a:schemeClr>
+              </a:buClr>
+            </a:pPr>
             <a:r>
-              <a:rPr lang="en-US" b="1" dirty="0"/>
+              <a:rPr lang="en-US" b="1" dirty="0">
+                <a:solidFill>
+                  <a:schemeClr val="bg2">
+                    <a:lumMod val="50000"/>
+                  </a:schemeClr>
+                </a:solidFill>
+              </a:rPr>
               <a:t>Code and documents in GitHub: </a:t>
+            </a:r>
+            <a:r>
+              <a:rPr lang="en-US" b="0" i="0" u="none" strike="noStrike" baseline="0" dirty="0">
+                <a:solidFill>
+                  <a:srgbClr val="0000FF"/>
+                </a:solidFill>
+                <a:latin typeface="CIDFont+F1"/>
+              </a:rPr>
+              <a:t>https://github.com/SCE2020Team2/yesodot</a:t>
             </a:r>
             <a:r>
               <a:rPr lang="en-US" b="1" dirty="0">
                 <a:solidFill>
-                  <a:srgbClr val="FF0000"/>
+                  <a:schemeClr val="bg2">
+                    <a:lumMod val="50000"/>
+                  </a:schemeClr>
                 </a:solidFill>
               </a:rPr>
-              <a:t>link </a:t>
+              <a:t> </a:t>
             </a:r>
           </a:p>
           <a:p>
+            <a:pPr>
+              <a:buClr>
+                <a:schemeClr val="bg2">
+                  <a:lumMod val="50000"/>
+                </a:schemeClr>
+              </a:buClr>
+            </a:pPr>
             <a:r>
               <a:rPr lang="he-IL" b="1" dirty="0">
                 <a:solidFill>
-                  <a:srgbClr val="FF0000"/>
+                  <a:schemeClr val="bg2">
+                    <a:lumMod val="50000"/>
+                  </a:schemeClr>
                 </a:solidFill>
               </a:rPr>
               <a:t>לעצב פה טיפה יותר</a:t>
             </a:r>
             <a:endParaRPr lang="en-US" b="1" dirty="0">
               <a:solidFill>
-                <a:srgbClr val="FF0000"/>
+                <a:schemeClr val="bg2">
+                  <a:lumMod val="50000"/>
+                </a:schemeClr>
               </a:solidFill>
             </a:endParaRPr>
           </a:p>
@@ -18303,7 +18985,7 @@
 </p:sld>
 </file>
 
-<file path=ppt/slides/slide16.xml><?xml version="1.0" encoding="utf-8"?>
+<file path=ppt/slides/slide15.xml><?xml version="1.0" encoding="utf-8"?>
 <p:sld xmlns:a="http://schemas.openxmlformats.org/drawingml/2006/main" xmlns:r="http://schemas.openxmlformats.org/officeDocument/2006/relationships" xmlns:p="http://schemas.openxmlformats.org/presentationml/2006/main">
   <p:cSld>
     <p:spTree>
@@ -18349,7 +19031,20 @@
           <a:lstStyle/>
           <a:p>
             <a:r>
-              <a:rPr lang="en-US" sz="4800" b="1" dirty="0"/>
+              <a:rPr lang="en-US" sz="4800" b="1" dirty="0">
+                <a:solidFill>
+                  <a:schemeClr val="bg2">
+                    <a:lumMod val="50000"/>
+                  </a:schemeClr>
+                </a:solidFill>
+                <a:effectLst>
+                  <a:outerShdw blurRad="38100" dist="38100" dir="2700000" algn="tl">
+                    <a:srgbClr val="000000">
+                      <a:alpha val="43137"/>
+                    </a:srgbClr>
+                  </a:outerShdw>
+                </a:effectLst>
+              </a:rPr>
               <a:t>Why Us? </a:t>
             </a:r>
           </a:p>
@@ -18445,7 +19140,7 @@
           <a:p>
             <a:fld id="{82EE24B5-652C-4DB5-B7C3-B5BBEC1280B1}" type="slidenum">
               <a:rPr lang="en-US" smtClean="0"/>
-              <a:t>16</a:t>
+              <a:t>15</a:t>
             </a:fld>
             <a:endParaRPr lang="en-US" dirty="0"/>
           </a:p>
@@ -18868,7 +19563,20 @@
           <a:lstStyle/>
           <a:p>
             <a:r>
-              <a:rPr lang="en-US" b="1" u="sng" dirty="0"/>
+              <a:rPr lang="en-US" b="1" u="sng" dirty="0">
+                <a:solidFill>
+                  <a:schemeClr val="bg2">
+                    <a:lumMod val="50000"/>
+                  </a:schemeClr>
+                </a:solidFill>
+                <a:effectLst>
+                  <a:outerShdw blurRad="38100" dist="38100" dir="2700000" algn="tl">
+                    <a:srgbClr val="000000">
+                      <a:alpha val="43137"/>
+                    </a:srgbClr>
+                  </a:outerShdw>
+                </a:effectLst>
+              </a:rPr>
               <a:t>Introduction</a:t>
             </a:r>
           </a:p>
@@ -19026,933 +19734,6 @@
       </p:grpSpPr>
       <p:sp>
         <p:nvSpPr>
-          <p:cNvPr id="2" name="Title 1">
-            <a:extLst>
-              <a:ext uri="{FF2B5EF4-FFF2-40B4-BE49-F238E27FC236}">
-                <a16:creationId xmlns:a16="http://schemas.microsoft.com/office/drawing/2014/main" id="{31B98E6E-9194-4A2B-BE96-DCD15D753CDF}"/>
-              </a:ext>
-            </a:extLst>
-          </p:cNvPr>
-          <p:cNvSpPr>
-            <a:spLocks noGrp="1"/>
-          </p:cNvSpPr>
-          <p:nvPr>
-            <p:ph type="title"/>
-          </p:nvPr>
-        </p:nvSpPr>
-        <p:spPr/>
-        <p:txBody>
-          <a:bodyPr/>
-          <a:lstStyle/>
-          <a:p>
-            <a:r>
-              <a:rPr lang="en-US" b="1" u="sng" dirty="0"/>
-              <a:t>Organization chart </a:t>
-            </a:r>
-            <a:endParaRPr lang="en-IL" b="1" u="sng" dirty="0"/>
-          </a:p>
-        </p:txBody>
-      </p:sp>
-      <p:sp>
-        <p:nvSpPr>
-          <p:cNvPr id="6" name="Oval 5">
-            <a:extLst>
-              <a:ext uri="{FF2B5EF4-FFF2-40B4-BE49-F238E27FC236}">
-                <a16:creationId xmlns:a16="http://schemas.microsoft.com/office/drawing/2014/main" id="{CBA897BC-C6B5-4E52-9DD8-E8FF367720DE}"/>
-              </a:ext>
-            </a:extLst>
-          </p:cNvPr>
-          <p:cNvSpPr/>
-          <p:nvPr/>
-        </p:nvSpPr>
-        <p:spPr>
-          <a:xfrm>
-            <a:off x="1042292" y="388904"/>
-            <a:ext cx="1674540" cy="1793776"/>
-          </a:xfrm>
-          <a:prstGeom prst="ellipse">
-            <a:avLst/>
-          </a:prstGeom>
-          <a:blipFill dpi="0" rotWithShape="1">
-            <a:blip r:embed="rId2" cstate="print">
-              <a:extLst>
-                <a:ext uri="{28A0092B-C50C-407E-A947-70E740481C1C}">
-                  <a14:useLocalDpi xmlns:a14="http://schemas.microsoft.com/office/drawing/2010/main" val="0"/>
-                </a:ext>
-              </a:extLst>
-            </a:blip>
-            <a:srcRect/>
-            <a:stretch>
-              <a:fillRect/>
-            </a:stretch>
-          </a:blipFill>
-          <a:ln w="76200">
-            <a:solidFill>
-              <a:schemeClr val="accent6">
-                <a:lumMod val="75000"/>
-              </a:schemeClr>
-            </a:solidFill>
-          </a:ln>
-        </p:spPr>
-        <p:style>
-          <a:lnRef idx="3">
-            <a:schemeClr val="lt1"/>
-          </a:lnRef>
-          <a:fillRef idx="1">
-            <a:schemeClr val="accent2"/>
-          </a:fillRef>
-          <a:effectRef idx="1">
-            <a:schemeClr val="accent2"/>
-          </a:effectRef>
-          <a:fontRef idx="minor">
-            <a:schemeClr val="lt1"/>
-          </a:fontRef>
-        </p:style>
-        <p:txBody>
-          <a:bodyPr rtlCol="0" anchor="ctr"/>
-          <a:lstStyle/>
-          <a:p>
-            <a:pPr algn="ctr"/>
-            <a:endParaRPr lang="en-IL" dirty="0"/>
-          </a:p>
-        </p:txBody>
-      </p:sp>
-      <p:sp>
-        <p:nvSpPr>
-          <p:cNvPr id="9" name="Oval 8">
-            <a:extLst>
-              <a:ext uri="{FF2B5EF4-FFF2-40B4-BE49-F238E27FC236}">
-                <a16:creationId xmlns:a16="http://schemas.microsoft.com/office/drawing/2014/main" id="{4BC7A6FE-A279-4B10-BCAA-57C690A3F658}"/>
-              </a:ext>
-            </a:extLst>
-          </p:cNvPr>
-          <p:cNvSpPr/>
-          <p:nvPr/>
-        </p:nvSpPr>
-        <p:spPr>
-          <a:xfrm>
-            <a:off x="4206850" y="663335"/>
-            <a:ext cx="1674540" cy="1599568"/>
-          </a:xfrm>
-          <a:prstGeom prst="ellipse">
-            <a:avLst/>
-          </a:prstGeom>
-          <a:blipFill dpi="0" rotWithShape="1">
-            <a:blip r:embed="rId3" cstate="print">
-              <a:extLst>
-                <a:ext uri="{28A0092B-C50C-407E-A947-70E740481C1C}">
-                  <a14:useLocalDpi xmlns:a14="http://schemas.microsoft.com/office/drawing/2010/main" val="0"/>
-                </a:ext>
-              </a:extLst>
-            </a:blip>
-            <a:srcRect/>
-            <a:stretch>
-              <a:fillRect/>
-            </a:stretch>
-          </a:blipFill>
-          <a:ln w="76200">
-            <a:solidFill>
-              <a:schemeClr val="accent6">
-                <a:lumMod val="75000"/>
-              </a:schemeClr>
-            </a:solidFill>
-          </a:ln>
-        </p:spPr>
-        <p:style>
-          <a:lnRef idx="3">
-            <a:schemeClr val="lt1"/>
-          </a:lnRef>
-          <a:fillRef idx="1">
-            <a:schemeClr val="accent2"/>
-          </a:fillRef>
-          <a:effectRef idx="1">
-            <a:schemeClr val="accent2"/>
-          </a:effectRef>
-          <a:fontRef idx="minor">
-            <a:schemeClr val="lt1"/>
-          </a:fontRef>
-        </p:style>
-        <p:txBody>
-          <a:bodyPr rtlCol="0" anchor="ctr"/>
-          <a:lstStyle/>
-          <a:p>
-            <a:pPr algn="ctr"/>
-            <a:endParaRPr lang="en-IL" dirty="0"/>
-          </a:p>
-        </p:txBody>
-      </p:sp>
-      <p:sp>
-        <p:nvSpPr>
-          <p:cNvPr id="11" name="Oval 10">
-            <a:extLst>
-              <a:ext uri="{FF2B5EF4-FFF2-40B4-BE49-F238E27FC236}">
-                <a16:creationId xmlns:a16="http://schemas.microsoft.com/office/drawing/2014/main" id="{C7A2F571-5982-4F14-9E65-84F9ECB686BB}"/>
-              </a:ext>
-            </a:extLst>
-          </p:cNvPr>
-          <p:cNvSpPr/>
-          <p:nvPr/>
-        </p:nvSpPr>
-        <p:spPr>
-          <a:xfrm>
-            <a:off x="887336" y="3292700"/>
-            <a:ext cx="1674540" cy="1599568"/>
-          </a:xfrm>
-          <a:prstGeom prst="ellipse">
-            <a:avLst/>
-          </a:prstGeom>
-          <a:blipFill dpi="0" rotWithShape="1">
-            <a:blip r:embed="rId4" cstate="print">
-              <a:extLst>
-                <a:ext uri="{28A0092B-C50C-407E-A947-70E740481C1C}">
-                  <a14:useLocalDpi xmlns:a14="http://schemas.microsoft.com/office/drawing/2010/main" val="0"/>
-                </a:ext>
-              </a:extLst>
-            </a:blip>
-            <a:srcRect/>
-            <a:stretch>
-              <a:fillRect/>
-            </a:stretch>
-          </a:blipFill>
-          <a:ln w="76200">
-            <a:solidFill>
-              <a:schemeClr val="accent6">
-                <a:lumMod val="75000"/>
-              </a:schemeClr>
-            </a:solidFill>
-          </a:ln>
-        </p:spPr>
-        <p:style>
-          <a:lnRef idx="3">
-            <a:schemeClr val="lt1"/>
-          </a:lnRef>
-          <a:fillRef idx="1">
-            <a:schemeClr val="accent2"/>
-          </a:fillRef>
-          <a:effectRef idx="1">
-            <a:schemeClr val="accent2"/>
-          </a:effectRef>
-          <a:fontRef idx="minor">
-            <a:schemeClr val="lt1"/>
-          </a:fontRef>
-        </p:style>
-        <p:txBody>
-          <a:bodyPr rtlCol="0" anchor="ctr"/>
-          <a:lstStyle/>
-          <a:p>
-            <a:pPr algn="ctr"/>
-            <a:endParaRPr lang="en-IL" dirty="0"/>
-          </a:p>
-        </p:txBody>
-      </p:sp>
-      <p:sp>
-        <p:nvSpPr>
-          <p:cNvPr id="13" name="Oval 12">
-            <a:extLst>
-              <a:ext uri="{FF2B5EF4-FFF2-40B4-BE49-F238E27FC236}">
-                <a16:creationId xmlns:a16="http://schemas.microsoft.com/office/drawing/2014/main" id="{21141119-E0B8-41A7-A1F7-4F4C3D339C14}"/>
-              </a:ext>
-            </a:extLst>
-          </p:cNvPr>
-          <p:cNvSpPr/>
-          <p:nvPr/>
-        </p:nvSpPr>
-        <p:spPr>
-          <a:xfrm>
-            <a:off x="3937174" y="3337369"/>
-            <a:ext cx="1584176" cy="1599568"/>
-          </a:xfrm>
-          <a:prstGeom prst="ellipse">
-            <a:avLst/>
-          </a:prstGeom>
-          <a:blipFill dpi="0" rotWithShape="1">
-            <a:blip r:embed="rId5" cstate="print">
-              <a:extLst>
-                <a:ext uri="{28A0092B-C50C-407E-A947-70E740481C1C}">
-                  <a14:useLocalDpi xmlns:a14="http://schemas.microsoft.com/office/drawing/2010/main" val="0"/>
-                </a:ext>
-              </a:extLst>
-            </a:blip>
-            <a:srcRect/>
-            <a:stretch>
-              <a:fillRect/>
-            </a:stretch>
-          </a:blipFill>
-          <a:ln w="76200">
-            <a:solidFill>
-              <a:schemeClr val="accent6">
-                <a:lumMod val="75000"/>
-              </a:schemeClr>
-            </a:solidFill>
-          </a:ln>
-        </p:spPr>
-        <p:style>
-          <a:lnRef idx="3">
-            <a:schemeClr val="lt1"/>
-          </a:lnRef>
-          <a:fillRef idx="1">
-            <a:schemeClr val="accent2"/>
-          </a:fillRef>
-          <a:effectRef idx="1">
-            <a:schemeClr val="accent2"/>
-          </a:effectRef>
-          <a:fontRef idx="minor">
-            <a:schemeClr val="lt1"/>
-          </a:fontRef>
-        </p:style>
-        <p:txBody>
-          <a:bodyPr rtlCol="0" anchor="ctr"/>
-          <a:lstStyle/>
-          <a:p>
-            <a:pPr algn="ctr"/>
-            <a:endParaRPr lang="en-IL" dirty="0"/>
-          </a:p>
-        </p:txBody>
-      </p:sp>
-      <p:sp>
-        <p:nvSpPr>
-          <p:cNvPr id="14" name="Oval 13">
-            <a:extLst>
-              <a:ext uri="{FF2B5EF4-FFF2-40B4-BE49-F238E27FC236}">
-                <a16:creationId xmlns:a16="http://schemas.microsoft.com/office/drawing/2014/main" id="{F1BBDB88-EBB6-4545-A90C-BE71AD93BAB2}"/>
-              </a:ext>
-            </a:extLst>
-          </p:cNvPr>
-          <p:cNvSpPr/>
-          <p:nvPr/>
-        </p:nvSpPr>
-        <p:spPr>
-          <a:xfrm>
-            <a:off x="7308285" y="612281"/>
-            <a:ext cx="1674540" cy="1599568"/>
-          </a:xfrm>
-          <a:prstGeom prst="ellipse">
-            <a:avLst/>
-          </a:prstGeom>
-          <a:blipFill dpi="0" rotWithShape="1">
-            <a:blip r:embed="rId6">
-              <a:extLst>
-                <a:ext uri="{28A0092B-C50C-407E-A947-70E740481C1C}">
-                  <a14:useLocalDpi xmlns:a14="http://schemas.microsoft.com/office/drawing/2010/main" val="0"/>
-                </a:ext>
-              </a:extLst>
-            </a:blip>
-            <a:srcRect/>
-            <a:stretch>
-              <a:fillRect/>
-            </a:stretch>
-          </a:blipFill>
-          <a:ln w="76200">
-            <a:solidFill>
-              <a:schemeClr val="accent6">
-                <a:lumMod val="75000"/>
-              </a:schemeClr>
-            </a:solidFill>
-          </a:ln>
-        </p:spPr>
-        <p:style>
-          <a:lnRef idx="3">
-            <a:schemeClr val="lt1"/>
-          </a:lnRef>
-          <a:fillRef idx="1">
-            <a:schemeClr val="accent2"/>
-          </a:fillRef>
-          <a:effectRef idx="1">
-            <a:schemeClr val="accent2"/>
-          </a:effectRef>
-          <a:fontRef idx="minor">
-            <a:schemeClr val="lt1"/>
-          </a:fontRef>
-        </p:style>
-        <p:txBody>
-          <a:bodyPr rtlCol="0" anchor="ctr"/>
-          <a:lstStyle/>
-          <a:p>
-            <a:pPr algn="ctr"/>
-            <a:endParaRPr lang="en-IL" dirty="0"/>
-          </a:p>
-        </p:txBody>
-      </p:sp>
-      <p:sp>
-        <p:nvSpPr>
-          <p:cNvPr id="15" name="Oval 14">
-            <a:extLst>
-              <a:ext uri="{FF2B5EF4-FFF2-40B4-BE49-F238E27FC236}">
-                <a16:creationId xmlns:a16="http://schemas.microsoft.com/office/drawing/2014/main" id="{FC0B24AB-6F99-4ABB-8AD0-830FBB082EF0}"/>
-              </a:ext>
-            </a:extLst>
-          </p:cNvPr>
-          <p:cNvSpPr/>
-          <p:nvPr/>
-        </p:nvSpPr>
-        <p:spPr>
-          <a:xfrm>
-            <a:off x="7081809" y="3337369"/>
-            <a:ext cx="1674540" cy="1599568"/>
-          </a:xfrm>
-          <a:prstGeom prst="ellipse">
-            <a:avLst/>
-          </a:prstGeom>
-          <a:blipFill dpi="0" rotWithShape="1">
-            <a:blip r:embed="rId7" cstate="print">
-              <a:extLst>
-                <a:ext uri="{28A0092B-C50C-407E-A947-70E740481C1C}">
-                  <a14:useLocalDpi xmlns:a14="http://schemas.microsoft.com/office/drawing/2010/main" val="0"/>
-                </a:ext>
-              </a:extLst>
-            </a:blip>
-            <a:srcRect/>
-            <a:stretch>
-              <a:fillRect/>
-            </a:stretch>
-          </a:blipFill>
-          <a:ln w="76200">
-            <a:solidFill>
-              <a:schemeClr val="accent6">
-                <a:lumMod val="75000"/>
-              </a:schemeClr>
-            </a:solidFill>
-          </a:ln>
-        </p:spPr>
-        <p:style>
-          <a:lnRef idx="3">
-            <a:schemeClr val="lt1"/>
-          </a:lnRef>
-          <a:fillRef idx="1">
-            <a:schemeClr val="accent2"/>
-          </a:fillRef>
-          <a:effectRef idx="1">
-            <a:schemeClr val="accent2"/>
-          </a:effectRef>
-          <a:fontRef idx="minor">
-            <a:schemeClr val="lt1"/>
-          </a:fontRef>
-        </p:style>
-        <p:txBody>
-          <a:bodyPr rtlCol="0" anchor="ctr"/>
-          <a:lstStyle/>
-          <a:p>
-            <a:pPr algn="ctr"/>
-            <a:endParaRPr lang="en-IL" dirty="0"/>
-          </a:p>
-        </p:txBody>
-      </p:sp>
-      <p:sp>
-        <p:nvSpPr>
-          <p:cNvPr id="8" name="Rectangle: Rounded Corners 7">
-            <a:extLst>
-              <a:ext uri="{FF2B5EF4-FFF2-40B4-BE49-F238E27FC236}">
-                <a16:creationId xmlns:a16="http://schemas.microsoft.com/office/drawing/2014/main" id="{0AB98F30-D32B-4B7D-8365-CFC89B1AFBC0}"/>
-              </a:ext>
-            </a:extLst>
-          </p:cNvPr>
-          <p:cNvSpPr/>
-          <p:nvPr/>
-        </p:nvSpPr>
-        <p:spPr>
-          <a:xfrm>
-            <a:off x="673782" y="1739367"/>
-            <a:ext cx="2403110" cy="656445"/>
-          </a:xfrm>
-          <a:prstGeom prst="roundRect">
-            <a:avLst/>
-          </a:prstGeom>
-          <a:solidFill>
-            <a:schemeClr val="accent6">
-              <a:lumMod val="60000"/>
-              <a:lumOff val="40000"/>
-            </a:schemeClr>
-          </a:solidFill>
-          <a:ln>
-            <a:solidFill>
-              <a:schemeClr val="tx1"/>
-            </a:solidFill>
-          </a:ln>
-        </p:spPr>
-        <p:style>
-          <a:lnRef idx="3">
-            <a:schemeClr val="lt1"/>
-          </a:lnRef>
-          <a:fillRef idx="1">
-            <a:schemeClr val="accent2"/>
-          </a:fillRef>
-          <a:effectRef idx="1">
-            <a:schemeClr val="accent2"/>
-          </a:effectRef>
-          <a:fontRef idx="minor">
-            <a:schemeClr val="lt1"/>
-          </a:fontRef>
-        </p:style>
-        <p:txBody>
-          <a:bodyPr rtlCol="0" anchor="ctr"/>
-          <a:lstStyle/>
-          <a:p>
-            <a:pPr algn="ctr"/>
-            <a:r>
-              <a:rPr lang="en-US" sz="4000" b="1" dirty="0">
-                <a:solidFill>
-                  <a:schemeClr val="tx1"/>
-                </a:solidFill>
-                <a:latin typeface="Vijaya" panose="020B0502040204020203" pitchFamily="18" charset="0"/>
-                <a:cs typeface="Vijaya" panose="020B0502040204020203" pitchFamily="18" charset="0"/>
-              </a:rPr>
-              <a:t>Coral Avital</a:t>
-            </a:r>
-            <a:endParaRPr lang="en-IL" sz="4000" b="1" dirty="0">
-              <a:solidFill>
-                <a:schemeClr val="tx1"/>
-              </a:solidFill>
-              <a:latin typeface="Vijaya" panose="020B0502040204020203" pitchFamily="18" charset="0"/>
-              <a:cs typeface="Vijaya" panose="020B0502040204020203" pitchFamily="18" charset="0"/>
-            </a:endParaRPr>
-          </a:p>
-        </p:txBody>
-      </p:sp>
-      <p:sp>
-        <p:nvSpPr>
-          <p:cNvPr id="16" name="Rectangle: Rounded Corners 15">
-            <a:extLst>
-              <a:ext uri="{FF2B5EF4-FFF2-40B4-BE49-F238E27FC236}">
-                <a16:creationId xmlns:a16="http://schemas.microsoft.com/office/drawing/2014/main" id="{9696DC2F-E866-4C6B-B4A6-D10CB1509BEE}"/>
-              </a:ext>
-            </a:extLst>
-          </p:cNvPr>
-          <p:cNvSpPr/>
-          <p:nvPr/>
-        </p:nvSpPr>
-        <p:spPr>
-          <a:xfrm>
-            <a:off x="3820246" y="1777724"/>
-            <a:ext cx="2352547" cy="742062"/>
-          </a:xfrm>
-          <a:prstGeom prst="roundRect">
-            <a:avLst/>
-          </a:prstGeom>
-          <a:solidFill>
-            <a:schemeClr val="accent6">
-              <a:lumMod val="60000"/>
-              <a:lumOff val="40000"/>
-            </a:schemeClr>
-          </a:solidFill>
-          <a:ln>
-            <a:solidFill>
-              <a:schemeClr val="tx1"/>
-            </a:solidFill>
-          </a:ln>
-        </p:spPr>
-        <p:style>
-          <a:lnRef idx="3">
-            <a:schemeClr val="lt1"/>
-          </a:lnRef>
-          <a:fillRef idx="1">
-            <a:schemeClr val="accent2"/>
-          </a:fillRef>
-          <a:effectRef idx="1">
-            <a:schemeClr val="accent2"/>
-          </a:effectRef>
-          <a:fontRef idx="minor">
-            <a:schemeClr val="lt1"/>
-          </a:fontRef>
-        </p:style>
-        <p:txBody>
-          <a:bodyPr rtlCol="0" anchor="ctr"/>
-          <a:lstStyle/>
-          <a:p>
-            <a:pPr algn="ctr"/>
-            <a:r>
-              <a:rPr lang="en-US" sz="4000" b="1" dirty="0">
-                <a:solidFill>
-                  <a:schemeClr val="tx1"/>
-                </a:solidFill>
-                <a:latin typeface="Vijaya" panose="020B0502040204020203" pitchFamily="18" charset="0"/>
-                <a:cs typeface="Vijaya" panose="020B0502040204020203" pitchFamily="18" charset="0"/>
-              </a:rPr>
-              <a:t>Alice </a:t>
-            </a:r>
-            <a:r>
-              <a:rPr lang="en-US" sz="4000" b="1" dirty="0" err="1">
-                <a:solidFill>
-                  <a:schemeClr val="tx1"/>
-                </a:solidFill>
-                <a:latin typeface="Vijaya" panose="020B0502040204020203" pitchFamily="18" charset="0"/>
-                <a:cs typeface="Vijaya" panose="020B0502040204020203" pitchFamily="18" charset="0"/>
-              </a:rPr>
-              <a:t>Aidlin</a:t>
-            </a:r>
-            <a:endParaRPr lang="en-IL" sz="4000" b="1" dirty="0">
-              <a:solidFill>
-                <a:schemeClr val="tx1"/>
-              </a:solidFill>
-              <a:latin typeface="Vijaya" panose="020B0502040204020203" pitchFamily="18" charset="0"/>
-              <a:cs typeface="Vijaya" panose="020B0502040204020203" pitchFamily="18" charset="0"/>
-            </a:endParaRPr>
-          </a:p>
-        </p:txBody>
-      </p:sp>
-      <p:sp>
-        <p:nvSpPr>
-          <p:cNvPr id="17" name="Rectangle: Rounded Corners 16">
-            <a:extLst>
-              <a:ext uri="{FF2B5EF4-FFF2-40B4-BE49-F238E27FC236}">
-                <a16:creationId xmlns:a16="http://schemas.microsoft.com/office/drawing/2014/main" id="{FE997FF7-C45F-48E9-951D-6C71599EF5AE}"/>
-              </a:ext>
-            </a:extLst>
-          </p:cNvPr>
-          <p:cNvSpPr/>
-          <p:nvPr/>
-        </p:nvSpPr>
-        <p:spPr>
-          <a:xfrm>
-            <a:off x="738210" y="4577503"/>
-            <a:ext cx="2016224" cy="656445"/>
-          </a:xfrm>
-          <a:prstGeom prst="roundRect">
-            <a:avLst/>
-          </a:prstGeom>
-          <a:solidFill>
-            <a:schemeClr val="accent6">
-              <a:lumMod val="60000"/>
-              <a:lumOff val="40000"/>
-            </a:schemeClr>
-          </a:solidFill>
-          <a:ln>
-            <a:solidFill>
-              <a:schemeClr val="tx1"/>
-            </a:solidFill>
-          </a:ln>
-        </p:spPr>
-        <p:style>
-          <a:lnRef idx="3">
-            <a:schemeClr val="lt1"/>
-          </a:lnRef>
-          <a:fillRef idx="1">
-            <a:schemeClr val="accent2"/>
-          </a:fillRef>
-          <a:effectRef idx="1">
-            <a:schemeClr val="accent2"/>
-          </a:effectRef>
-          <a:fontRef idx="minor">
-            <a:schemeClr val="lt1"/>
-          </a:fontRef>
-        </p:style>
-        <p:txBody>
-          <a:bodyPr rtlCol="0" anchor="ctr"/>
-          <a:lstStyle/>
-          <a:p>
-            <a:pPr algn="ctr"/>
-            <a:r>
-              <a:rPr lang="en-US" sz="4000" b="1" dirty="0">
-                <a:solidFill>
-                  <a:schemeClr val="tx1"/>
-                </a:solidFill>
-                <a:latin typeface="Vijaya" panose="020B0502040204020203" pitchFamily="18" charset="0"/>
-                <a:cs typeface="Vijaya" panose="020B0502040204020203" pitchFamily="18" charset="0"/>
-              </a:rPr>
-              <a:t>Vlad</a:t>
-            </a:r>
-            <a:endParaRPr lang="en-IL" sz="4000" b="1" dirty="0">
-              <a:solidFill>
-                <a:schemeClr val="tx1"/>
-              </a:solidFill>
-              <a:latin typeface="Vijaya" panose="020B0502040204020203" pitchFamily="18" charset="0"/>
-              <a:cs typeface="Vijaya" panose="020B0502040204020203" pitchFamily="18" charset="0"/>
-            </a:endParaRPr>
-          </a:p>
-        </p:txBody>
-      </p:sp>
-      <p:sp>
-        <p:nvSpPr>
-          <p:cNvPr id="18" name="Rectangle: Rounded Corners 17">
-            <a:extLst>
-              <a:ext uri="{FF2B5EF4-FFF2-40B4-BE49-F238E27FC236}">
-                <a16:creationId xmlns:a16="http://schemas.microsoft.com/office/drawing/2014/main" id="{1621B2E4-30A2-420F-9677-124F616F05F5}"/>
-              </a:ext>
-            </a:extLst>
-          </p:cNvPr>
-          <p:cNvSpPr/>
-          <p:nvPr/>
-        </p:nvSpPr>
-        <p:spPr>
-          <a:xfrm>
-            <a:off x="6759925" y="4626897"/>
-            <a:ext cx="2469785" cy="760270"/>
-          </a:xfrm>
-          <a:prstGeom prst="roundRect">
-            <a:avLst/>
-          </a:prstGeom>
-          <a:solidFill>
-            <a:schemeClr val="accent6">
-              <a:lumMod val="60000"/>
-              <a:lumOff val="40000"/>
-            </a:schemeClr>
-          </a:solidFill>
-          <a:ln>
-            <a:solidFill>
-              <a:schemeClr val="tx1"/>
-            </a:solidFill>
-          </a:ln>
-        </p:spPr>
-        <p:style>
-          <a:lnRef idx="3">
-            <a:schemeClr val="lt1"/>
-          </a:lnRef>
-          <a:fillRef idx="1">
-            <a:schemeClr val="accent2"/>
-          </a:fillRef>
-          <a:effectRef idx="1">
-            <a:schemeClr val="accent2"/>
-          </a:effectRef>
-          <a:fontRef idx="minor">
-            <a:schemeClr val="lt1"/>
-          </a:fontRef>
-        </p:style>
-        <p:txBody>
-          <a:bodyPr rtlCol="0" anchor="ctr"/>
-          <a:lstStyle/>
-          <a:p>
-            <a:pPr algn="ctr"/>
-            <a:r>
-              <a:rPr lang="en-US" sz="4000" b="1" dirty="0">
-                <a:solidFill>
-                  <a:schemeClr val="tx1"/>
-                </a:solidFill>
-                <a:latin typeface="Vijaya" panose="020B0502040204020203" pitchFamily="18" charset="0"/>
-                <a:cs typeface="Vijaya" panose="020B0502040204020203" pitchFamily="18" charset="0"/>
-              </a:rPr>
-              <a:t>Adane Adgo</a:t>
-            </a:r>
-            <a:endParaRPr lang="en-IL" sz="4000" b="1" dirty="0">
-              <a:solidFill>
-                <a:schemeClr val="tx1"/>
-              </a:solidFill>
-              <a:latin typeface="Vijaya" panose="020B0502040204020203" pitchFamily="18" charset="0"/>
-              <a:cs typeface="Vijaya" panose="020B0502040204020203" pitchFamily="18" charset="0"/>
-            </a:endParaRPr>
-          </a:p>
-        </p:txBody>
-      </p:sp>
-      <p:sp>
-        <p:nvSpPr>
-          <p:cNvPr id="19" name="Rectangle: Rounded Corners 18">
-            <a:extLst>
-              <a:ext uri="{FF2B5EF4-FFF2-40B4-BE49-F238E27FC236}">
-                <a16:creationId xmlns:a16="http://schemas.microsoft.com/office/drawing/2014/main" id="{E36AB509-3A6B-43D7-AE76-0AB5C9D0DE5C}"/>
-              </a:ext>
-            </a:extLst>
-          </p:cNvPr>
-          <p:cNvSpPr/>
-          <p:nvPr/>
-        </p:nvSpPr>
-        <p:spPr>
-          <a:xfrm>
-            <a:off x="7081809" y="1863341"/>
-            <a:ext cx="2016224" cy="656445"/>
-          </a:xfrm>
-          <a:prstGeom prst="roundRect">
-            <a:avLst/>
-          </a:prstGeom>
-          <a:solidFill>
-            <a:schemeClr val="accent6">
-              <a:lumMod val="60000"/>
-              <a:lumOff val="40000"/>
-            </a:schemeClr>
-          </a:solidFill>
-          <a:ln>
-            <a:solidFill>
-              <a:schemeClr val="tx1"/>
-            </a:solidFill>
-          </a:ln>
-        </p:spPr>
-        <p:style>
-          <a:lnRef idx="3">
-            <a:schemeClr val="lt1"/>
-          </a:lnRef>
-          <a:fillRef idx="1">
-            <a:schemeClr val="accent2"/>
-          </a:fillRef>
-          <a:effectRef idx="1">
-            <a:schemeClr val="accent2"/>
-          </a:effectRef>
-          <a:fontRef idx="minor">
-            <a:schemeClr val="lt1"/>
-          </a:fontRef>
-        </p:style>
-        <p:txBody>
-          <a:bodyPr rtlCol="0" anchor="ctr"/>
-          <a:lstStyle/>
-          <a:p>
-            <a:pPr algn="ctr"/>
-            <a:r>
-              <a:rPr lang="en-US" sz="4000" b="1" dirty="0">
-                <a:solidFill>
-                  <a:schemeClr val="tx1"/>
-                </a:solidFill>
-                <a:latin typeface="Vijaya" panose="020B0502040204020203" pitchFamily="18" charset="0"/>
-                <a:cs typeface="Vijaya" panose="020B0502040204020203" pitchFamily="18" charset="0"/>
-              </a:rPr>
-              <a:t>Tomer</a:t>
-            </a:r>
-            <a:endParaRPr lang="en-IL" sz="4000" b="1" dirty="0">
-              <a:solidFill>
-                <a:schemeClr val="tx1"/>
-              </a:solidFill>
-              <a:latin typeface="Vijaya" panose="020B0502040204020203" pitchFamily="18" charset="0"/>
-              <a:cs typeface="Vijaya" panose="020B0502040204020203" pitchFamily="18" charset="0"/>
-            </a:endParaRPr>
-          </a:p>
-        </p:txBody>
-      </p:sp>
-      <p:sp>
-        <p:nvSpPr>
-          <p:cNvPr id="20" name="Rectangle: Rounded Corners 19">
-            <a:extLst>
-              <a:ext uri="{FF2B5EF4-FFF2-40B4-BE49-F238E27FC236}">
-                <a16:creationId xmlns:a16="http://schemas.microsoft.com/office/drawing/2014/main" id="{2F2EE166-B047-41C9-8524-8C7D90259C0A}"/>
-              </a:ext>
-            </a:extLst>
-          </p:cNvPr>
-          <p:cNvSpPr/>
-          <p:nvPr/>
-        </p:nvSpPr>
-        <p:spPr>
-          <a:xfrm>
-            <a:off x="3865166" y="4595097"/>
-            <a:ext cx="2016224" cy="656445"/>
-          </a:xfrm>
-          <a:prstGeom prst="roundRect">
-            <a:avLst/>
-          </a:prstGeom>
-          <a:solidFill>
-            <a:schemeClr val="accent6">
-              <a:lumMod val="60000"/>
-              <a:lumOff val="40000"/>
-            </a:schemeClr>
-          </a:solidFill>
-          <a:ln>
-            <a:solidFill>
-              <a:schemeClr val="tx1"/>
-            </a:solidFill>
-          </a:ln>
-        </p:spPr>
-        <p:style>
-          <a:lnRef idx="3">
-            <a:schemeClr val="lt1"/>
-          </a:lnRef>
-          <a:fillRef idx="1">
-            <a:schemeClr val="accent2"/>
-          </a:fillRef>
-          <a:effectRef idx="1">
-            <a:schemeClr val="accent2"/>
-          </a:effectRef>
-          <a:fontRef idx="minor">
-            <a:schemeClr val="lt1"/>
-          </a:fontRef>
-        </p:style>
-        <p:txBody>
-          <a:bodyPr rtlCol="0" anchor="ctr"/>
-          <a:lstStyle/>
-          <a:p>
-            <a:pPr algn="ctr"/>
-            <a:r>
-              <a:rPr lang="en-US" sz="4000" b="1" dirty="0">
-                <a:solidFill>
-                  <a:schemeClr val="tx1"/>
-                </a:solidFill>
-                <a:latin typeface="Vijaya" panose="020B0502040204020203" pitchFamily="18" charset="0"/>
-                <a:cs typeface="Vijaya" panose="020B0502040204020203" pitchFamily="18" charset="0"/>
-              </a:rPr>
-              <a:t>Slava</a:t>
-            </a:r>
-            <a:endParaRPr lang="en-IL" sz="4000" b="1" dirty="0">
-              <a:solidFill>
-                <a:schemeClr val="tx1"/>
-              </a:solidFill>
-              <a:latin typeface="Vijaya" panose="020B0502040204020203" pitchFamily="18" charset="0"/>
-              <a:cs typeface="Vijaya" panose="020B0502040204020203" pitchFamily="18" charset="0"/>
-            </a:endParaRPr>
-          </a:p>
-        </p:txBody>
-      </p:sp>
-      <p:pic>
-        <p:nvPicPr>
-          <p:cNvPr id="21" name="Picture 20" descr="A picture containing logo&#10;&#10;Description automatically generated">
-            <a:extLst>
-              <a:ext uri="{FF2B5EF4-FFF2-40B4-BE49-F238E27FC236}">
-                <a16:creationId xmlns:a16="http://schemas.microsoft.com/office/drawing/2014/main" id="{002ADBEB-837A-4232-BFEB-0D0AD213D626}"/>
-              </a:ext>
-            </a:extLst>
-          </p:cNvPr>
-          <p:cNvPicPr>
-            <a:picLocks noChangeAspect="1"/>
-          </p:cNvPicPr>
-          <p:nvPr/>
-        </p:nvPicPr>
-        <p:blipFill>
-          <a:blip r:embed="rId8" cstate="print">
-            <a:extLst>
-              <a:ext uri="{28A0092B-C50C-407E-A947-70E740481C1C}">
-                <a14:useLocalDpi xmlns:a14="http://schemas.microsoft.com/office/drawing/2010/main" val="0"/>
-              </a:ext>
-            </a:extLst>
-          </a:blip>
-          <a:stretch>
-            <a:fillRect/>
-          </a:stretch>
-        </p:blipFill>
-        <p:spPr>
-          <a:xfrm>
-            <a:off x="9982844" y="4840705"/>
-            <a:ext cx="1989956" cy="1989956"/>
-          </a:xfrm>
-          <a:prstGeom prst="rect">
-            <a:avLst/>
-          </a:prstGeom>
-        </p:spPr>
-      </p:pic>
-    </p:spTree>
-    <p:extLst>
-      <p:ext uri="{BB962C8B-B14F-4D97-AF65-F5344CB8AC3E}">
-        <p14:creationId xmlns:p14="http://schemas.microsoft.com/office/powerpoint/2010/main" val="646368633"/>
-      </p:ext>
-    </p:extLst>
-  </p:cSld>
-  <p:clrMapOvr>
-    <a:masterClrMapping/>
-  </p:clrMapOvr>
-  <mc:AlternateContent xmlns:mc="http://schemas.openxmlformats.org/markup-compatibility/2006" xmlns:p14="http://schemas.microsoft.com/office/powerpoint/2010/main">
-    <mc:Choice Requires="p14">
-      <p:transition spd="med" p14:dur="700">
-        <p:fade/>
-      </p:transition>
-    </mc:Choice>
-    <mc:Fallback xmlns="">
-      <p:transition spd="med">
-        <p:fade/>
-      </p:transition>
-    </mc:Fallback>
-  </mc:AlternateContent>
-</p:sld>
-</file>
-
-<file path=ppt/slides/slide4.xml><?xml version="1.0" encoding="utf-8"?>
-<p:sld xmlns:a="http://schemas.openxmlformats.org/drawingml/2006/main" xmlns:r="http://schemas.openxmlformats.org/officeDocument/2006/relationships" xmlns:p="http://schemas.openxmlformats.org/presentationml/2006/main">
-  <p:cSld>
-    <p:spTree>
-      <p:nvGrpSpPr>
-        <p:cNvPr id="1" name=""/>
-        <p:cNvGrpSpPr/>
-        <p:nvPr/>
-      </p:nvGrpSpPr>
-      <p:grpSpPr>
-        <a:xfrm>
-          <a:off x="0" y="0"/>
-          <a:ext cx="0" cy="0"/>
-          <a:chOff x="0" y="0"/>
-          <a:chExt cx="0" cy="0"/>
-        </a:xfrm>
-      </p:grpSpPr>
-      <p:sp>
-        <p:nvSpPr>
           <p:cNvPr id="73" name="Title 72">
             <a:extLst>
               <a:ext uri="{FF2B5EF4-FFF2-40B4-BE49-F238E27FC236}">
@@ -19973,24 +19754,28 @@
           <a:lstStyle/>
           <a:p>
             <a:r>
-              <a:rPr lang="en-US" dirty="0"/>
-              <a:t>Team </a:t>
+              <a:rPr lang="en-US" u="sng" dirty="0">
+                <a:solidFill>
+                  <a:schemeClr val="bg2">
+                    <a:lumMod val="50000"/>
+                  </a:schemeClr>
+                </a:solidFill>
+                <a:effectLst>
+                  <a:outerShdw blurRad="38100" dist="38100" dir="2700000" algn="tl">
+                    <a:srgbClr val="000000">
+                      <a:alpha val="43137"/>
+                    </a:srgbClr>
+                  </a:outerShdw>
+                </a:effectLst>
+              </a:rPr>
+              <a:t>Team</a:t>
             </a:r>
-            <a:r>
-              <a:rPr lang="he-IL" dirty="0">
-                <a:solidFill>
-                  <a:srgbClr val="FF0000"/>
-                </a:solidFill>
-              </a:rPr>
-              <a:t>יותר יפה להחליף</a:t>
-            </a:r>
-            <a:endParaRPr lang="en-US" dirty="0"/>
           </a:p>
         </p:txBody>
       </p:sp>
       <p:pic>
         <p:nvPicPr>
-          <p:cNvPr id="88" name="Picture Placeholder 87" descr="Portrait of a man looking down">
+          <p:cNvPr id="88" name="Picture Placeholder 87">
             <a:extLst>
               <a:ext uri="{FF2B5EF4-FFF2-40B4-BE49-F238E27FC236}">
                 <a16:creationId xmlns:a16="http://schemas.microsoft.com/office/drawing/2014/main" id="{19C1C15E-A3C7-49BA-BCDD-5C95EE280367}"/>
@@ -20004,11 +19789,11 @@
             <p:ph type="pic" sz="quarter" idx="12"/>
           </p:nvPr>
         </p:nvPicPr>
-        <p:blipFill rotWithShape="1">
-          <a:blip r:embed="rId3" cstate="screen">
+        <p:blipFill>
+          <a:blip r:embed="rId3">
             <a:extLst>
               <a:ext uri="{28A0092B-C50C-407E-A947-70E740481C1C}">
-                <a14:useLocalDpi xmlns:a14="http://schemas.microsoft.com/office/drawing/2010/main"/>
+                <a14:useLocalDpi xmlns:a14="http://schemas.microsoft.com/office/drawing/2010/main" val="0"/>
               </a:ext>
             </a:extLst>
           </a:blip>
@@ -20017,9 +19802,17 @@
         </p:blipFill>
         <p:spPr>
           <a:xfrm>
-            <a:off x="431686" y="2319970"/>
-            <a:ext cx="1352015" cy="1352015"/>
+            <a:off x="567020" y="3013089"/>
+            <a:ext cx="1081347" cy="1352015"/>
           </a:xfrm>
+          <a:effectLst>
+            <a:outerShdw blurRad="50800" dist="50800" dir="5400000" algn="ctr" rotWithShape="0">
+              <a:srgbClr val="000000">
+                <a:alpha val="0"/>
+              </a:srgbClr>
+            </a:outerShdw>
+            <a:reflection stA="29000" endPos="65000" dist="50800" dir="5400000" sy="-100000" algn="bl" rotWithShape="0"/>
+          </a:effectLst>
         </p:spPr>
       </p:pic>
       <p:sp>
@@ -20038,7 +19831,12 @@
             <p:ph type="body" sz="quarter" idx="13"/>
           </p:nvPr>
         </p:nvSpPr>
-        <p:spPr/>
+        <p:spPr>
+          <a:xfrm>
+            <a:off x="1810725" y="3068960"/>
+            <a:ext cx="2123447" cy="701538"/>
+          </a:xfrm>
+        </p:spPr>
         <p:txBody>
           <a:bodyPr>
             <a:normAutofit lnSpcReduction="10000"/>
@@ -20047,15 +19845,16 @@
           <a:p>
             <a:r>
               <a:rPr lang="en-US" dirty="0"/>
-              <a:t>Allan</a:t>
+              <a:t>Alice</a:t>
             </a:r>
             <a:br>
               <a:rPr lang="en-US" dirty="0"/>
             </a:br>
             <a:r>
-              <a:rPr lang="en-US" dirty="0"/>
-              <a:t>Mattsson</a:t>
+              <a:rPr lang="en-US" dirty="0" err="1"/>
+              <a:t>Aidlin</a:t>
             </a:r>
+            <a:endParaRPr lang="en-US" dirty="0"/>
           </a:p>
         </p:txBody>
       </p:sp>
@@ -20078,7 +19877,7 @@
         </p:nvCxnSpPr>
         <p:spPr>
           <a:xfrm>
-            <a:off x="1974339" y="3332616"/>
+            <a:off x="1773932" y="3933056"/>
             <a:ext cx="1547597" cy="0"/>
           </a:xfrm>
           <a:prstGeom prst="line">
@@ -20107,43 +19906,6 @@
       </p:cxnSp>
       <p:sp>
         <p:nvSpPr>
-          <p:cNvPr id="78" name="Text Placeholder 77">
-            <a:extLst>
-              <a:ext uri="{FF2B5EF4-FFF2-40B4-BE49-F238E27FC236}">
-                <a16:creationId xmlns:a16="http://schemas.microsoft.com/office/drawing/2014/main" id="{07F9DC5B-EFCF-4160-9CA2-67357CDD5404}"/>
-              </a:ext>
-            </a:extLst>
-          </p:cNvPr>
-          <p:cNvSpPr>
-            <a:spLocks noGrp="1"/>
-          </p:cNvSpPr>
-          <p:nvPr>
-            <p:ph type="body" sz="quarter" idx="33"/>
-          </p:nvPr>
-        </p:nvSpPr>
-        <p:spPr/>
-        <p:txBody>
-          <a:bodyPr>
-            <a:normAutofit fontScale="92500" lnSpcReduction="20000"/>
-          </a:bodyPr>
-          <a:lstStyle/>
-          <a:p>
-            <a:r>
-              <a:rPr lang="en-US" dirty="0">
-                <a:solidFill>
-                  <a:schemeClr val="tx1">
-                    <a:lumMod val="75000"/>
-                    <a:lumOff val="25000"/>
-                  </a:schemeClr>
-                </a:solidFill>
-              </a:rPr>
-              <a:t>CEO</a:t>
-            </a:r>
-          </a:p>
-        </p:txBody>
-      </p:sp>
-      <p:sp>
-        <p:nvSpPr>
           <p:cNvPr id="76" name="Text Placeholder 75">
             <a:extLst>
               <a:ext uri="{FF2B5EF4-FFF2-40B4-BE49-F238E27FC236}">
@@ -20160,7 +19922,7 @@
         </p:nvSpPr>
         <p:spPr>
           <a:xfrm>
-            <a:off x="1974339" y="3904864"/>
+            <a:off x="1810725" y="4077072"/>
             <a:ext cx="2123447" cy="1799531"/>
           </a:xfrm>
         </p:spPr>
@@ -20168,6 +19930,11 @@
           <a:bodyPr/>
           <a:lstStyle/>
           <a:p>
+            <a:pPr>
+              <a:spcBef>
+                <a:spcPts val="0"/>
+              </a:spcBef>
+            </a:pPr>
             <a:r>
               <a:rPr lang="en-US" dirty="0">
                 <a:solidFill>
@@ -20177,14 +19944,42 @@
                   </a:schemeClr>
                 </a:solidFill>
               </a:rPr>
-              <a:t>Lorem ipsum dolor sit amet, consectetuer adipiscing elit</a:t>
+              <a:t>Second year software engineering student.</a:t>
             </a:r>
+          </a:p>
+          <a:p>
+            <a:pPr>
+              <a:spcBef>
+                <a:spcPts val="0"/>
+              </a:spcBef>
+            </a:pPr>
+            <a:r>
+              <a:rPr lang="en-US" dirty="0">
+                <a:solidFill>
+                  <a:schemeClr val="tx1">
+                    <a:lumMod val="75000"/>
+                    <a:lumOff val="25000"/>
+                  </a:schemeClr>
+                </a:solidFill>
+              </a:rPr>
+              <a:t>22 years old from Ashdod.</a:t>
+            </a:r>
+          </a:p>
+          <a:p>
+            <a:endParaRPr lang="en-US" dirty="0">
+              <a:solidFill>
+                <a:schemeClr val="tx1">
+                  <a:lumMod val="75000"/>
+                  <a:lumOff val="25000"/>
+                </a:schemeClr>
+              </a:solidFill>
+            </a:endParaRPr>
           </a:p>
         </p:txBody>
       </p:sp>
       <p:pic>
         <p:nvPicPr>
-          <p:cNvPr id="92" name="Picture Placeholder 91" descr="Portrait of a woman with a phone in her hand">
+          <p:cNvPr id="92" name="Picture Placeholder 91">
             <a:extLst>
               <a:ext uri="{FF2B5EF4-FFF2-40B4-BE49-F238E27FC236}">
                 <a16:creationId xmlns:a16="http://schemas.microsoft.com/office/drawing/2014/main" id="{921A3CFA-B715-446B-83FD-D5AA8586EBE2}"/>
@@ -20198,11 +19993,11 @@
             <p:ph type="pic" sz="quarter" idx="34"/>
           </p:nvPr>
         </p:nvPicPr>
-        <p:blipFill rotWithShape="1">
-          <a:blip r:embed="rId4" cstate="screen">
+        <p:blipFill>
+          <a:blip r:embed="rId4">
             <a:extLst>
               <a:ext uri="{28A0092B-C50C-407E-A947-70E740481C1C}">
-                <a14:useLocalDpi xmlns:a14="http://schemas.microsoft.com/office/drawing/2010/main"/>
+                <a14:useLocalDpi xmlns:a14="http://schemas.microsoft.com/office/drawing/2010/main" val="0"/>
               </a:ext>
             </a:extLst>
           </a:blip>
@@ -20211,9 +20006,17 @@
         </p:blipFill>
         <p:spPr>
           <a:xfrm>
-            <a:off x="4266916" y="2319970"/>
-            <a:ext cx="1352015" cy="1352015"/>
+            <a:off x="4287768" y="3016436"/>
+            <a:ext cx="1352015" cy="1345321"/>
           </a:xfrm>
+          <a:effectLst>
+            <a:outerShdw blurRad="50800" dist="50800" dir="5400000" algn="ctr" rotWithShape="0">
+              <a:srgbClr val="000000">
+                <a:alpha val="0"/>
+              </a:srgbClr>
+            </a:outerShdw>
+            <a:reflection stA="29000" endPos="65000" dist="50800" dir="5400000" sy="-100000" algn="bl" rotWithShape="0"/>
+          </a:effectLst>
         </p:spPr>
       </p:pic>
       <p:sp>
@@ -20234,49 +20037,41 @@
         </p:nvSpPr>
         <p:spPr>
           <a:xfrm>
-            <a:off x="5809570" y="2486159"/>
+            <a:off x="5798134" y="3159693"/>
             <a:ext cx="1808446" cy="701355"/>
           </a:xfrm>
         </p:spPr>
         <p:txBody>
           <a:bodyPr>
-            <a:normAutofit lnSpcReduction="10000"/>
+            <a:noAutofit/>
           </a:bodyPr>
           <a:lstStyle/>
           <a:p>
+            <a:pPr>
+              <a:spcBef>
+                <a:spcPts val="0"/>
+              </a:spcBef>
+            </a:pPr>
             <a:r>
-              <a:rPr lang="en-US" dirty="0">
-                <a:solidFill>
-                  <a:schemeClr val="tx1">
-                    <a:lumMod val="75000"/>
-                    <a:lumOff val="25000"/>
-                  </a:schemeClr>
-                </a:solidFill>
-              </a:rPr>
-              <a:t>Mira</a:t>
+              <a:rPr lang="en-US" sz="2400" dirty="0"/>
+              <a:t>Slava</a:t>
             </a:r>
-            <a:br>
-              <a:rPr lang="en-US" dirty="0">
-                <a:solidFill>
-                  <a:schemeClr val="tx1">
-                    <a:lumMod val="75000"/>
-                    <a:lumOff val="25000"/>
-                  </a:schemeClr>
-                </a:solidFill>
-              </a:rPr>
-            </a:br>
+          </a:p>
+          <a:p>
+            <a:pPr>
+              <a:spcBef>
+                <a:spcPts val="0"/>
+              </a:spcBef>
+            </a:pPr>
             <a:r>
-              <a:rPr lang="en-US" dirty="0">
-                <a:solidFill>
-                  <a:schemeClr val="tx1">
-                    <a:lumMod val="75000"/>
-                    <a:lumOff val="25000"/>
-                  </a:schemeClr>
-                </a:solidFill>
-              </a:rPr>
-              <a:t>Karlsson</a:t>
+              <a:rPr lang="en-US" sz="2400" dirty="0"/>
+              <a:t> </a:t>
             </a:r>
-            <a:endParaRPr lang="en-US" dirty="0"/>
+            <a:r>
+              <a:rPr lang="en-US" sz="2400" dirty="0" err="1"/>
+              <a:t>Jirov</a:t>
+            </a:r>
+            <a:endParaRPr lang="en-US" sz="2400" dirty="0"/>
           </a:p>
         </p:txBody>
       </p:sp>
@@ -20299,7 +20094,7 @@
         </p:nvCxnSpPr>
         <p:spPr>
           <a:xfrm>
-            <a:off x="5809570" y="3332616"/>
+            <a:off x="5734372" y="4005064"/>
             <a:ext cx="1547597" cy="0"/>
           </a:xfrm>
           <a:prstGeom prst="line">
@@ -20328,43 +20123,6 @@
       </p:cxnSp>
       <p:sp>
         <p:nvSpPr>
-          <p:cNvPr id="82" name="Text Placeholder 81">
-            <a:extLst>
-              <a:ext uri="{FF2B5EF4-FFF2-40B4-BE49-F238E27FC236}">
-                <a16:creationId xmlns:a16="http://schemas.microsoft.com/office/drawing/2014/main" id="{7496B20D-BD66-4B27-84AA-E50FEB2506C5}"/>
-              </a:ext>
-            </a:extLst>
-          </p:cNvPr>
-          <p:cNvSpPr>
-            <a:spLocks noGrp="1"/>
-          </p:cNvSpPr>
-          <p:nvPr>
-            <p:ph type="body" sz="quarter" idx="37"/>
-          </p:nvPr>
-        </p:nvSpPr>
-        <p:spPr/>
-        <p:txBody>
-          <a:bodyPr>
-            <a:normAutofit fontScale="92500" lnSpcReduction="20000"/>
-          </a:bodyPr>
-          <a:lstStyle/>
-          <a:p>
-            <a:r>
-              <a:rPr lang="en-US" dirty="0">
-                <a:solidFill>
-                  <a:schemeClr val="tx1">
-                    <a:lumMod val="75000"/>
-                    <a:lumOff val="25000"/>
-                  </a:schemeClr>
-                </a:solidFill>
-              </a:rPr>
-              <a:t>COO</a:t>
-            </a:r>
-          </a:p>
-        </p:txBody>
-      </p:sp>
-      <p:sp>
-        <p:nvSpPr>
           <p:cNvPr id="81" name="Text Placeholder 80">
             <a:extLst>
               <a:ext uri="{FF2B5EF4-FFF2-40B4-BE49-F238E27FC236}">
@@ -20379,11 +20137,21 @@
             <p:ph type="body" sz="quarter" idx="36"/>
           </p:nvPr>
         </p:nvSpPr>
-        <p:spPr/>
+        <p:spPr>
+          <a:xfrm>
+            <a:off x="5771165" y="4077072"/>
+            <a:ext cx="2123447" cy="1800000"/>
+          </a:xfrm>
+        </p:spPr>
         <p:txBody>
           <a:bodyPr/>
           <a:lstStyle/>
           <a:p>
+            <a:pPr>
+              <a:spcBef>
+                <a:spcPts val="0"/>
+              </a:spcBef>
+            </a:pPr>
             <a:r>
               <a:rPr lang="en-US" dirty="0">
                 <a:solidFill>
@@ -20393,14 +20161,42 @@
                   </a:schemeClr>
                 </a:solidFill>
               </a:rPr>
-              <a:t>Lorem ipsum dolor sit amet, consectetuer adipiscing elit</a:t>
+              <a:t>Second year software engineering student.</a:t>
             </a:r>
+          </a:p>
+          <a:p>
+            <a:pPr>
+              <a:spcBef>
+                <a:spcPts val="0"/>
+              </a:spcBef>
+            </a:pPr>
+            <a:r>
+              <a:rPr lang="en-US" dirty="0">
+                <a:solidFill>
+                  <a:schemeClr val="tx1">
+                    <a:lumMod val="75000"/>
+                    <a:lumOff val="25000"/>
+                  </a:schemeClr>
+                </a:solidFill>
+              </a:rPr>
+              <a:t>28 years old from Ashkelon.</a:t>
+            </a:r>
+          </a:p>
+          <a:p>
+            <a:endParaRPr lang="en-US" dirty="0">
+              <a:solidFill>
+                <a:schemeClr val="tx1">
+                  <a:lumMod val="75000"/>
+                  <a:lumOff val="25000"/>
+                </a:schemeClr>
+              </a:solidFill>
+            </a:endParaRPr>
           </a:p>
         </p:txBody>
       </p:sp>
       <p:pic>
         <p:nvPicPr>
-          <p:cNvPr id="94" name="Picture Placeholder 93" descr="Portrait of a woman looking relaxed">
+          <p:cNvPr id="94" name="Picture Placeholder 93">
             <a:extLst>
               <a:ext uri="{FF2B5EF4-FFF2-40B4-BE49-F238E27FC236}">
                 <a16:creationId xmlns:a16="http://schemas.microsoft.com/office/drawing/2014/main" id="{678140F2-20DC-49B9-8BD8-815437A060C9}"/>
@@ -20414,11 +20210,11 @@
             <p:ph type="pic" sz="quarter" idx="38"/>
           </p:nvPr>
         </p:nvPicPr>
-        <p:blipFill rotWithShape="1">
-          <a:blip r:embed="rId5" cstate="screen">
+        <p:blipFill>
+          <a:blip r:embed="rId5">
             <a:extLst>
               <a:ext uri="{28A0092B-C50C-407E-A947-70E740481C1C}">
-                <a14:useLocalDpi xmlns:a14="http://schemas.microsoft.com/office/drawing/2010/main"/>
+                <a14:useLocalDpi xmlns:a14="http://schemas.microsoft.com/office/drawing/2010/main" val="0"/>
               </a:ext>
             </a:extLst>
           </a:blip>
@@ -20427,9 +20223,17 @@
         </p:blipFill>
         <p:spPr>
           <a:xfrm>
-            <a:off x="8110712" y="2319970"/>
-            <a:ext cx="1352015" cy="1352015"/>
+            <a:off x="8115123" y="3013089"/>
+            <a:ext cx="1343192" cy="1352015"/>
           </a:xfrm>
+          <a:effectLst>
+            <a:outerShdw blurRad="50800" dist="50800" dir="5400000" algn="ctr" rotWithShape="0">
+              <a:srgbClr val="000000">
+                <a:alpha val="0"/>
+              </a:srgbClr>
+            </a:outerShdw>
+            <a:reflection stA="29000" endPos="65000" dist="50800" dir="5400000" sy="-100000" algn="bl" rotWithShape="0"/>
+          </a:effectLst>
         </p:spPr>
       </p:pic>
       <p:sp>
@@ -20448,16 +20252,62 @@
             <p:ph type="body" sz="quarter" idx="39"/>
           </p:nvPr>
         </p:nvSpPr>
-        <p:spPr/>
+        <p:spPr>
+          <a:xfrm>
+            <a:off x="9659597" y="3159510"/>
+            <a:ext cx="2123447" cy="701538"/>
+          </a:xfrm>
+        </p:spPr>
         <p:txBody>
           <a:bodyPr>
-            <a:normAutofit lnSpcReduction="10000"/>
+            <a:noAutofit/>
           </a:bodyPr>
           <a:lstStyle/>
           <a:p>
+            <a:pPr>
+              <a:spcBef>
+                <a:spcPts val="0"/>
+              </a:spcBef>
+            </a:pPr>
             <a:r>
-              <a:rPr lang="en-US" dirty="0"/>
-              <a:t>Victoria Lindqvist</a:t>
+              <a:rPr lang="en-US" sz="2400" dirty="0">
+                <a:solidFill>
+                  <a:schemeClr val="tx1">
+                    <a:lumMod val="75000"/>
+                    <a:lumOff val="25000"/>
+                  </a:schemeClr>
+                </a:solidFill>
+              </a:rPr>
+              <a:t>Vlad</a:t>
+            </a:r>
+          </a:p>
+          <a:p>
+            <a:pPr>
+              <a:spcBef>
+                <a:spcPts val="0"/>
+              </a:spcBef>
+            </a:pPr>
+            <a:r>
+              <a:rPr lang="en-US" sz="2400" dirty="0" err="1">
+                <a:solidFill>
+                  <a:schemeClr val="tx1">
+                    <a:lumMod val="75000"/>
+                    <a:lumOff val="25000"/>
+                  </a:schemeClr>
+                </a:solidFill>
+              </a:rPr>
+              <a:t>Kelar</a:t>
+            </a:r>
+            <a:r>
+              <a:rPr lang="en-US" sz="2400" dirty="0">
+                <a:solidFill>
+                  <a:schemeClr val="tx1">
+                    <a:lumMod val="75000"/>
+                    <a:lumOff val="25000"/>
+                  </a:schemeClr>
+                </a:solidFill>
+              </a:rPr>
+              <a:t> </a:t>
             </a:r>
           </a:p>
         </p:txBody>
@@ -20481,7 +20331,7 @@
         </p:nvCxnSpPr>
         <p:spPr>
           <a:xfrm>
-            <a:off x="9644800" y="3332616"/>
+            <a:off x="9550796" y="4005064"/>
             <a:ext cx="1547597" cy="0"/>
           </a:xfrm>
           <a:prstGeom prst="line">
@@ -20510,43 +20360,6 @@
       </p:cxnSp>
       <p:sp>
         <p:nvSpPr>
-          <p:cNvPr id="86" name="Text Placeholder 85">
-            <a:extLst>
-              <a:ext uri="{FF2B5EF4-FFF2-40B4-BE49-F238E27FC236}">
-                <a16:creationId xmlns:a16="http://schemas.microsoft.com/office/drawing/2014/main" id="{F71D59A8-B12B-4EFC-8838-C21115F76149}"/>
-              </a:ext>
-            </a:extLst>
-          </p:cNvPr>
-          <p:cNvSpPr>
-            <a:spLocks noGrp="1"/>
-          </p:cNvSpPr>
-          <p:nvPr>
-            <p:ph type="body" sz="quarter" idx="41"/>
-          </p:nvPr>
-        </p:nvSpPr>
-        <p:spPr/>
-        <p:txBody>
-          <a:bodyPr>
-            <a:normAutofit fontScale="92500" lnSpcReduction="20000"/>
-          </a:bodyPr>
-          <a:lstStyle/>
-          <a:p>
-            <a:r>
-              <a:rPr lang="en-US" dirty="0">
-                <a:solidFill>
-                  <a:schemeClr val="tx1">
-                    <a:lumMod val="75000"/>
-                    <a:lumOff val="25000"/>
-                  </a:schemeClr>
-                </a:solidFill>
-              </a:rPr>
-              <a:t>CTO</a:t>
-            </a:r>
-          </a:p>
-        </p:txBody>
-      </p:sp>
-      <p:sp>
-        <p:nvSpPr>
           <p:cNvPr id="85" name="Text Placeholder 84">
             <a:extLst>
               <a:ext uri="{FF2B5EF4-FFF2-40B4-BE49-F238E27FC236}">
@@ -20561,11 +20374,21 @@
             <p:ph type="body" sz="quarter" idx="40"/>
           </p:nvPr>
         </p:nvSpPr>
-        <p:spPr/>
+        <p:spPr>
+          <a:xfrm>
+            <a:off x="9644801" y="4077072"/>
+            <a:ext cx="2123447" cy="1800000"/>
+          </a:xfrm>
+        </p:spPr>
         <p:txBody>
           <a:bodyPr/>
           <a:lstStyle/>
           <a:p>
+            <a:pPr>
+              <a:spcBef>
+                <a:spcPts val="0"/>
+              </a:spcBef>
+            </a:pPr>
             <a:r>
               <a:rPr lang="en-US" dirty="0">
                 <a:solidFill>
@@ -20575,8 +20398,36 @@
                   </a:schemeClr>
                 </a:solidFill>
               </a:rPr>
-              <a:t>Lorem ipsum dolor sit amet, consectetuer adipiscing elit</a:t>
+              <a:t>Second year software engineering student.</a:t>
             </a:r>
+          </a:p>
+          <a:p>
+            <a:pPr>
+              <a:spcBef>
+                <a:spcPts val="0"/>
+              </a:spcBef>
+            </a:pPr>
+            <a:r>
+              <a:rPr lang="en-US" dirty="0">
+                <a:solidFill>
+                  <a:schemeClr val="tx1">
+                    <a:lumMod val="75000"/>
+                    <a:lumOff val="25000"/>
+                  </a:schemeClr>
+                </a:solidFill>
+              </a:rPr>
+              <a:t>25 years old from Ashdod.</a:t>
+            </a:r>
+          </a:p>
+          <a:p>
+            <a:endParaRPr lang="en-US" dirty="0">
+              <a:solidFill>
+                <a:schemeClr val="tx1">
+                  <a:lumMod val="75000"/>
+                  <a:lumOff val="25000"/>
+                </a:schemeClr>
+              </a:solidFill>
+            </a:endParaRPr>
           </a:p>
         </p:txBody>
       </p:sp>
@@ -20604,9 +20455,1776 @@
             <a:fld id="{4B73C415-D670-4716-A5EC-CC4D52CA2BAC}" type="slidenum">
               <a:rPr lang="en-US" smtClean="0"/>
               <a:pPr/>
-              <a:t>4</a:t>
+              <a:t>3</a:t>
             </a:fld>
             <a:endParaRPr lang="en-US" dirty="0"/>
+          </a:p>
+        </p:txBody>
+      </p:sp>
+      <p:pic>
+        <p:nvPicPr>
+          <p:cNvPr id="19" name="Picture Placeholder 87">
+            <a:extLst>
+              <a:ext uri="{FF2B5EF4-FFF2-40B4-BE49-F238E27FC236}">
+                <a16:creationId xmlns:a16="http://schemas.microsoft.com/office/drawing/2014/main" id="{F5C84D2E-EB89-4AA8-9443-9F2FA699EE30}"/>
+              </a:ext>
+            </a:extLst>
+          </p:cNvPr>
+          <p:cNvPicPr>
+            <a:picLocks noChangeAspect="1"/>
+          </p:cNvPicPr>
+          <p:nvPr/>
+        </p:nvPicPr>
+        <p:blipFill rotWithShape="1">
+          <a:blip r:embed="rId6">
+            <a:extLst>
+              <a:ext uri="{28A0092B-C50C-407E-A947-70E740481C1C}">
+                <a14:useLocalDpi xmlns:a14="http://schemas.microsoft.com/office/drawing/2010/main" val="0"/>
+              </a:ext>
+            </a:extLst>
+          </a:blip>
+          <a:srcRect/>
+          <a:stretch/>
+        </p:blipFill>
+        <p:spPr>
+          <a:xfrm>
+            <a:off x="411905" y="327718"/>
+            <a:ext cx="1352014" cy="1352015"/>
+          </a:xfrm>
+          <a:prstGeom prst="rect">
+            <a:avLst/>
+          </a:prstGeom>
+          <a:solidFill>
+            <a:schemeClr val="bg1">
+              <a:lumMod val="95000"/>
+              <a:alpha val="70000"/>
+            </a:schemeClr>
+          </a:solidFill>
+          <a:ln w="95250" cap="sq" cmpd="sng" algn="ctr">
+            <a:solidFill>
+              <a:schemeClr val="bg1">
+                <a:lumMod val="95000"/>
+              </a:schemeClr>
+            </a:solidFill>
+            <a:prstDash val="solid"/>
+            <a:miter lim="800000"/>
+          </a:ln>
+          <a:effectLst>
+            <a:outerShdw blurRad="50800" dist="50800" dir="5400000" algn="ctr" rotWithShape="0">
+              <a:srgbClr val="000000">
+                <a:alpha val="0"/>
+              </a:srgbClr>
+            </a:outerShdw>
+            <a:reflection stA="29000" endPos="65000" dist="50800" dir="5400000" sy="-100000" algn="bl" rotWithShape="0"/>
+          </a:effectLst>
+        </p:spPr>
+      </p:pic>
+      <p:sp>
+        <p:nvSpPr>
+          <p:cNvPr id="20" name="Text Placeholder 74">
+            <a:extLst>
+              <a:ext uri="{FF2B5EF4-FFF2-40B4-BE49-F238E27FC236}">
+                <a16:creationId xmlns:a16="http://schemas.microsoft.com/office/drawing/2014/main" id="{730936CA-1143-4837-894F-FBB86CADD12A}"/>
+              </a:ext>
+            </a:extLst>
+          </p:cNvPr>
+          <p:cNvSpPr txBox="1">
+            <a:spLocks/>
+          </p:cNvSpPr>
+          <p:nvPr/>
+        </p:nvSpPr>
+        <p:spPr>
+          <a:xfrm>
+            <a:off x="1882733" y="423206"/>
+            <a:ext cx="2123447" cy="701538"/>
+          </a:xfrm>
+          <a:prstGeom prst="rect">
+            <a:avLst/>
+          </a:prstGeom>
+        </p:spPr>
+        <p:txBody>
+          <a:bodyPr vert="horz" lIns="91440" tIns="45720" rIns="91440" bIns="45720" rtlCol="0" anchor="b">
+            <a:normAutofit lnSpcReduction="10000"/>
+          </a:bodyPr>
+          <a:lstStyle>
+            <a:lvl1pPr marL="0" indent="0" algn="l" defTabSz="914400" rtl="0" eaLnBrk="1" latinLnBrk="0" hangingPunct="1">
+              <a:lnSpc>
+                <a:spcPct val="90000"/>
+              </a:lnSpc>
+              <a:spcBef>
+                <a:spcPts val="1800"/>
+              </a:spcBef>
+              <a:buClr>
+                <a:schemeClr val="tx1"/>
+              </a:buClr>
+              <a:buSzPct val="80000"/>
+              <a:buFont typeface="Arial" panose="020B0604020202020204" pitchFamily="34" charset="0"/>
+              <a:buNone/>
+              <a:defRPr sz="2399" kern="1200">
+                <a:solidFill>
+                  <a:schemeClr val="tx1"/>
+                </a:solidFill>
+                <a:latin typeface="+mn-lt"/>
+                <a:ea typeface="+mn-ea"/>
+                <a:cs typeface="+mn-cs"/>
+              </a:defRPr>
+            </a:lvl1pPr>
+            <a:lvl2pPr marL="615950" indent="-285750" algn="l" defTabSz="914400" rtl="0" eaLnBrk="1" latinLnBrk="0" hangingPunct="1">
+              <a:lnSpc>
+                <a:spcPct val="90000"/>
+              </a:lnSpc>
+              <a:spcBef>
+                <a:spcPts val="600"/>
+              </a:spcBef>
+              <a:buSzPct val="80000"/>
+              <a:buFont typeface="Corbel" pitchFamily="34" charset="0"/>
+              <a:buChar char="–"/>
+              <a:defRPr sz="2400" kern="1200">
+                <a:solidFill>
+                  <a:schemeClr val="tx1"/>
+                </a:solidFill>
+                <a:latin typeface="+mn-lt"/>
+                <a:ea typeface="+mn-ea"/>
+                <a:cs typeface="+mn-cs"/>
+              </a:defRPr>
+            </a:lvl2pPr>
+            <a:lvl3pPr marL="996696" indent="-228600" algn="l" defTabSz="914400" rtl="0" eaLnBrk="1" latinLnBrk="0" hangingPunct="1">
+              <a:lnSpc>
+                <a:spcPct val="90000"/>
+              </a:lnSpc>
+              <a:spcBef>
+                <a:spcPts val="600"/>
+              </a:spcBef>
+              <a:buClr>
+                <a:schemeClr val="tx1"/>
+              </a:buClr>
+              <a:buSzPct val="80000"/>
+              <a:buFont typeface="Arial" pitchFamily="34" charset="0"/>
+              <a:buChar char="•"/>
+              <a:defRPr sz="2000" kern="1200">
+                <a:solidFill>
+                  <a:schemeClr val="tx1"/>
+                </a:solidFill>
+                <a:latin typeface="+mn-lt"/>
+                <a:ea typeface="+mn-ea"/>
+                <a:cs typeface="+mn-cs"/>
+              </a:defRPr>
+            </a:lvl3pPr>
+            <a:lvl4pPr marL="1380744" indent="-283464" algn="l" defTabSz="914400" rtl="0" eaLnBrk="1" latinLnBrk="0" hangingPunct="1">
+              <a:lnSpc>
+                <a:spcPct val="90000"/>
+              </a:lnSpc>
+              <a:spcBef>
+                <a:spcPts val="600"/>
+              </a:spcBef>
+              <a:buFont typeface="Corbel" pitchFamily="34" charset="0"/>
+              <a:buChar char="–"/>
+              <a:defRPr sz="1800" kern="1200">
+                <a:solidFill>
+                  <a:schemeClr val="tx1"/>
+                </a:solidFill>
+                <a:latin typeface="+mn-lt"/>
+                <a:ea typeface="+mn-ea"/>
+                <a:cs typeface="+mn-cs"/>
+              </a:defRPr>
+            </a:lvl4pPr>
+            <a:lvl5pPr marL="1764792" indent="-228600" algn="l" defTabSz="914400" rtl="0" eaLnBrk="1" latinLnBrk="0" hangingPunct="1">
+              <a:lnSpc>
+                <a:spcPct val="90000"/>
+              </a:lnSpc>
+              <a:spcBef>
+                <a:spcPts val="600"/>
+              </a:spcBef>
+              <a:buClr>
+                <a:schemeClr val="tx1"/>
+              </a:buClr>
+              <a:buSzPct val="80000"/>
+              <a:buFont typeface="Arial" pitchFamily="34" charset="0"/>
+              <a:buChar char="•"/>
+              <a:defRPr sz="1800" kern="1200">
+                <a:solidFill>
+                  <a:schemeClr val="tx1"/>
+                </a:solidFill>
+                <a:latin typeface="+mn-lt"/>
+                <a:ea typeface="+mn-ea"/>
+                <a:cs typeface="+mn-cs"/>
+              </a:defRPr>
+            </a:lvl5pPr>
+            <a:lvl6pPr marL="2148840" indent="-283464" algn="l" defTabSz="914400" rtl="0" eaLnBrk="1" latinLnBrk="0" hangingPunct="1">
+              <a:lnSpc>
+                <a:spcPct val="90000"/>
+              </a:lnSpc>
+              <a:spcBef>
+                <a:spcPts val="600"/>
+              </a:spcBef>
+              <a:buFont typeface="Corbel" pitchFamily="34" charset="0"/>
+              <a:buChar char="–"/>
+              <a:defRPr sz="1800" kern="1200" baseline="0">
+                <a:solidFill>
+                  <a:schemeClr val="tx1"/>
+                </a:solidFill>
+                <a:latin typeface="+mn-lt"/>
+                <a:ea typeface="+mn-ea"/>
+                <a:cs typeface="+mn-cs"/>
+              </a:defRPr>
+            </a:lvl6pPr>
+            <a:lvl7pPr marL="2532888" indent="-228600" algn="l" defTabSz="914400" rtl="0" eaLnBrk="1" latinLnBrk="0" hangingPunct="1">
+              <a:lnSpc>
+                <a:spcPct val="90000"/>
+              </a:lnSpc>
+              <a:spcBef>
+                <a:spcPts val="600"/>
+              </a:spcBef>
+              <a:buSzPct val="80000"/>
+              <a:buFont typeface="Arial" pitchFamily="34" charset="0"/>
+              <a:buChar char="•"/>
+              <a:defRPr sz="1800" kern="1200" baseline="0">
+                <a:solidFill>
+                  <a:schemeClr val="tx1"/>
+                </a:solidFill>
+                <a:latin typeface="+mn-lt"/>
+                <a:ea typeface="+mn-ea"/>
+                <a:cs typeface="+mn-cs"/>
+              </a:defRPr>
+            </a:lvl7pPr>
+            <a:lvl8pPr marL="2916936" indent="-283464" algn="l" defTabSz="914400" rtl="0" eaLnBrk="1" latinLnBrk="0" hangingPunct="1">
+              <a:lnSpc>
+                <a:spcPct val="90000"/>
+              </a:lnSpc>
+              <a:spcBef>
+                <a:spcPts val="600"/>
+              </a:spcBef>
+              <a:buFont typeface="Corbel" pitchFamily="34" charset="0"/>
+              <a:buChar char="–"/>
+              <a:defRPr sz="1800" kern="1200" baseline="0">
+                <a:solidFill>
+                  <a:schemeClr val="tx1"/>
+                </a:solidFill>
+                <a:latin typeface="+mn-lt"/>
+                <a:ea typeface="+mn-ea"/>
+                <a:cs typeface="+mn-cs"/>
+              </a:defRPr>
+            </a:lvl8pPr>
+            <a:lvl9pPr marL="3358134" indent="-285750" algn="l" defTabSz="914400" rtl="0" eaLnBrk="1" latinLnBrk="0" hangingPunct="1">
+              <a:lnSpc>
+                <a:spcPct val="90000"/>
+              </a:lnSpc>
+              <a:spcBef>
+                <a:spcPts val="600"/>
+              </a:spcBef>
+              <a:buSzPct val="80000"/>
+              <a:buFont typeface="Arial" panose="020B0604020202020204" pitchFamily="34" charset="0"/>
+              <a:buChar char="•"/>
+              <a:defRPr sz="1800" kern="1200">
+                <a:solidFill>
+                  <a:schemeClr val="tx1"/>
+                </a:solidFill>
+                <a:latin typeface="+mn-lt"/>
+                <a:ea typeface="+mn-ea"/>
+                <a:cs typeface="+mn-cs"/>
+              </a:defRPr>
+            </a:lvl9pPr>
+          </a:lstStyle>
+          <a:p>
+            <a:r>
+              <a:rPr lang="en-US" dirty="0"/>
+              <a:t>Coral</a:t>
+            </a:r>
+            <a:br>
+              <a:rPr lang="en-US" dirty="0"/>
+            </a:br>
+            <a:r>
+              <a:rPr lang="en-US" dirty="0"/>
+              <a:t>Avital</a:t>
+            </a:r>
+          </a:p>
+        </p:txBody>
+      </p:sp>
+      <p:cxnSp>
+        <p:nvCxnSpPr>
+          <p:cNvPr id="21" name="Straight Connector 94">
+            <a:extLst>
+              <a:ext uri="{FF2B5EF4-FFF2-40B4-BE49-F238E27FC236}">
+                <a16:creationId xmlns:a16="http://schemas.microsoft.com/office/drawing/2014/main" id="{9F34C340-E111-4DFE-82CC-782DCAAE8152}"/>
+              </a:ext>
+              <a:ext uri="{C183D7F6-B498-43B3-948B-1728B52AA6E4}">
+                <adec:decorative xmlns:adec="http://schemas.microsoft.com/office/drawing/2017/decorative" val="1"/>
+              </a:ext>
+            </a:extLst>
+          </p:cNvPr>
+          <p:cNvCxnSpPr>
+            <a:cxnSpLocks/>
+          </p:cNvCxnSpPr>
+          <p:nvPr/>
+        </p:nvCxnSpPr>
+        <p:spPr>
+          <a:xfrm>
+            <a:off x="1845940" y="1268760"/>
+            <a:ext cx="1547597" cy="0"/>
+          </a:xfrm>
+          <a:prstGeom prst="line">
+            <a:avLst/>
+          </a:prstGeom>
+          <a:ln w="28575">
+            <a:solidFill>
+              <a:schemeClr val="accent1"/>
+            </a:solidFill>
+          </a:ln>
+        </p:spPr>
+        <p:style>
+          <a:lnRef idx="1">
+            <a:schemeClr val="accent1"/>
+          </a:lnRef>
+          <a:fillRef idx="0">
+            <a:schemeClr val="accent1"/>
+          </a:fillRef>
+          <a:effectRef idx="0">
+            <a:schemeClr val="accent1"/>
+          </a:effectRef>
+          <a:fontRef idx="minor">
+            <a:schemeClr val="tx1"/>
+          </a:fontRef>
+        </p:style>
+      </p:cxnSp>
+      <p:pic>
+        <p:nvPicPr>
+          <p:cNvPr id="23" name="Picture Placeholder 91">
+            <a:extLst>
+              <a:ext uri="{FF2B5EF4-FFF2-40B4-BE49-F238E27FC236}">
+                <a16:creationId xmlns:a16="http://schemas.microsoft.com/office/drawing/2014/main" id="{52031419-6FAF-4651-B719-53893CA454D9}"/>
+              </a:ext>
+            </a:extLst>
+          </p:cNvPr>
+          <p:cNvPicPr>
+            <a:picLocks noChangeAspect="1"/>
+          </p:cNvPicPr>
+          <p:nvPr/>
+        </p:nvPicPr>
+        <p:blipFill>
+          <a:blip r:embed="rId7">
+            <a:extLst>
+              <a:ext uri="{28A0092B-C50C-407E-A947-70E740481C1C}">
+                <a14:useLocalDpi xmlns:a14="http://schemas.microsoft.com/office/drawing/2010/main" val="0"/>
+              </a:ext>
+            </a:extLst>
+          </a:blip>
+          <a:srcRect/>
+          <a:stretch/>
+        </p:blipFill>
+        <p:spPr>
+          <a:xfrm>
+            <a:off x="4353607" y="327718"/>
+            <a:ext cx="1261208" cy="1352015"/>
+          </a:xfrm>
+          <a:prstGeom prst="rect">
+            <a:avLst/>
+          </a:prstGeom>
+          <a:solidFill>
+            <a:schemeClr val="bg1">
+              <a:lumMod val="95000"/>
+              <a:alpha val="70000"/>
+            </a:schemeClr>
+          </a:solidFill>
+          <a:ln w="95250" cap="sq" cmpd="sng" algn="ctr">
+            <a:solidFill>
+              <a:schemeClr val="bg1">
+                <a:lumMod val="95000"/>
+              </a:schemeClr>
+            </a:solidFill>
+            <a:prstDash val="solid"/>
+            <a:miter lim="800000"/>
+          </a:ln>
+          <a:effectLst>
+            <a:outerShdw blurRad="50800" dist="50800" dir="5400000" algn="ctr" rotWithShape="0">
+              <a:srgbClr val="000000">
+                <a:alpha val="0"/>
+              </a:srgbClr>
+            </a:outerShdw>
+            <a:reflection stA="29000" endPos="65000" dist="50800" dir="5400000" sy="-100000" algn="bl" rotWithShape="0"/>
+          </a:effectLst>
+        </p:spPr>
+      </p:pic>
+      <p:pic>
+        <p:nvPicPr>
+          <p:cNvPr id="24" name="Picture Placeholder 93">
+            <a:extLst>
+              <a:ext uri="{FF2B5EF4-FFF2-40B4-BE49-F238E27FC236}">
+                <a16:creationId xmlns:a16="http://schemas.microsoft.com/office/drawing/2014/main" id="{96AF35E7-B953-4751-8ACB-F33F3BC5E948}"/>
+              </a:ext>
+            </a:extLst>
+          </p:cNvPr>
+          <p:cNvPicPr>
+            <a:picLocks noChangeAspect="1"/>
+          </p:cNvPicPr>
+          <p:nvPr/>
+        </p:nvPicPr>
+        <p:blipFill>
+          <a:blip r:embed="rId8">
+            <a:extLst>
+              <a:ext uri="{28A0092B-C50C-407E-A947-70E740481C1C}">
+                <a14:useLocalDpi xmlns:a14="http://schemas.microsoft.com/office/drawing/2010/main" val="0"/>
+              </a:ext>
+            </a:extLst>
+          </a:blip>
+          <a:srcRect/>
+          <a:stretch/>
+        </p:blipFill>
+        <p:spPr>
+          <a:xfrm>
+            <a:off x="8241112" y="327718"/>
+            <a:ext cx="1137229" cy="1352015"/>
+          </a:xfrm>
+          <a:prstGeom prst="rect">
+            <a:avLst/>
+          </a:prstGeom>
+          <a:solidFill>
+            <a:schemeClr val="bg1">
+              <a:lumMod val="95000"/>
+              <a:alpha val="70000"/>
+            </a:schemeClr>
+          </a:solidFill>
+          <a:ln w="95250" cap="sq" cmpd="sng" algn="ctr">
+            <a:solidFill>
+              <a:schemeClr val="bg1">
+                <a:lumMod val="95000"/>
+              </a:schemeClr>
+            </a:solidFill>
+            <a:prstDash val="solid"/>
+            <a:miter lim="800000"/>
+          </a:ln>
+          <a:effectLst>
+            <a:outerShdw blurRad="50800" dist="50800" dir="5400000" algn="ctr" rotWithShape="0">
+              <a:srgbClr val="000000">
+                <a:alpha val="0"/>
+              </a:srgbClr>
+            </a:outerShdw>
+            <a:reflection stA="29000" endPos="65000" dist="50800" dir="5400000" sy="-100000" algn="bl" rotWithShape="0"/>
+          </a:effectLst>
+        </p:spPr>
+      </p:pic>
+      <p:sp>
+        <p:nvSpPr>
+          <p:cNvPr id="25" name="Text Placeholder 79">
+            <a:extLst>
+              <a:ext uri="{FF2B5EF4-FFF2-40B4-BE49-F238E27FC236}">
+                <a16:creationId xmlns:a16="http://schemas.microsoft.com/office/drawing/2014/main" id="{308C5AD4-68D0-40F3-BDF4-C1B0DB3431B4}"/>
+              </a:ext>
+            </a:extLst>
+          </p:cNvPr>
+          <p:cNvSpPr txBox="1">
+            <a:spLocks/>
+          </p:cNvSpPr>
+          <p:nvPr/>
+        </p:nvSpPr>
+        <p:spPr>
+          <a:xfrm>
+            <a:off x="5726126" y="423389"/>
+            <a:ext cx="1808446" cy="701355"/>
+          </a:xfrm>
+          <a:prstGeom prst="rect">
+            <a:avLst/>
+          </a:prstGeom>
+        </p:spPr>
+        <p:txBody>
+          <a:bodyPr vert="horz" lIns="91440" tIns="45720" rIns="91440" bIns="45720" rtlCol="0" anchor="b">
+            <a:normAutofit lnSpcReduction="10000"/>
+          </a:bodyPr>
+          <a:lstStyle>
+            <a:lvl1pPr marL="0" indent="0" algn="l" defTabSz="914400" rtl="0" eaLnBrk="1" latinLnBrk="0" hangingPunct="1">
+              <a:lnSpc>
+                <a:spcPct val="90000"/>
+              </a:lnSpc>
+              <a:spcBef>
+                <a:spcPts val="1800"/>
+              </a:spcBef>
+              <a:buClr>
+                <a:schemeClr val="tx1"/>
+              </a:buClr>
+              <a:buSzPct val="80000"/>
+              <a:buFont typeface="Arial" panose="020B0604020202020204" pitchFamily="34" charset="0"/>
+              <a:buNone/>
+              <a:defRPr sz="2399" kern="1200">
+                <a:solidFill>
+                  <a:schemeClr val="tx1"/>
+                </a:solidFill>
+                <a:latin typeface="+mn-lt"/>
+                <a:ea typeface="+mn-ea"/>
+                <a:cs typeface="+mn-cs"/>
+              </a:defRPr>
+            </a:lvl1pPr>
+            <a:lvl2pPr marL="615950" indent="-285750" algn="l" defTabSz="914400" rtl="0" eaLnBrk="1" latinLnBrk="0" hangingPunct="1">
+              <a:lnSpc>
+                <a:spcPct val="90000"/>
+              </a:lnSpc>
+              <a:spcBef>
+                <a:spcPts val="600"/>
+              </a:spcBef>
+              <a:buSzPct val="80000"/>
+              <a:buFont typeface="Corbel" pitchFamily="34" charset="0"/>
+              <a:buChar char="–"/>
+              <a:defRPr sz="2400" kern="1200">
+                <a:solidFill>
+                  <a:schemeClr val="tx1"/>
+                </a:solidFill>
+                <a:latin typeface="+mn-lt"/>
+                <a:ea typeface="+mn-ea"/>
+                <a:cs typeface="+mn-cs"/>
+              </a:defRPr>
+            </a:lvl2pPr>
+            <a:lvl3pPr marL="996696" indent="-228600" algn="l" defTabSz="914400" rtl="0" eaLnBrk="1" latinLnBrk="0" hangingPunct="1">
+              <a:lnSpc>
+                <a:spcPct val="90000"/>
+              </a:lnSpc>
+              <a:spcBef>
+                <a:spcPts val="600"/>
+              </a:spcBef>
+              <a:buClr>
+                <a:schemeClr val="tx1"/>
+              </a:buClr>
+              <a:buSzPct val="80000"/>
+              <a:buFont typeface="Arial" pitchFamily="34" charset="0"/>
+              <a:buChar char="•"/>
+              <a:defRPr sz="2000" kern="1200">
+                <a:solidFill>
+                  <a:schemeClr val="tx1"/>
+                </a:solidFill>
+                <a:latin typeface="+mn-lt"/>
+                <a:ea typeface="+mn-ea"/>
+                <a:cs typeface="+mn-cs"/>
+              </a:defRPr>
+            </a:lvl3pPr>
+            <a:lvl4pPr marL="1380744" indent="-283464" algn="l" defTabSz="914400" rtl="0" eaLnBrk="1" latinLnBrk="0" hangingPunct="1">
+              <a:lnSpc>
+                <a:spcPct val="90000"/>
+              </a:lnSpc>
+              <a:spcBef>
+                <a:spcPts val="600"/>
+              </a:spcBef>
+              <a:buFont typeface="Corbel" pitchFamily="34" charset="0"/>
+              <a:buChar char="–"/>
+              <a:defRPr sz="1800" kern="1200">
+                <a:solidFill>
+                  <a:schemeClr val="tx1"/>
+                </a:solidFill>
+                <a:latin typeface="+mn-lt"/>
+                <a:ea typeface="+mn-ea"/>
+                <a:cs typeface="+mn-cs"/>
+              </a:defRPr>
+            </a:lvl4pPr>
+            <a:lvl5pPr marL="1764792" indent="-228600" algn="l" defTabSz="914400" rtl="0" eaLnBrk="1" latinLnBrk="0" hangingPunct="1">
+              <a:lnSpc>
+                <a:spcPct val="90000"/>
+              </a:lnSpc>
+              <a:spcBef>
+                <a:spcPts val="600"/>
+              </a:spcBef>
+              <a:buClr>
+                <a:schemeClr val="tx1"/>
+              </a:buClr>
+              <a:buSzPct val="80000"/>
+              <a:buFont typeface="Arial" pitchFamily="34" charset="0"/>
+              <a:buChar char="•"/>
+              <a:defRPr sz="1800" kern="1200">
+                <a:solidFill>
+                  <a:schemeClr val="tx1"/>
+                </a:solidFill>
+                <a:latin typeface="+mn-lt"/>
+                <a:ea typeface="+mn-ea"/>
+                <a:cs typeface="+mn-cs"/>
+              </a:defRPr>
+            </a:lvl5pPr>
+            <a:lvl6pPr marL="2148840" indent="-283464" algn="l" defTabSz="914400" rtl="0" eaLnBrk="1" latinLnBrk="0" hangingPunct="1">
+              <a:lnSpc>
+                <a:spcPct val="90000"/>
+              </a:lnSpc>
+              <a:spcBef>
+                <a:spcPts val="600"/>
+              </a:spcBef>
+              <a:buFont typeface="Corbel" pitchFamily="34" charset="0"/>
+              <a:buChar char="–"/>
+              <a:defRPr sz="1800" kern="1200" baseline="0">
+                <a:solidFill>
+                  <a:schemeClr val="tx1"/>
+                </a:solidFill>
+                <a:latin typeface="+mn-lt"/>
+                <a:ea typeface="+mn-ea"/>
+                <a:cs typeface="+mn-cs"/>
+              </a:defRPr>
+            </a:lvl6pPr>
+            <a:lvl7pPr marL="2532888" indent="-228600" algn="l" defTabSz="914400" rtl="0" eaLnBrk="1" latinLnBrk="0" hangingPunct="1">
+              <a:lnSpc>
+                <a:spcPct val="90000"/>
+              </a:lnSpc>
+              <a:spcBef>
+                <a:spcPts val="600"/>
+              </a:spcBef>
+              <a:buSzPct val="80000"/>
+              <a:buFont typeface="Arial" pitchFamily="34" charset="0"/>
+              <a:buChar char="•"/>
+              <a:defRPr sz="1800" kern="1200" baseline="0">
+                <a:solidFill>
+                  <a:schemeClr val="tx1"/>
+                </a:solidFill>
+                <a:latin typeface="+mn-lt"/>
+                <a:ea typeface="+mn-ea"/>
+                <a:cs typeface="+mn-cs"/>
+              </a:defRPr>
+            </a:lvl7pPr>
+            <a:lvl8pPr marL="2916936" indent="-283464" algn="l" defTabSz="914400" rtl="0" eaLnBrk="1" latinLnBrk="0" hangingPunct="1">
+              <a:lnSpc>
+                <a:spcPct val="90000"/>
+              </a:lnSpc>
+              <a:spcBef>
+                <a:spcPts val="600"/>
+              </a:spcBef>
+              <a:buFont typeface="Corbel" pitchFamily="34" charset="0"/>
+              <a:buChar char="–"/>
+              <a:defRPr sz="1800" kern="1200" baseline="0">
+                <a:solidFill>
+                  <a:schemeClr val="tx1"/>
+                </a:solidFill>
+                <a:latin typeface="+mn-lt"/>
+                <a:ea typeface="+mn-ea"/>
+                <a:cs typeface="+mn-cs"/>
+              </a:defRPr>
+            </a:lvl8pPr>
+            <a:lvl9pPr marL="3358134" indent="-285750" algn="l" defTabSz="914400" rtl="0" eaLnBrk="1" latinLnBrk="0" hangingPunct="1">
+              <a:lnSpc>
+                <a:spcPct val="90000"/>
+              </a:lnSpc>
+              <a:spcBef>
+                <a:spcPts val="600"/>
+              </a:spcBef>
+              <a:buSzPct val="80000"/>
+              <a:buFont typeface="Arial" panose="020B0604020202020204" pitchFamily="34" charset="0"/>
+              <a:buChar char="•"/>
+              <a:defRPr sz="1800" kern="1200">
+                <a:solidFill>
+                  <a:schemeClr val="tx1"/>
+                </a:solidFill>
+                <a:latin typeface="+mn-lt"/>
+                <a:ea typeface="+mn-ea"/>
+                <a:cs typeface="+mn-cs"/>
+              </a:defRPr>
+            </a:lvl9pPr>
+          </a:lstStyle>
+          <a:p>
+            <a:r>
+              <a:rPr lang="en-US" dirty="0" err="1">
+                <a:solidFill>
+                  <a:schemeClr val="tx1">
+                    <a:lumMod val="75000"/>
+                    <a:lumOff val="25000"/>
+                  </a:schemeClr>
+                </a:solidFill>
+              </a:rPr>
+              <a:t>Adane</a:t>
+            </a:r>
+            <a:br>
+              <a:rPr lang="en-US" dirty="0">
+                <a:solidFill>
+                  <a:schemeClr val="tx1">
+                    <a:lumMod val="75000"/>
+                    <a:lumOff val="25000"/>
+                  </a:schemeClr>
+                </a:solidFill>
+              </a:rPr>
+            </a:br>
+            <a:r>
+              <a:rPr lang="en-US" dirty="0" err="1">
+                <a:solidFill>
+                  <a:schemeClr val="tx1">
+                    <a:lumMod val="75000"/>
+                    <a:lumOff val="25000"/>
+                  </a:schemeClr>
+                </a:solidFill>
+              </a:rPr>
+              <a:t>Adgo</a:t>
+            </a:r>
+            <a:endParaRPr lang="en-US" dirty="0"/>
+          </a:p>
+        </p:txBody>
+      </p:sp>
+      <p:cxnSp>
+        <p:nvCxnSpPr>
+          <p:cNvPr id="26" name="Straight Connector 95">
+            <a:extLst>
+              <a:ext uri="{FF2B5EF4-FFF2-40B4-BE49-F238E27FC236}">
+                <a16:creationId xmlns:a16="http://schemas.microsoft.com/office/drawing/2014/main" id="{B64C9D9A-113C-4A76-9FE2-AFFFC3A6B19C}"/>
+              </a:ext>
+              <a:ext uri="{C183D7F6-B498-43B3-948B-1728B52AA6E4}">
+                <adec:decorative xmlns:adec="http://schemas.microsoft.com/office/drawing/2017/decorative" val="1"/>
+              </a:ext>
+            </a:extLst>
+          </p:cNvPr>
+          <p:cNvCxnSpPr>
+            <a:cxnSpLocks/>
+          </p:cNvCxnSpPr>
+          <p:nvPr/>
+        </p:nvCxnSpPr>
+        <p:spPr>
+          <a:xfrm>
+            <a:off x="5734372" y="1268760"/>
+            <a:ext cx="1547597" cy="0"/>
+          </a:xfrm>
+          <a:prstGeom prst="line">
+            <a:avLst/>
+          </a:prstGeom>
+          <a:ln w="28575">
+            <a:solidFill>
+              <a:schemeClr val="accent3"/>
+            </a:solidFill>
+          </a:ln>
+        </p:spPr>
+        <p:style>
+          <a:lnRef idx="1">
+            <a:schemeClr val="accent1"/>
+          </a:lnRef>
+          <a:fillRef idx="0">
+            <a:schemeClr val="accent1"/>
+          </a:fillRef>
+          <a:effectRef idx="0">
+            <a:schemeClr val="accent1"/>
+          </a:effectRef>
+          <a:fontRef idx="minor">
+            <a:schemeClr val="tx1"/>
+          </a:fontRef>
+        </p:style>
+      </p:cxnSp>
+      <p:sp>
+        <p:nvSpPr>
+          <p:cNvPr id="31" name="Text Placeholder 79">
+            <a:extLst>
+              <a:ext uri="{FF2B5EF4-FFF2-40B4-BE49-F238E27FC236}">
+                <a16:creationId xmlns:a16="http://schemas.microsoft.com/office/drawing/2014/main" id="{7C915B1A-7F92-444D-AD08-72EAC698DE21}"/>
+              </a:ext>
+            </a:extLst>
+          </p:cNvPr>
+          <p:cNvSpPr txBox="1">
+            <a:spLocks/>
+          </p:cNvSpPr>
+          <p:nvPr/>
+        </p:nvSpPr>
+        <p:spPr>
+          <a:xfrm>
+            <a:off x="9470542" y="404664"/>
+            <a:ext cx="1808446" cy="701355"/>
+          </a:xfrm>
+          <a:prstGeom prst="rect">
+            <a:avLst/>
+          </a:prstGeom>
+        </p:spPr>
+        <p:txBody>
+          <a:bodyPr vert="horz" lIns="91440" tIns="45720" rIns="91440" bIns="45720" rtlCol="0" anchor="b">
+            <a:normAutofit lnSpcReduction="10000"/>
+          </a:bodyPr>
+          <a:lstStyle>
+            <a:lvl1pPr marL="0" indent="0" algn="l" defTabSz="914400" rtl="0" eaLnBrk="1" latinLnBrk="0" hangingPunct="1">
+              <a:lnSpc>
+                <a:spcPct val="90000"/>
+              </a:lnSpc>
+              <a:spcBef>
+                <a:spcPts val="1800"/>
+              </a:spcBef>
+              <a:buClr>
+                <a:schemeClr val="tx1"/>
+              </a:buClr>
+              <a:buSzPct val="80000"/>
+              <a:buFont typeface="Arial" panose="020B0604020202020204" pitchFamily="34" charset="0"/>
+              <a:buNone/>
+              <a:defRPr sz="2399" kern="1200">
+                <a:solidFill>
+                  <a:schemeClr val="tx1"/>
+                </a:solidFill>
+                <a:latin typeface="+mn-lt"/>
+                <a:ea typeface="+mn-ea"/>
+                <a:cs typeface="+mn-cs"/>
+              </a:defRPr>
+            </a:lvl1pPr>
+            <a:lvl2pPr marL="615950" indent="-285750" algn="l" defTabSz="914400" rtl="0" eaLnBrk="1" latinLnBrk="0" hangingPunct="1">
+              <a:lnSpc>
+                <a:spcPct val="90000"/>
+              </a:lnSpc>
+              <a:spcBef>
+                <a:spcPts val="600"/>
+              </a:spcBef>
+              <a:buSzPct val="80000"/>
+              <a:buFont typeface="Corbel" pitchFamily="34" charset="0"/>
+              <a:buChar char="–"/>
+              <a:defRPr sz="2400" kern="1200">
+                <a:solidFill>
+                  <a:schemeClr val="tx1"/>
+                </a:solidFill>
+                <a:latin typeface="+mn-lt"/>
+                <a:ea typeface="+mn-ea"/>
+                <a:cs typeface="+mn-cs"/>
+              </a:defRPr>
+            </a:lvl2pPr>
+            <a:lvl3pPr marL="996696" indent="-228600" algn="l" defTabSz="914400" rtl="0" eaLnBrk="1" latinLnBrk="0" hangingPunct="1">
+              <a:lnSpc>
+                <a:spcPct val="90000"/>
+              </a:lnSpc>
+              <a:spcBef>
+                <a:spcPts val="600"/>
+              </a:spcBef>
+              <a:buClr>
+                <a:schemeClr val="tx1"/>
+              </a:buClr>
+              <a:buSzPct val="80000"/>
+              <a:buFont typeface="Arial" pitchFamily="34" charset="0"/>
+              <a:buChar char="•"/>
+              <a:defRPr sz="2000" kern="1200">
+                <a:solidFill>
+                  <a:schemeClr val="tx1"/>
+                </a:solidFill>
+                <a:latin typeface="+mn-lt"/>
+                <a:ea typeface="+mn-ea"/>
+                <a:cs typeface="+mn-cs"/>
+              </a:defRPr>
+            </a:lvl3pPr>
+            <a:lvl4pPr marL="1380744" indent="-283464" algn="l" defTabSz="914400" rtl="0" eaLnBrk="1" latinLnBrk="0" hangingPunct="1">
+              <a:lnSpc>
+                <a:spcPct val="90000"/>
+              </a:lnSpc>
+              <a:spcBef>
+                <a:spcPts val="600"/>
+              </a:spcBef>
+              <a:buFont typeface="Corbel" pitchFamily="34" charset="0"/>
+              <a:buChar char="–"/>
+              <a:defRPr sz="1800" kern="1200">
+                <a:solidFill>
+                  <a:schemeClr val="tx1"/>
+                </a:solidFill>
+                <a:latin typeface="+mn-lt"/>
+                <a:ea typeface="+mn-ea"/>
+                <a:cs typeface="+mn-cs"/>
+              </a:defRPr>
+            </a:lvl4pPr>
+            <a:lvl5pPr marL="1764792" indent="-228600" algn="l" defTabSz="914400" rtl="0" eaLnBrk="1" latinLnBrk="0" hangingPunct="1">
+              <a:lnSpc>
+                <a:spcPct val="90000"/>
+              </a:lnSpc>
+              <a:spcBef>
+                <a:spcPts val="600"/>
+              </a:spcBef>
+              <a:buClr>
+                <a:schemeClr val="tx1"/>
+              </a:buClr>
+              <a:buSzPct val="80000"/>
+              <a:buFont typeface="Arial" pitchFamily="34" charset="0"/>
+              <a:buChar char="•"/>
+              <a:defRPr sz="1800" kern="1200">
+                <a:solidFill>
+                  <a:schemeClr val="tx1"/>
+                </a:solidFill>
+                <a:latin typeface="+mn-lt"/>
+                <a:ea typeface="+mn-ea"/>
+                <a:cs typeface="+mn-cs"/>
+              </a:defRPr>
+            </a:lvl5pPr>
+            <a:lvl6pPr marL="2148840" indent="-283464" algn="l" defTabSz="914400" rtl="0" eaLnBrk="1" latinLnBrk="0" hangingPunct="1">
+              <a:lnSpc>
+                <a:spcPct val="90000"/>
+              </a:lnSpc>
+              <a:spcBef>
+                <a:spcPts val="600"/>
+              </a:spcBef>
+              <a:buFont typeface="Corbel" pitchFamily="34" charset="0"/>
+              <a:buChar char="–"/>
+              <a:defRPr sz="1800" kern="1200" baseline="0">
+                <a:solidFill>
+                  <a:schemeClr val="tx1"/>
+                </a:solidFill>
+                <a:latin typeface="+mn-lt"/>
+                <a:ea typeface="+mn-ea"/>
+                <a:cs typeface="+mn-cs"/>
+              </a:defRPr>
+            </a:lvl6pPr>
+            <a:lvl7pPr marL="2532888" indent="-228600" algn="l" defTabSz="914400" rtl="0" eaLnBrk="1" latinLnBrk="0" hangingPunct="1">
+              <a:lnSpc>
+                <a:spcPct val="90000"/>
+              </a:lnSpc>
+              <a:spcBef>
+                <a:spcPts val="600"/>
+              </a:spcBef>
+              <a:buSzPct val="80000"/>
+              <a:buFont typeface="Arial" pitchFamily="34" charset="0"/>
+              <a:buChar char="•"/>
+              <a:defRPr sz="1800" kern="1200" baseline="0">
+                <a:solidFill>
+                  <a:schemeClr val="tx1"/>
+                </a:solidFill>
+                <a:latin typeface="+mn-lt"/>
+                <a:ea typeface="+mn-ea"/>
+                <a:cs typeface="+mn-cs"/>
+              </a:defRPr>
+            </a:lvl7pPr>
+            <a:lvl8pPr marL="2916936" indent="-283464" algn="l" defTabSz="914400" rtl="0" eaLnBrk="1" latinLnBrk="0" hangingPunct="1">
+              <a:lnSpc>
+                <a:spcPct val="90000"/>
+              </a:lnSpc>
+              <a:spcBef>
+                <a:spcPts val="600"/>
+              </a:spcBef>
+              <a:buFont typeface="Corbel" pitchFamily="34" charset="0"/>
+              <a:buChar char="–"/>
+              <a:defRPr sz="1800" kern="1200" baseline="0">
+                <a:solidFill>
+                  <a:schemeClr val="tx1"/>
+                </a:solidFill>
+                <a:latin typeface="+mn-lt"/>
+                <a:ea typeface="+mn-ea"/>
+                <a:cs typeface="+mn-cs"/>
+              </a:defRPr>
+            </a:lvl8pPr>
+            <a:lvl9pPr marL="3358134" indent="-285750" algn="l" defTabSz="914400" rtl="0" eaLnBrk="1" latinLnBrk="0" hangingPunct="1">
+              <a:lnSpc>
+                <a:spcPct val="90000"/>
+              </a:lnSpc>
+              <a:spcBef>
+                <a:spcPts val="600"/>
+              </a:spcBef>
+              <a:buSzPct val="80000"/>
+              <a:buFont typeface="Arial" panose="020B0604020202020204" pitchFamily="34" charset="0"/>
+              <a:buChar char="•"/>
+              <a:defRPr sz="1800" kern="1200">
+                <a:solidFill>
+                  <a:schemeClr val="tx1"/>
+                </a:solidFill>
+                <a:latin typeface="+mn-lt"/>
+                <a:ea typeface="+mn-ea"/>
+                <a:cs typeface="+mn-cs"/>
+              </a:defRPr>
+            </a:lvl9pPr>
+          </a:lstStyle>
+          <a:p>
+            <a:r>
+              <a:rPr lang="en-US" dirty="0">
+                <a:solidFill>
+                  <a:schemeClr val="tx1">
+                    <a:lumMod val="75000"/>
+                    <a:lumOff val="25000"/>
+                  </a:schemeClr>
+                </a:solidFill>
+              </a:rPr>
+              <a:t>Tomer </a:t>
+            </a:r>
+            <a:r>
+              <a:rPr lang="en-US" dirty="0" err="1">
+                <a:solidFill>
+                  <a:schemeClr val="tx1">
+                    <a:lumMod val="75000"/>
+                    <a:lumOff val="25000"/>
+                  </a:schemeClr>
+                </a:solidFill>
+              </a:rPr>
+              <a:t>Handali</a:t>
+            </a:r>
+            <a:endParaRPr lang="en-US" dirty="0">
+              <a:solidFill>
+                <a:schemeClr val="tx1">
+                  <a:lumMod val="75000"/>
+                  <a:lumOff val="25000"/>
+                </a:schemeClr>
+              </a:solidFill>
+            </a:endParaRPr>
+          </a:p>
+        </p:txBody>
+      </p:sp>
+      <p:cxnSp>
+        <p:nvCxnSpPr>
+          <p:cNvPr id="32" name="Straight Connector 96">
+            <a:extLst>
+              <a:ext uri="{FF2B5EF4-FFF2-40B4-BE49-F238E27FC236}">
+                <a16:creationId xmlns:a16="http://schemas.microsoft.com/office/drawing/2014/main" id="{84961E9A-943A-4590-9B23-19984785166C}"/>
+              </a:ext>
+              <a:ext uri="{C183D7F6-B498-43B3-948B-1728B52AA6E4}">
+                <adec:decorative xmlns:adec="http://schemas.microsoft.com/office/drawing/2017/decorative" val="1"/>
+              </a:ext>
+            </a:extLst>
+          </p:cNvPr>
+          <p:cNvCxnSpPr>
+            <a:cxnSpLocks/>
+          </p:cNvCxnSpPr>
+          <p:nvPr/>
+        </p:nvCxnSpPr>
+        <p:spPr>
+          <a:xfrm>
+            <a:off x="9478788" y="1268760"/>
+            <a:ext cx="1547597" cy="0"/>
+          </a:xfrm>
+          <a:prstGeom prst="line">
+            <a:avLst/>
+          </a:prstGeom>
+          <a:ln w="28575">
+            <a:solidFill>
+              <a:schemeClr val="accent5"/>
+            </a:solidFill>
+          </a:ln>
+        </p:spPr>
+        <p:style>
+          <a:lnRef idx="1">
+            <a:schemeClr val="accent1"/>
+          </a:lnRef>
+          <a:fillRef idx="0">
+            <a:schemeClr val="accent1"/>
+          </a:fillRef>
+          <a:effectRef idx="0">
+            <a:schemeClr val="accent1"/>
+          </a:effectRef>
+          <a:fontRef idx="minor">
+            <a:schemeClr val="tx1"/>
+          </a:fontRef>
+        </p:style>
+      </p:cxnSp>
+      <p:sp>
+        <p:nvSpPr>
+          <p:cNvPr id="40" name="Text Placeholder 84">
+            <a:extLst>
+              <a:ext uri="{FF2B5EF4-FFF2-40B4-BE49-F238E27FC236}">
+                <a16:creationId xmlns:a16="http://schemas.microsoft.com/office/drawing/2014/main" id="{A45141FF-F5D2-45E4-B6E1-F33DBC377243}"/>
+              </a:ext>
+            </a:extLst>
+          </p:cNvPr>
+          <p:cNvSpPr txBox="1">
+            <a:spLocks/>
+          </p:cNvSpPr>
+          <p:nvPr/>
+        </p:nvSpPr>
+        <p:spPr>
+          <a:xfrm>
+            <a:off x="9478788" y="1412776"/>
+            <a:ext cx="2123447" cy="1800000"/>
+          </a:xfrm>
+          <a:prstGeom prst="rect">
+            <a:avLst/>
+          </a:prstGeom>
+        </p:spPr>
+        <p:txBody>
+          <a:bodyPr vert="horz" lIns="91440" tIns="45720" rIns="91440" bIns="45720" rtlCol="0">
+            <a:normAutofit/>
+          </a:bodyPr>
+          <a:lstStyle>
+            <a:lvl1pPr marL="0" indent="0" algn="l" defTabSz="914400" rtl="0" eaLnBrk="1" latinLnBrk="0" hangingPunct="1">
+              <a:lnSpc>
+                <a:spcPct val="90000"/>
+              </a:lnSpc>
+              <a:spcBef>
+                <a:spcPts val="1800"/>
+              </a:spcBef>
+              <a:buClr>
+                <a:schemeClr val="tx1"/>
+              </a:buClr>
+              <a:buSzPct val="80000"/>
+              <a:buFont typeface="Arial" pitchFamily="34" charset="0"/>
+              <a:buNone/>
+              <a:defRPr sz="1400" kern="1200">
+                <a:solidFill>
+                  <a:schemeClr val="tx1">
+                    <a:lumMod val="50000"/>
+                    <a:lumOff val="50000"/>
+                  </a:schemeClr>
+                </a:solidFill>
+                <a:latin typeface="+mn-lt"/>
+                <a:ea typeface="+mn-ea"/>
+                <a:cs typeface="+mn-cs"/>
+              </a:defRPr>
+            </a:lvl1pPr>
+            <a:lvl2pPr marL="615950" indent="-285750" algn="l" defTabSz="914400" rtl="0" eaLnBrk="1" latinLnBrk="0" hangingPunct="1">
+              <a:lnSpc>
+                <a:spcPct val="90000"/>
+              </a:lnSpc>
+              <a:spcBef>
+                <a:spcPts val="600"/>
+              </a:spcBef>
+              <a:buSzPct val="80000"/>
+              <a:buFont typeface="Corbel" pitchFamily="34" charset="0"/>
+              <a:buChar char="–"/>
+              <a:defRPr sz="2400" kern="1200">
+                <a:solidFill>
+                  <a:schemeClr val="tx1"/>
+                </a:solidFill>
+                <a:latin typeface="+mn-lt"/>
+                <a:ea typeface="+mn-ea"/>
+                <a:cs typeface="+mn-cs"/>
+              </a:defRPr>
+            </a:lvl2pPr>
+            <a:lvl3pPr marL="996696" indent="-228600" algn="l" defTabSz="914400" rtl="0" eaLnBrk="1" latinLnBrk="0" hangingPunct="1">
+              <a:lnSpc>
+                <a:spcPct val="90000"/>
+              </a:lnSpc>
+              <a:spcBef>
+                <a:spcPts val="600"/>
+              </a:spcBef>
+              <a:buClr>
+                <a:schemeClr val="tx1"/>
+              </a:buClr>
+              <a:buSzPct val="80000"/>
+              <a:buFont typeface="Arial" pitchFamily="34" charset="0"/>
+              <a:buChar char="•"/>
+              <a:defRPr sz="2000" kern="1200">
+                <a:solidFill>
+                  <a:schemeClr val="tx1"/>
+                </a:solidFill>
+                <a:latin typeface="+mn-lt"/>
+                <a:ea typeface="+mn-ea"/>
+                <a:cs typeface="+mn-cs"/>
+              </a:defRPr>
+            </a:lvl3pPr>
+            <a:lvl4pPr marL="1380744" indent="-283464" algn="l" defTabSz="914400" rtl="0" eaLnBrk="1" latinLnBrk="0" hangingPunct="1">
+              <a:lnSpc>
+                <a:spcPct val="90000"/>
+              </a:lnSpc>
+              <a:spcBef>
+                <a:spcPts val="600"/>
+              </a:spcBef>
+              <a:buFont typeface="Corbel" pitchFamily="34" charset="0"/>
+              <a:buChar char="–"/>
+              <a:defRPr sz="1800" kern="1200">
+                <a:solidFill>
+                  <a:schemeClr val="tx1"/>
+                </a:solidFill>
+                <a:latin typeface="+mn-lt"/>
+                <a:ea typeface="+mn-ea"/>
+                <a:cs typeface="+mn-cs"/>
+              </a:defRPr>
+            </a:lvl4pPr>
+            <a:lvl5pPr marL="1764792" indent="-228600" algn="l" defTabSz="914400" rtl="0" eaLnBrk="1" latinLnBrk="0" hangingPunct="1">
+              <a:lnSpc>
+                <a:spcPct val="90000"/>
+              </a:lnSpc>
+              <a:spcBef>
+                <a:spcPts val="600"/>
+              </a:spcBef>
+              <a:buClr>
+                <a:schemeClr val="tx1"/>
+              </a:buClr>
+              <a:buSzPct val="80000"/>
+              <a:buFont typeface="Arial" pitchFamily="34" charset="0"/>
+              <a:buChar char="•"/>
+              <a:defRPr sz="1800" kern="1200">
+                <a:solidFill>
+                  <a:schemeClr val="tx1"/>
+                </a:solidFill>
+                <a:latin typeface="+mn-lt"/>
+                <a:ea typeface="+mn-ea"/>
+                <a:cs typeface="+mn-cs"/>
+              </a:defRPr>
+            </a:lvl5pPr>
+            <a:lvl6pPr marL="2148840" indent="-283464" algn="l" defTabSz="914400" rtl="0" eaLnBrk="1" latinLnBrk="0" hangingPunct="1">
+              <a:lnSpc>
+                <a:spcPct val="90000"/>
+              </a:lnSpc>
+              <a:spcBef>
+                <a:spcPts val="600"/>
+              </a:spcBef>
+              <a:buFont typeface="Corbel" pitchFamily="34" charset="0"/>
+              <a:buChar char="–"/>
+              <a:defRPr sz="1800" kern="1200" baseline="0">
+                <a:solidFill>
+                  <a:schemeClr val="tx1"/>
+                </a:solidFill>
+                <a:latin typeface="+mn-lt"/>
+                <a:ea typeface="+mn-ea"/>
+                <a:cs typeface="+mn-cs"/>
+              </a:defRPr>
+            </a:lvl6pPr>
+            <a:lvl7pPr marL="2532888" indent="-228600" algn="l" defTabSz="914400" rtl="0" eaLnBrk="1" latinLnBrk="0" hangingPunct="1">
+              <a:lnSpc>
+                <a:spcPct val="90000"/>
+              </a:lnSpc>
+              <a:spcBef>
+                <a:spcPts val="600"/>
+              </a:spcBef>
+              <a:buSzPct val="80000"/>
+              <a:buFont typeface="Arial" pitchFamily="34" charset="0"/>
+              <a:buChar char="•"/>
+              <a:defRPr sz="1800" kern="1200" baseline="0">
+                <a:solidFill>
+                  <a:schemeClr val="tx1"/>
+                </a:solidFill>
+                <a:latin typeface="+mn-lt"/>
+                <a:ea typeface="+mn-ea"/>
+                <a:cs typeface="+mn-cs"/>
+              </a:defRPr>
+            </a:lvl7pPr>
+            <a:lvl8pPr marL="2916936" indent="-283464" algn="l" defTabSz="914400" rtl="0" eaLnBrk="1" latinLnBrk="0" hangingPunct="1">
+              <a:lnSpc>
+                <a:spcPct val="90000"/>
+              </a:lnSpc>
+              <a:spcBef>
+                <a:spcPts val="600"/>
+              </a:spcBef>
+              <a:buFont typeface="Corbel" pitchFamily="34" charset="0"/>
+              <a:buChar char="–"/>
+              <a:defRPr sz="1800" kern="1200" baseline="0">
+                <a:solidFill>
+                  <a:schemeClr val="tx1"/>
+                </a:solidFill>
+                <a:latin typeface="+mn-lt"/>
+                <a:ea typeface="+mn-ea"/>
+                <a:cs typeface="+mn-cs"/>
+              </a:defRPr>
+            </a:lvl8pPr>
+            <a:lvl9pPr marL="3358134" indent="-285750" algn="l" defTabSz="914400" rtl="0" eaLnBrk="1" latinLnBrk="0" hangingPunct="1">
+              <a:lnSpc>
+                <a:spcPct val="90000"/>
+              </a:lnSpc>
+              <a:spcBef>
+                <a:spcPts val="600"/>
+              </a:spcBef>
+              <a:buSzPct val="80000"/>
+              <a:buFont typeface="Arial" panose="020B0604020202020204" pitchFamily="34" charset="0"/>
+              <a:buChar char="•"/>
+              <a:defRPr sz="1800" kern="1200">
+                <a:solidFill>
+                  <a:schemeClr val="tx1"/>
+                </a:solidFill>
+                <a:latin typeface="+mn-lt"/>
+                <a:ea typeface="+mn-ea"/>
+                <a:cs typeface="+mn-cs"/>
+              </a:defRPr>
+            </a:lvl9pPr>
+          </a:lstStyle>
+          <a:p>
+            <a:pPr>
+              <a:spcBef>
+                <a:spcPts val="0"/>
+              </a:spcBef>
+            </a:pPr>
+            <a:r>
+              <a:rPr lang="en-US" dirty="0">
+                <a:solidFill>
+                  <a:schemeClr val="tx1">
+                    <a:lumMod val="75000"/>
+                    <a:lumOff val="25000"/>
+                  </a:schemeClr>
+                </a:solidFill>
+              </a:rPr>
+              <a:t>Second year software engineering student.</a:t>
+            </a:r>
+          </a:p>
+          <a:p>
+            <a:pPr>
+              <a:spcBef>
+                <a:spcPts val="0"/>
+              </a:spcBef>
+            </a:pPr>
+            <a:r>
+              <a:rPr lang="en-US" dirty="0">
+                <a:solidFill>
+                  <a:schemeClr val="tx1">
+                    <a:lumMod val="75000"/>
+                    <a:lumOff val="25000"/>
+                  </a:schemeClr>
+                </a:solidFill>
+              </a:rPr>
+              <a:t>20 years old from Rehovot**.</a:t>
+            </a:r>
+          </a:p>
+        </p:txBody>
+      </p:sp>
+      <p:sp>
+        <p:nvSpPr>
+          <p:cNvPr id="41" name="Text Placeholder 84">
+            <a:extLst>
+              <a:ext uri="{FF2B5EF4-FFF2-40B4-BE49-F238E27FC236}">
+                <a16:creationId xmlns:a16="http://schemas.microsoft.com/office/drawing/2014/main" id="{53D70A9B-A9B8-4971-8099-950F9BF4DE9F}"/>
+              </a:ext>
+            </a:extLst>
+          </p:cNvPr>
+          <p:cNvSpPr txBox="1">
+            <a:spLocks/>
+          </p:cNvSpPr>
+          <p:nvPr/>
+        </p:nvSpPr>
+        <p:spPr>
+          <a:xfrm>
+            <a:off x="5734372" y="1412776"/>
+            <a:ext cx="2123447" cy="1800000"/>
+          </a:xfrm>
+          <a:prstGeom prst="rect">
+            <a:avLst/>
+          </a:prstGeom>
+        </p:spPr>
+        <p:txBody>
+          <a:bodyPr vert="horz" lIns="91440" tIns="45720" rIns="91440" bIns="45720" rtlCol="0">
+            <a:normAutofit/>
+          </a:bodyPr>
+          <a:lstStyle>
+            <a:lvl1pPr marL="0" indent="0" algn="l" defTabSz="914400" rtl="0" eaLnBrk="1" latinLnBrk="0" hangingPunct="1">
+              <a:lnSpc>
+                <a:spcPct val="90000"/>
+              </a:lnSpc>
+              <a:spcBef>
+                <a:spcPts val="1800"/>
+              </a:spcBef>
+              <a:buClr>
+                <a:schemeClr val="tx1"/>
+              </a:buClr>
+              <a:buSzPct val="80000"/>
+              <a:buFont typeface="Arial" pitchFamily="34" charset="0"/>
+              <a:buNone/>
+              <a:defRPr sz="1400" kern="1200">
+                <a:solidFill>
+                  <a:schemeClr val="tx1">
+                    <a:lumMod val="50000"/>
+                    <a:lumOff val="50000"/>
+                  </a:schemeClr>
+                </a:solidFill>
+                <a:latin typeface="+mn-lt"/>
+                <a:ea typeface="+mn-ea"/>
+                <a:cs typeface="+mn-cs"/>
+              </a:defRPr>
+            </a:lvl1pPr>
+            <a:lvl2pPr marL="615950" indent="-285750" algn="l" defTabSz="914400" rtl="0" eaLnBrk="1" latinLnBrk="0" hangingPunct="1">
+              <a:lnSpc>
+                <a:spcPct val="90000"/>
+              </a:lnSpc>
+              <a:spcBef>
+                <a:spcPts val="600"/>
+              </a:spcBef>
+              <a:buSzPct val="80000"/>
+              <a:buFont typeface="Corbel" pitchFamily="34" charset="0"/>
+              <a:buChar char="–"/>
+              <a:defRPr sz="2400" kern="1200">
+                <a:solidFill>
+                  <a:schemeClr val="tx1"/>
+                </a:solidFill>
+                <a:latin typeface="+mn-lt"/>
+                <a:ea typeface="+mn-ea"/>
+                <a:cs typeface="+mn-cs"/>
+              </a:defRPr>
+            </a:lvl2pPr>
+            <a:lvl3pPr marL="996696" indent="-228600" algn="l" defTabSz="914400" rtl="0" eaLnBrk="1" latinLnBrk="0" hangingPunct="1">
+              <a:lnSpc>
+                <a:spcPct val="90000"/>
+              </a:lnSpc>
+              <a:spcBef>
+                <a:spcPts val="600"/>
+              </a:spcBef>
+              <a:buClr>
+                <a:schemeClr val="tx1"/>
+              </a:buClr>
+              <a:buSzPct val="80000"/>
+              <a:buFont typeface="Arial" pitchFamily="34" charset="0"/>
+              <a:buChar char="•"/>
+              <a:defRPr sz="2000" kern="1200">
+                <a:solidFill>
+                  <a:schemeClr val="tx1"/>
+                </a:solidFill>
+                <a:latin typeface="+mn-lt"/>
+                <a:ea typeface="+mn-ea"/>
+                <a:cs typeface="+mn-cs"/>
+              </a:defRPr>
+            </a:lvl3pPr>
+            <a:lvl4pPr marL="1380744" indent="-283464" algn="l" defTabSz="914400" rtl="0" eaLnBrk="1" latinLnBrk="0" hangingPunct="1">
+              <a:lnSpc>
+                <a:spcPct val="90000"/>
+              </a:lnSpc>
+              <a:spcBef>
+                <a:spcPts val="600"/>
+              </a:spcBef>
+              <a:buFont typeface="Corbel" pitchFamily="34" charset="0"/>
+              <a:buChar char="–"/>
+              <a:defRPr sz="1800" kern="1200">
+                <a:solidFill>
+                  <a:schemeClr val="tx1"/>
+                </a:solidFill>
+                <a:latin typeface="+mn-lt"/>
+                <a:ea typeface="+mn-ea"/>
+                <a:cs typeface="+mn-cs"/>
+              </a:defRPr>
+            </a:lvl4pPr>
+            <a:lvl5pPr marL="1764792" indent="-228600" algn="l" defTabSz="914400" rtl="0" eaLnBrk="1" latinLnBrk="0" hangingPunct="1">
+              <a:lnSpc>
+                <a:spcPct val="90000"/>
+              </a:lnSpc>
+              <a:spcBef>
+                <a:spcPts val="600"/>
+              </a:spcBef>
+              <a:buClr>
+                <a:schemeClr val="tx1"/>
+              </a:buClr>
+              <a:buSzPct val="80000"/>
+              <a:buFont typeface="Arial" pitchFamily="34" charset="0"/>
+              <a:buChar char="•"/>
+              <a:defRPr sz="1800" kern="1200">
+                <a:solidFill>
+                  <a:schemeClr val="tx1"/>
+                </a:solidFill>
+                <a:latin typeface="+mn-lt"/>
+                <a:ea typeface="+mn-ea"/>
+                <a:cs typeface="+mn-cs"/>
+              </a:defRPr>
+            </a:lvl5pPr>
+            <a:lvl6pPr marL="2148840" indent="-283464" algn="l" defTabSz="914400" rtl="0" eaLnBrk="1" latinLnBrk="0" hangingPunct="1">
+              <a:lnSpc>
+                <a:spcPct val="90000"/>
+              </a:lnSpc>
+              <a:spcBef>
+                <a:spcPts val="600"/>
+              </a:spcBef>
+              <a:buFont typeface="Corbel" pitchFamily="34" charset="0"/>
+              <a:buChar char="–"/>
+              <a:defRPr sz="1800" kern="1200" baseline="0">
+                <a:solidFill>
+                  <a:schemeClr val="tx1"/>
+                </a:solidFill>
+                <a:latin typeface="+mn-lt"/>
+                <a:ea typeface="+mn-ea"/>
+                <a:cs typeface="+mn-cs"/>
+              </a:defRPr>
+            </a:lvl6pPr>
+            <a:lvl7pPr marL="2532888" indent="-228600" algn="l" defTabSz="914400" rtl="0" eaLnBrk="1" latinLnBrk="0" hangingPunct="1">
+              <a:lnSpc>
+                <a:spcPct val="90000"/>
+              </a:lnSpc>
+              <a:spcBef>
+                <a:spcPts val="600"/>
+              </a:spcBef>
+              <a:buSzPct val="80000"/>
+              <a:buFont typeface="Arial" pitchFamily="34" charset="0"/>
+              <a:buChar char="•"/>
+              <a:defRPr sz="1800" kern="1200" baseline="0">
+                <a:solidFill>
+                  <a:schemeClr val="tx1"/>
+                </a:solidFill>
+                <a:latin typeface="+mn-lt"/>
+                <a:ea typeface="+mn-ea"/>
+                <a:cs typeface="+mn-cs"/>
+              </a:defRPr>
+            </a:lvl7pPr>
+            <a:lvl8pPr marL="2916936" indent="-283464" algn="l" defTabSz="914400" rtl="0" eaLnBrk="1" latinLnBrk="0" hangingPunct="1">
+              <a:lnSpc>
+                <a:spcPct val="90000"/>
+              </a:lnSpc>
+              <a:spcBef>
+                <a:spcPts val="600"/>
+              </a:spcBef>
+              <a:buFont typeface="Corbel" pitchFamily="34" charset="0"/>
+              <a:buChar char="–"/>
+              <a:defRPr sz="1800" kern="1200" baseline="0">
+                <a:solidFill>
+                  <a:schemeClr val="tx1"/>
+                </a:solidFill>
+                <a:latin typeface="+mn-lt"/>
+                <a:ea typeface="+mn-ea"/>
+                <a:cs typeface="+mn-cs"/>
+              </a:defRPr>
+            </a:lvl8pPr>
+            <a:lvl9pPr marL="3358134" indent="-285750" algn="l" defTabSz="914400" rtl="0" eaLnBrk="1" latinLnBrk="0" hangingPunct="1">
+              <a:lnSpc>
+                <a:spcPct val="90000"/>
+              </a:lnSpc>
+              <a:spcBef>
+                <a:spcPts val="600"/>
+              </a:spcBef>
+              <a:buSzPct val="80000"/>
+              <a:buFont typeface="Arial" panose="020B0604020202020204" pitchFamily="34" charset="0"/>
+              <a:buChar char="•"/>
+              <a:defRPr sz="1800" kern="1200">
+                <a:solidFill>
+                  <a:schemeClr val="tx1"/>
+                </a:solidFill>
+                <a:latin typeface="+mn-lt"/>
+                <a:ea typeface="+mn-ea"/>
+                <a:cs typeface="+mn-cs"/>
+              </a:defRPr>
+            </a:lvl9pPr>
+          </a:lstStyle>
+          <a:p>
+            <a:r>
+              <a:rPr lang="en-US" dirty="0">
+                <a:solidFill>
+                  <a:schemeClr val="tx1">
+                    <a:lumMod val="75000"/>
+                    <a:lumOff val="25000"/>
+                  </a:schemeClr>
+                </a:solidFill>
+              </a:rPr>
+              <a:t>Second year software engineering student.</a:t>
+            </a:r>
+          </a:p>
+          <a:p>
+            <a:r>
+              <a:rPr lang="en-US" dirty="0">
+                <a:solidFill>
+                  <a:schemeClr val="tx1">
+                    <a:lumMod val="75000"/>
+                    <a:lumOff val="25000"/>
+                  </a:schemeClr>
+                </a:solidFill>
+              </a:rPr>
+              <a:t>25 years old from Ashdod.</a:t>
+            </a:r>
+          </a:p>
+          <a:p>
+            <a:endParaRPr lang="en-US" dirty="0">
+              <a:solidFill>
+                <a:schemeClr val="tx1">
+                  <a:lumMod val="75000"/>
+                  <a:lumOff val="25000"/>
+                </a:schemeClr>
+              </a:solidFill>
+            </a:endParaRPr>
+          </a:p>
+        </p:txBody>
+      </p:sp>
+      <p:sp>
+        <p:nvSpPr>
+          <p:cNvPr id="42" name="Text Placeholder 84">
+            <a:extLst>
+              <a:ext uri="{FF2B5EF4-FFF2-40B4-BE49-F238E27FC236}">
+                <a16:creationId xmlns:a16="http://schemas.microsoft.com/office/drawing/2014/main" id="{5CA971D1-1E60-4D77-966C-9354B3844008}"/>
+              </a:ext>
+            </a:extLst>
+          </p:cNvPr>
+          <p:cNvSpPr txBox="1">
+            <a:spLocks/>
+          </p:cNvSpPr>
+          <p:nvPr/>
+        </p:nvSpPr>
+        <p:spPr>
+          <a:xfrm>
+            <a:off x="1882733" y="1412776"/>
+            <a:ext cx="2123447" cy="1800000"/>
+          </a:xfrm>
+          <a:prstGeom prst="rect">
+            <a:avLst/>
+          </a:prstGeom>
+        </p:spPr>
+        <p:txBody>
+          <a:bodyPr vert="horz" lIns="91440" tIns="45720" rIns="91440" bIns="45720" rtlCol="0">
+            <a:normAutofit/>
+          </a:bodyPr>
+          <a:lstStyle>
+            <a:lvl1pPr marL="0" indent="0" algn="l" defTabSz="914400" rtl="0" eaLnBrk="1" latinLnBrk="0" hangingPunct="1">
+              <a:lnSpc>
+                <a:spcPct val="90000"/>
+              </a:lnSpc>
+              <a:spcBef>
+                <a:spcPts val="1800"/>
+              </a:spcBef>
+              <a:buClr>
+                <a:schemeClr val="tx1"/>
+              </a:buClr>
+              <a:buSzPct val="80000"/>
+              <a:buFont typeface="Arial" pitchFamily="34" charset="0"/>
+              <a:buNone/>
+              <a:defRPr sz="1400" kern="1200">
+                <a:solidFill>
+                  <a:schemeClr val="tx1">
+                    <a:lumMod val="50000"/>
+                    <a:lumOff val="50000"/>
+                  </a:schemeClr>
+                </a:solidFill>
+                <a:latin typeface="+mn-lt"/>
+                <a:ea typeface="+mn-ea"/>
+                <a:cs typeface="+mn-cs"/>
+              </a:defRPr>
+            </a:lvl1pPr>
+            <a:lvl2pPr marL="615950" indent="-285750" algn="l" defTabSz="914400" rtl="0" eaLnBrk="1" latinLnBrk="0" hangingPunct="1">
+              <a:lnSpc>
+                <a:spcPct val="90000"/>
+              </a:lnSpc>
+              <a:spcBef>
+                <a:spcPts val="600"/>
+              </a:spcBef>
+              <a:buSzPct val="80000"/>
+              <a:buFont typeface="Corbel" pitchFamily="34" charset="0"/>
+              <a:buChar char="–"/>
+              <a:defRPr sz="2400" kern="1200">
+                <a:solidFill>
+                  <a:schemeClr val="tx1"/>
+                </a:solidFill>
+                <a:latin typeface="+mn-lt"/>
+                <a:ea typeface="+mn-ea"/>
+                <a:cs typeface="+mn-cs"/>
+              </a:defRPr>
+            </a:lvl2pPr>
+            <a:lvl3pPr marL="996696" indent="-228600" algn="l" defTabSz="914400" rtl="0" eaLnBrk="1" latinLnBrk="0" hangingPunct="1">
+              <a:lnSpc>
+                <a:spcPct val="90000"/>
+              </a:lnSpc>
+              <a:spcBef>
+                <a:spcPts val="600"/>
+              </a:spcBef>
+              <a:buClr>
+                <a:schemeClr val="tx1"/>
+              </a:buClr>
+              <a:buSzPct val="80000"/>
+              <a:buFont typeface="Arial" pitchFamily="34" charset="0"/>
+              <a:buChar char="•"/>
+              <a:defRPr sz="2000" kern="1200">
+                <a:solidFill>
+                  <a:schemeClr val="tx1"/>
+                </a:solidFill>
+                <a:latin typeface="+mn-lt"/>
+                <a:ea typeface="+mn-ea"/>
+                <a:cs typeface="+mn-cs"/>
+              </a:defRPr>
+            </a:lvl3pPr>
+            <a:lvl4pPr marL="1380744" indent="-283464" algn="l" defTabSz="914400" rtl="0" eaLnBrk="1" latinLnBrk="0" hangingPunct="1">
+              <a:lnSpc>
+                <a:spcPct val="90000"/>
+              </a:lnSpc>
+              <a:spcBef>
+                <a:spcPts val="600"/>
+              </a:spcBef>
+              <a:buFont typeface="Corbel" pitchFamily="34" charset="0"/>
+              <a:buChar char="–"/>
+              <a:defRPr sz="1800" kern="1200">
+                <a:solidFill>
+                  <a:schemeClr val="tx1"/>
+                </a:solidFill>
+                <a:latin typeface="+mn-lt"/>
+                <a:ea typeface="+mn-ea"/>
+                <a:cs typeface="+mn-cs"/>
+              </a:defRPr>
+            </a:lvl4pPr>
+            <a:lvl5pPr marL="1764792" indent="-228600" algn="l" defTabSz="914400" rtl="0" eaLnBrk="1" latinLnBrk="0" hangingPunct="1">
+              <a:lnSpc>
+                <a:spcPct val="90000"/>
+              </a:lnSpc>
+              <a:spcBef>
+                <a:spcPts val="600"/>
+              </a:spcBef>
+              <a:buClr>
+                <a:schemeClr val="tx1"/>
+              </a:buClr>
+              <a:buSzPct val="80000"/>
+              <a:buFont typeface="Arial" pitchFamily="34" charset="0"/>
+              <a:buChar char="•"/>
+              <a:defRPr sz="1800" kern="1200">
+                <a:solidFill>
+                  <a:schemeClr val="tx1"/>
+                </a:solidFill>
+                <a:latin typeface="+mn-lt"/>
+                <a:ea typeface="+mn-ea"/>
+                <a:cs typeface="+mn-cs"/>
+              </a:defRPr>
+            </a:lvl5pPr>
+            <a:lvl6pPr marL="2148840" indent="-283464" algn="l" defTabSz="914400" rtl="0" eaLnBrk="1" latinLnBrk="0" hangingPunct="1">
+              <a:lnSpc>
+                <a:spcPct val="90000"/>
+              </a:lnSpc>
+              <a:spcBef>
+                <a:spcPts val="600"/>
+              </a:spcBef>
+              <a:buFont typeface="Corbel" pitchFamily="34" charset="0"/>
+              <a:buChar char="–"/>
+              <a:defRPr sz="1800" kern="1200" baseline="0">
+                <a:solidFill>
+                  <a:schemeClr val="tx1"/>
+                </a:solidFill>
+                <a:latin typeface="+mn-lt"/>
+                <a:ea typeface="+mn-ea"/>
+                <a:cs typeface="+mn-cs"/>
+              </a:defRPr>
+            </a:lvl6pPr>
+            <a:lvl7pPr marL="2532888" indent="-228600" algn="l" defTabSz="914400" rtl="0" eaLnBrk="1" latinLnBrk="0" hangingPunct="1">
+              <a:lnSpc>
+                <a:spcPct val="90000"/>
+              </a:lnSpc>
+              <a:spcBef>
+                <a:spcPts val="600"/>
+              </a:spcBef>
+              <a:buSzPct val="80000"/>
+              <a:buFont typeface="Arial" pitchFamily="34" charset="0"/>
+              <a:buChar char="•"/>
+              <a:defRPr sz="1800" kern="1200" baseline="0">
+                <a:solidFill>
+                  <a:schemeClr val="tx1"/>
+                </a:solidFill>
+                <a:latin typeface="+mn-lt"/>
+                <a:ea typeface="+mn-ea"/>
+                <a:cs typeface="+mn-cs"/>
+              </a:defRPr>
+            </a:lvl7pPr>
+            <a:lvl8pPr marL="2916936" indent="-283464" algn="l" defTabSz="914400" rtl="0" eaLnBrk="1" latinLnBrk="0" hangingPunct="1">
+              <a:lnSpc>
+                <a:spcPct val="90000"/>
+              </a:lnSpc>
+              <a:spcBef>
+                <a:spcPts val="600"/>
+              </a:spcBef>
+              <a:buFont typeface="Corbel" pitchFamily="34" charset="0"/>
+              <a:buChar char="–"/>
+              <a:defRPr sz="1800" kern="1200" baseline="0">
+                <a:solidFill>
+                  <a:schemeClr val="tx1"/>
+                </a:solidFill>
+                <a:latin typeface="+mn-lt"/>
+                <a:ea typeface="+mn-ea"/>
+                <a:cs typeface="+mn-cs"/>
+              </a:defRPr>
+            </a:lvl8pPr>
+            <a:lvl9pPr marL="3358134" indent="-285750" algn="l" defTabSz="914400" rtl="0" eaLnBrk="1" latinLnBrk="0" hangingPunct="1">
+              <a:lnSpc>
+                <a:spcPct val="90000"/>
+              </a:lnSpc>
+              <a:spcBef>
+                <a:spcPts val="600"/>
+              </a:spcBef>
+              <a:buSzPct val="80000"/>
+              <a:buFont typeface="Arial" panose="020B0604020202020204" pitchFamily="34" charset="0"/>
+              <a:buChar char="•"/>
+              <a:defRPr sz="1800" kern="1200">
+                <a:solidFill>
+                  <a:schemeClr val="tx1"/>
+                </a:solidFill>
+                <a:latin typeface="+mn-lt"/>
+                <a:ea typeface="+mn-ea"/>
+                <a:cs typeface="+mn-cs"/>
+              </a:defRPr>
+            </a:lvl9pPr>
+          </a:lstStyle>
+          <a:p>
+            <a:pPr>
+              <a:spcBef>
+                <a:spcPts val="0"/>
+              </a:spcBef>
+            </a:pPr>
+            <a:r>
+              <a:rPr lang="en-US" dirty="0">
+                <a:solidFill>
+                  <a:schemeClr val="tx1">
+                    <a:lumMod val="75000"/>
+                    <a:lumOff val="25000"/>
+                  </a:schemeClr>
+                </a:solidFill>
+              </a:rPr>
+              <a:t>Second year software engineering student.</a:t>
+            </a:r>
+          </a:p>
+          <a:p>
+            <a:pPr>
+              <a:spcBef>
+                <a:spcPts val="0"/>
+              </a:spcBef>
+            </a:pPr>
+            <a:r>
+              <a:rPr lang="en-US" dirty="0">
+                <a:solidFill>
+                  <a:schemeClr val="tx1">
+                    <a:lumMod val="75000"/>
+                    <a:lumOff val="25000"/>
+                  </a:schemeClr>
+                </a:solidFill>
+              </a:rPr>
+              <a:t>25 years old from Ashdod.</a:t>
+            </a:r>
+          </a:p>
+          <a:p>
+            <a:endParaRPr lang="en-US" dirty="0">
+              <a:solidFill>
+                <a:schemeClr val="tx1">
+                  <a:lumMod val="75000"/>
+                  <a:lumOff val="25000"/>
+                </a:schemeClr>
+              </a:solidFill>
+            </a:endParaRPr>
           </a:p>
         </p:txBody>
       </p:sp>
@@ -20623,7 +22241,7 @@
 </p:sld>
 </file>
 
-<file path=ppt/slides/slide5.xml><?xml version="1.0" encoding="utf-8"?>
+<file path=ppt/slides/slide4.xml><?xml version="1.0" encoding="utf-8"?>
 <p:sld xmlns:a="http://schemas.openxmlformats.org/drawingml/2006/main" xmlns:r="http://schemas.openxmlformats.org/officeDocument/2006/relationships" xmlns:p="http://schemas.openxmlformats.org/presentationml/2006/main">
   <p:cSld>
     <p:spTree>
@@ -20656,7 +22274,20 @@
           <a:lstStyle/>
           <a:p>
             <a:r>
-              <a:rPr lang="en-US" b="1" u="sng" dirty="0"/>
+              <a:rPr lang="en-US" b="1" u="sng" dirty="0">
+                <a:solidFill>
+                  <a:schemeClr val="bg2">
+                    <a:lumMod val="50000"/>
+                  </a:schemeClr>
+                </a:solidFill>
+                <a:effectLst>
+                  <a:outerShdw blurRad="38100" dist="38100" dir="2700000" algn="tl">
+                    <a:srgbClr val="000000">
+                      <a:alpha val="43137"/>
+                    </a:srgbClr>
+                  </a:outerShdw>
+                </a:effectLst>
+              </a:rPr>
               <a:t>Our features</a:t>
             </a:r>
           </a:p>
@@ -20839,7 +22470,7 @@
 </p:sld>
 </file>
 
-<file path=ppt/slides/slide6.xml><?xml version="1.0" encoding="utf-8"?>
+<file path=ppt/slides/slide5.xml><?xml version="1.0" encoding="utf-8"?>
 <p:sld xmlns:a="http://schemas.openxmlformats.org/drawingml/2006/main" xmlns:r="http://schemas.openxmlformats.org/officeDocument/2006/relationships" xmlns:p="http://schemas.openxmlformats.org/presentationml/2006/main">
   <p:cSld>
     <p:spTree>
@@ -20880,15 +22511,33 @@
             <a:r>
               <a:rPr lang="en-US" b="1" u="sng" dirty="0">
                 <a:solidFill>
-                  <a:schemeClr val="tx1"/>
+                  <a:schemeClr val="bg2">
+                    <a:lumMod val="50000"/>
+                  </a:schemeClr>
                 </a:solidFill>
+                <a:effectLst>
+                  <a:outerShdw blurRad="38100" dist="38100" dir="2700000" algn="tl">
+                    <a:srgbClr val="000000">
+                      <a:alpha val="43137"/>
+                    </a:srgbClr>
+                  </a:outerShdw>
+                </a:effectLst>
               </a:rPr>
               <a:t>Client Demands </a:t>
             </a:r>
             <a:endParaRPr lang="en-IL" b="1" u="sng" dirty="0">
               <a:solidFill>
-                <a:schemeClr val="tx1"/>
+                <a:schemeClr val="bg2">
+                  <a:lumMod val="50000"/>
+                </a:schemeClr>
               </a:solidFill>
+              <a:effectLst>
+                <a:outerShdw blurRad="38100" dist="38100" dir="2700000" algn="tl">
+                  <a:srgbClr val="000000">
+                    <a:alpha val="43137"/>
+                  </a:srgbClr>
+                </a:outerShdw>
+              </a:effectLst>
             </a:endParaRPr>
           </a:p>
         </p:txBody>
@@ -21009,7 +22658,7 @@
 </p:sld>
 </file>
 
-<file path=ppt/slides/slide7.xml><?xml version="1.0" encoding="utf-8"?>
+<file path=ppt/slides/slide6.xml><?xml version="1.0" encoding="utf-8"?>
 <p:sld xmlns:a="http://schemas.openxmlformats.org/drawingml/2006/main" xmlns:r="http://schemas.openxmlformats.org/officeDocument/2006/relationships" xmlns:p="http://schemas.openxmlformats.org/presentationml/2006/main">
   <p:cSld>
     <p:spTree>
@@ -21053,10 +22702,36 @@
           <a:lstStyle/>
           <a:p>
             <a:r>
-              <a:rPr lang="en-US" b="1" u="sng"/>
+              <a:rPr lang="en-US" b="1" u="sng" dirty="0">
+                <a:solidFill>
+                  <a:schemeClr val="bg2">
+                    <a:lumMod val="50000"/>
+                  </a:schemeClr>
+                </a:solidFill>
+                <a:effectLst>
+                  <a:outerShdw blurRad="38100" dist="38100" dir="2700000" algn="tl">
+                    <a:srgbClr val="000000">
+                      <a:alpha val="43137"/>
+                    </a:srgbClr>
+                  </a:outerShdw>
+                </a:effectLst>
+              </a:rPr>
               <a:t>Additions</a:t>
             </a:r>
-            <a:endParaRPr lang="en-IL" b="1" u="sng" dirty="0"/>
+            <a:endParaRPr lang="en-IL" b="1" u="sng" dirty="0">
+              <a:solidFill>
+                <a:schemeClr val="bg2">
+                  <a:lumMod val="50000"/>
+                </a:schemeClr>
+              </a:solidFill>
+              <a:effectLst>
+                <a:outerShdw blurRad="38100" dist="38100" dir="2700000" algn="tl">
+                  <a:srgbClr val="000000">
+                    <a:alpha val="43137"/>
+                  </a:srgbClr>
+                </a:outerShdw>
+              </a:effectLst>
+            </a:endParaRPr>
           </a:p>
         </p:txBody>
       </p:sp>
@@ -21176,7 +22851,7 @@
 </p:sld>
 </file>
 
-<file path=ppt/slides/slide8.xml><?xml version="1.0" encoding="utf-8"?>
+<file path=ppt/slides/slide7.xml><?xml version="1.0" encoding="utf-8"?>
 <p:sld xmlns:a="http://schemas.openxmlformats.org/drawingml/2006/main" xmlns:r="http://schemas.openxmlformats.org/officeDocument/2006/relationships" xmlns:p="http://schemas.openxmlformats.org/presentationml/2006/main">
   <p:cSld>
     <p:spTree>
@@ -21220,14 +22895,36 @@
           <a:lstStyle/>
           <a:p>
             <a:r>
-              <a:rPr lang="en-US" b="1" u="sng" dirty="0"/>
-              <a:t>Security</a:t>
+              <a:rPr lang="en-US" b="1" u="sng" dirty="0">
+                <a:solidFill>
+                  <a:schemeClr val="bg2">
+                    <a:lumMod val="50000"/>
+                  </a:schemeClr>
+                </a:solidFill>
+                <a:effectLst>
+                  <a:outerShdw blurRad="38100" dist="38100" dir="2700000" algn="tl">
+                    <a:srgbClr val="000000">
+                      <a:alpha val="43137"/>
+                    </a:srgbClr>
+                  </a:outerShdw>
+                </a:effectLst>
+              </a:rPr>
+              <a:t>Security </a:t>
             </a:r>
-            <a:r>
-              <a:rPr lang="en-US" b="1" dirty="0"/>
-              <a:t> </a:t>
-            </a:r>
-            <a:endParaRPr lang="en-IL" b="1" dirty="0"/>
+            <a:endParaRPr lang="en-IL" b="1" u="sng" dirty="0">
+              <a:solidFill>
+                <a:schemeClr val="bg2">
+                  <a:lumMod val="50000"/>
+                </a:schemeClr>
+              </a:solidFill>
+              <a:effectLst>
+                <a:outerShdw blurRad="38100" dist="38100" dir="2700000" algn="tl">
+                  <a:srgbClr val="000000">
+                    <a:alpha val="43137"/>
+                  </a:srgbClr>
+                </a:outerShdw>
+              </a:effectLst>
+            </a:endParaRPr>
           </a:p>
         </p:txBody>
       </p:sp>
@@ -21349,7 +23046,7 @@
 </p:sld>
 </file>
 
-<file path=ppt/slides/slide9.xml><?xml version="1.0" encoding="utf-8"?>
+<file path=ppt/slides/slide8.xml><?xml version="1.0" encoding="utf-8"?>
 <p:sld xmlns:a="http://schemas.openxmlformats.org/drawingml/2006/main" xmlns:r="http://schemas.openxmlformats.org/officeDocument/2006/relationships" xmlns:p="http://schemas.openxmlformats.org/presentationml/2006/main">
   <p:cSld>
     <p:spTree>
@@ -21388,10 +23085,36 @@
           <a:lstStyle/>
           <a:p>
             <a:r>
-              <a:rPr lang="en-US" b="1" u="sng" dirty="0"/>
+              <a:rPr lang="en-US" b="1" u="sng" dirty="0">
+                <a:solidFill>
+                  <a:schemeClr val="bg2">
+                    <a:lumMod val="50000"/>
+                  </a:schemeClr>
+                </a:solidFill>
+                <a:effectLst>
+                  <a:outerShdw blurRad="38100" dist="38100" dir="2700000" algn="tl">
+                    <a:srgbClr val="000000">
+                      <a:alpha val="43137"/>
+                    </a:srgbClr>
+                  </a:outerShdw>
+                </a:effectLst>
+              </a:rPr>
               <a:t>Main requirements </a:t>
             </a:r>
-            <a:endParaRPr lang="en-IL" b="1" u="sng" dirty="0"/>
+            <a:endParaRPr lang="en-IL" b="1" u="sng" dirty="0">
+              <a:solidFill>
+                <a:schemeClr val="bg2">
+                  <a:lumMod val="50000"/>
+                </a:schemeClr>
+              </a:solidFill>
+              <a:effectLst>
+                <a:outerShdw blurRad="38100" dist="38100" dir="2700000" algn="tl">
+                  <a:srgbClr val="000000">
+                    <a:alpha val="43137"/>
+                  </a:srgbClr>
+                </a:outerShdw>
+              </a:effectLst>
+            </a:endParaRPr>
           </a:p>
         </p:txBody>
       </p:sp>
@@ -21492,6 +23215,293 @@
     <p:extLst>
       <p:ext uri="{BB962C8B-B14F-4D97-AF65-F5344CB8AC3E}">
         <p14:creationId xmlns:p14="http://schemas.microsoft.com/office/powerpoint/2010/main" val="3135177602"/>
+      </p:ext>
+    </p:extLst>
+  </p:cSld>
+  <p:clrMapOvr>
+    <a:masterClrMapping/>
+  </p:clrMapOvr>
+  <mc:AlternateContent xmlns:mc="http://schemas.openxmlformats.org/markup-compatibility/2006" xmlns:p14="http://schemas.microsoft.com/office/powerpoint/2010/main">
+    <mc:Choice Requires="p14">
+      <p:transition spd="med" p14:dur="700">
+        <p:fade/>
+      </p:transition>
+    </mc:Choice>
+    <mc:Fallback xmlns="">
+      <p:transition spd="med">
+        <p:fade/>
+      </p:transition>
+    </mc:Fallback>
+  </mc:AlternateContent>
+</p:sld>
+</file>
+
+<file path=ppt/slides/slide9.xml><?xml version="1.0" encoding="utf-8"?>
+<p:sld xmlns:a="http://schemas.openxmlformats.org/drawingml/2006/main" xmlns:r="http://schemas.openxmlformats.org/officeDocument/2006/relationships" xmlns:p="http://schemas.openxmlformats.org/presentationml/2006/main">
+  <p:cSld>
+    <p:spTree>
+      <p:nvGrpSpPr>
+        <p:cNvPr id="1" name=""/>
+        <p:cNvGrpSpPr/>
+        <p:nvPr/>
+      </p:nvGrpSpPr>
+      <p:grpSpPr>
+        <a:xfrm>
+          <a:off x="0" y="0"/>
+          <a:ext cx="0" cy="0"/>
+          <a:chOff x="0" y="0"/>
+          <a:chExt cx="0" cy="0"/>
+        </a:xfrm>
+      </p:grpSpPr>
+      <p:sp>
+        <p:nvSpPr>
+          <p:cNvPr id="2" name="Title 1">
+            <a:extLst>
+              <a:ext uri="{FF2B5EF4-FFF2-40B4-BE49-F238E27FC236}">
+                <a16:creationId xmlns:a16="http://schemas.microsoft.com/office/drawing/2014/main" id="{020AAFC4-9AA3-4FD4-A9AF-810A1D3696E9}"/>
+              </a:ext>
+            </a:extLst>
+          </p:cNvPr>
+          <p:cNvSpPr>
+            <a:spLocks noGrp="1"/>
+          </p:cNvSpPr>
+          <p:nvPr>
+            <p:ph type="title"/>
+          </p:nvPr>
+        </p:nvSpPr>
+        <p:spPr/>
+        <p:txBody>
+          <a:bodyPr/>
+          <a:lstStyle/>
+          <a:p>
+            <a:r>
+              <a:rPr lang="en-US" b="1" u="sng" dirty="0">
+                <a:solidFill>
+                  <a:schemeClr val="bg2">
+                    <a:lumMod val="50000"/>
+                  </a:schemeClr>
+                </a:solidFill>
+                <a:effectLst>
+                  <a:outerShdw blurRad="38100" dist="38100" dir="2700000" algn="tl">
+                    <a:srgbClr val="000000">
+                      <a:alpha val="43137"/>
+                    </a:srgbClr>
+                  </a:outerShdw>
+                </a:effectLst>
+              </a:rPr>
+              <a:t>USE CASE</a:t>
+            </a:r>
+            <a:endParaRPr lang="en-IL" b="1" u="sng" dirty="0">
+              <a:solidFill>
+                <a:schemeClr val="bg2">
+                  <a:lumMod val="50000"/>
+                </a:schemeClr>
+              </a:solidFill>
+              <a:effectLst>
+                <a:outerShdw blurRad="38100" dist="38100" dir="2700000" algn="tl">
+                  <a:srgbClr val="000000">
+                    <a:alpha val="43137"/>
+                  </a:srgbClr>
+                </a:outerShdw>
+              </a:effectLst>
+            </a:endParaRPr>
+          </a:p>
+        </p:txBody>
+      </p:sp>
+      <p:pic>
+        <p:nvPicPr>
+          <p:cNvPr id="9" name="Picture 8" descr="Diagram&#10;&#10;Description automatically generated">
+            <a:extLst>
+              <a:ext uri="{FF2B5EF4-FFF2-40B4-BE49-F238E27FC236}">
+                <a16:creationId xmlns:a16="http://schemas.microsoft.com/office/drawing/2014/main" id="{28497EBC-17BF-46B6-8FD0-DD9CC3921C4F}"/>
+              </a:ext>
+            </a:extLst>
+          </p:cNvPr>
+          <p:cNvPicPr>
+            <a:picLocks noChangeAspect="1"/>
+          </p:cNvPicPr>
+          <p:nvPr/>
+        </p:nvPicPr>
+        <p:blipFill>
+          <a:blip r:embed="rId2">
+            <a:extLst>
+              <a:ext uri="{28A0092B-C50C-407E-A947-70E740481C1C}">
+                <a14:useLocalDpi xmlns:a14="http://schemas.microsoft.com/office/drawing/2010/main" val="0"/>
+              </a:ext>
+            </a:extLst>
+          </a:blip>
+          <a:stretch>
+            <a:fillRect/>
+          </a:stretch>
+        </p:blipFill>
+        <p:spPr>
+          <a:xfrm>
+            <a:off x="4856683" y="351936"/>
+            <a:ext cx="6666487" cy="6079954"/>
+          </a:xfrm>
+          <a:prstGeom prst="rect">
+            <a:avLst/>
+          </a:prstGeom>
+        </p:spPr>
+      </p:pic>
+      <p:sp>
+        <p:nvSpPr>
+          <p:cNvPr id="10" name="Content Placeholder 2">
+            <a:extLst>
+              <a:ext uri="{FF2B5EF4-FFF2-40B4-BE49-F238E27FC236}">
+                <a16:creationId xmlns:a16="http://schemas.microsoft.com/office/drawing/2014/main" id="{825917FA-08FC-4E73-98BC-65549D7D32F1}"/>
+              </a:ext>
+            </a:extLst>
+          </p:cNvPr>
+          <p:cNvSpPr>
+            <a:spLocks noGrp="1"/>
+          </p:cNvSpPr>
+          <p:nvPr>
+            <p:ph sz="half" idx="1"/>
+          </p:nvPr>
+        </p:nvSpPr>
+        <p:spPr>
+          <a:xfrm>
+            <a:off x="641476" y="685800"/>
+            <a:ext cx="3720479" cy="3535288"/>
+          </a:xfrm>
+        </p:spPr>
+        <p:txBody>
+          <a:bodyPr/>
+          <a:lstStyle/>
+          <a:p>
+            <a:r>
+              <a:rPr lang="en-US" dirty="0">
+                <a:solidFill>
+                  <a:srgbClr val="FF0000"/>
+                </a:solidFill>
+              </a:rPr>
+              <a:t>1</a:t>
+            </a:r>
+          </a:p>
+          <a:p>
+            <a:r>
+              <a:rPr lang="en-US" dirty="0">
+                <a:solidFill>
+                  <a:srgbClr val="FF0000"/>
+                </a:solidFill>
+              </a:rPr>
+              <a:t>2</a:t>
+            </a:r>
+          </a:p>
+          <a:p>
+            <a:r>
+              <a:rPr lang="en-US" dirty="0">
+                <a:solidFill>
+                  <a:srgbClr val="FF0000"/>
+                </a:solidFill>
+              </a:rPr>
+              <a:t>3</a:t>
+            </a:r>
+            <a:endParaRPr lang="en-IL" dirty="0">
+              <a:solidFill>
+                <a:srgbClr val="FF0000"/>
+              </a:solidFill>
+            </a:endParaRPr>
+          </a:p>
+        </p:txBody>
+      </p:sp>
+      <p:sp>
+        <p:nvSpPr>
+          <p:cNvPr id="12" name="TextBox 11">
+            <a:extLst>
+              <a:ext uri="{FF2B5EF4-FFF2-40B4-BE49-F238E27FC236}">
+                <a16:creationId xmlns:a16="http://schemas.microsoft.com/office/drawing/2014/main" id="{D6C4A5D7-1C2B-4A7A-AC44-2AB786A78235}"/>
+              </a:ext>
+            </a:extLst>
+          </p:cNvPr>
+          <p:cNvSpPr txBox="1"/>
+          <p:nvPr/>
+        </p:nvSpPr>
+        <p:spPr>
+          <a:xfrm>
+            <a:off x="261764" y="6387774"/>
+            <a:ext cx="5486401" cy="369332"/>
+          </a:xfrm>
+          <a:prstGeom prst="rect">
+            <a:avLst/>
+          </a:prstGeom>
+          <a:noFill/>
+        </p:spPr>
+        <p:txBody>
+          <a:bodyPr wrap="square" rtlCol="0">
+            <a:spAutoFit/>
+          </a:bodyPr>
+          <a:lstStyle/>
+          <a:p>
+            <a:pPr>
+              <a:lnSpc>
+                <a:spcPct val="90000"/>
+              </a:lnSpc>
+            </a:pPr>
+            <a:r>
+              <a:rPr lang="en-US" sz="1400" dirty="0">
+                <a:solidFill>
+                  <a:schemeClr val="bg2">
+                    <a:lumMod val="50000"/>
+                  </a:schemeClr>
+                </a:solidFill>
+              </a:rPr>
+              <a:t>* </a:t>
+            </a:r>
+            <a:r>
+              <a:rPr lang="en-US" sz="2000" dirty="0">
+                <a:solidFill>
+                  <a:schemeClr val="bg2">
+                    <a:lumMod val="50000"/>
+                  </a:schemeClr>
+                </a:solidFill>
+              </a:rPr>
+              <a:t>Full documented file delivered</a:t>
+            </a:r>
+          </a:p>
+        </p:txBody>
+      </p:sp>
+      <p:pic>
+        <p:nvPicPr>
+          <p:cNvPr id="13" name="Picture 12" descr="A picture containing logo&#10;&#10;Description automatically generated">
+            <a:extLst>
+              <a:ext uri="{FF2B5EF4-FFF2-40B4-BE49-F238E27FC236}">
+                <a16:creationId xmlns:a16="http://schemas.microsoft.com/office/drawing/2014/main" id="{D32835CF-F087-4FAF-BD8E-8F2DC2490508}"/>
+              </a:ext>
+            </a:extLst>
+          </p:cNvPr>
+          <p:cNvPicPr>
+            <a:picLocks noChangeAspect="1"/>
+          </p:cNvPicPr>
+          <p:nvPr/>
+        </p:nvPicPr>
+        <p:blipFill>
+          <a:blip r:embed="rId3" cstate="print">
+            <a:extLst>
+              <a:ext uri="{28A0092B-C50C-407E-A947-70E740481C1C}">
+                <a14:useLocalDpi xmlns:a14="http://schemas.microsoft.com/office/drawing/2010/main" val="0"/>
+              </a:ext>
+            </a:extLst>
+          </a:blip>
+          <a:stretch>
+            <a:fillRect/>
+          </a:stretch>
+        </p:blipFill>
+        <p:spPr>
+          <a:xfrm>
+            <a:off x="9982844" y="4840705"/>
+            <a:ext cx="1989956" cy="1989956"/>
+          </a:xfrm>
+          <a:prstGeom prst="rect">
+            <a:avLst/>
+          </a:prstGeom>
+        </p:spPr>
+      </p:pic>
+    </p:spTree>
+    <p:extLst>
+      <p:ext uri="{BB962C8B-B14F-4D97-AF65-F5344CB8AC3E}">
+        <p14:creationId xmlns:p14="http://schemas.microsoft.com/office/powerpoint/2010/main" val="2693111403"/>
       </p:ext>
     </p:extLst>
   </p:cSld>

--- a/Pack4U.pptx
+++ b/Pack4U.pptx
@@ -11503,7 +11503,7 @@
           <p:nvPr/>
         </p:nvPicPr>
         <p:blipFill>
-          <a:blip r:embed="rId3" cstate="print">
+          <a:blip r:embed="rId5" cstate="print">
             <a:extLst>
               <a:ext uri="{28A0092B-C50C-407E-A947-70E740481C1C}">
                 <a14:useLocalDpi xmlns:a14="http://schemas.microsoft.com/office/drawing/2010/main" val="0"/>
@@ -11518,6 +11518,44 @@
           <a:xfrm>
             <a:off x="0" y="116632"/>
             <a:ext cx="4608512" cy="4608512"/>
+          </a:xfrm>
+          <a:prstGeom prst="rect">
+            <a:avLst/>
+          </a:prstGeom>
+        </p:spPr>
+      </p:pic>
+      <p:pic>
+        <p:nvPicPr>
+          <p:cNvPr id="2" name="WhatsApp Audio 2021-01-13 at 10.09.17">
+            <a:hlinkClick r:id="" action="ppaction://media"/>
+            <a:extLst>
+              <a:ext uri="{FF2B5EF4-FFF2-40B4-BE49-F238E27FC236}">
+                <a16:creationId xmlns:a16="http://schemas.microsoft.com/office/drawing/2014/main" id="{1AF97E16-59CD-4FD8-83D4-F2C04D27975D}"/>
+              </a:ext>
+            </a:extLst>
+          </p:cNvPr>
+          <p:cNvPicPr>
+            <a:picLocks noChangeAspect="1"/>
+          </p:cNvPicPr>
+          <p:nvPr>
+            <a:audioFile r:link="rId2"/>
+            <p:extLst>
+              <p:ext uri="{DAA4B4D4-6D71-4841-9C94-3DE7FCFB9230}">
+                <p14:media xmlns:p14="http://schemas.microsoft.com/office/powerpoint/2010/main" r:embed="rId1"/>
+              </p:ext>
+            </p:extLst>
+          </p:nvPr>
+        </p:nvPicPr>
+        <p:blipFill>
+          <a:blip r:embed="rId6"/>
+          <a:stretch>
+            <a:fillRect/>
+          </a:stretch>
+        </p:blipFill>
+        <p:spPr>
+          <a:xfrm>
+            <a:off x="2227461" y="6093296"/>
+            <a:ext cx="487362" cy="487363"/>
           </a:xfrm>
           <a:prstGeom prst="rect">
             <a:avLst/>
@@ -11546,6 +11584,90 @@
       </p:transition>
     </mc:Fallback>
   </mc:AlternateContent>
+  <p:timing>
+    <p:tnLst>
+      <p:par>
+        <p:cTn id="1" dur="indefinite" restart="never" nodeType="tmRoot">
+          <p:childTnLst>
+            <p:seq concurrent="1" nextAc="seek">
+              <p:cTn id="2" dur="indefinite" nodeType="mainSeq">
+                <p:childTnLst>
+                  <p:par>
+                    <p:cTn id="3" fill="hold">
+                      <p:stCondLst>
+                        <p:cond delay="indefinite"/>
+                      </p:stCondLst>
+                      <p:childTnLst>
+                        <p:par>
+                          <p:cTn id="4" fill="hold">
+                            <p:stCondLst>
+                              <p:cond delay="0"/>
+                            </p:stCondLst>
+                            <p:childTnLst>
+                              <p:par>
+                                <p:cTn id="5" presetID="1" presetClass="mediacall" presetSubtype="0" fill="hold" nodeType="clickEffect">
+                                  <p:stCondLst>
+                                    <p:cond delay="0"/>
+                                  </p:stCondLst>
+                                  <p:childTnLst>
+                                    <p:cmd type="call" cmd="playFrom(0.0)">
+                                      <p:cBhvr>
+                                        <p:cTn id="6" dur="4243" fill="hold"/>
+                                        <p:tgtEl>
+                                          <p:spTgt spid="2"/>
+                                        </p:tgtEl>
+                                      </p:cBhvr>
+                                    </p:cmd>
+                                  </p:childTnLst>
+                                </p:cTn>
+                              </p:par>
+                            </p:childTnLst>
+                          </p:cTn>
+                        </p:par>
+                      </p:childTnLst>
+                    </p:cTn>
+                  </p:par>
+                </p:childTnLst>
+              </p:cTn>
+              <p:prevCondLst>
+                <p:cond evt="onPrev" delay="0">
+                  <p:tgtEl>
+                    <p:sldTgt/>
+                  </p:tgtEl>
+                </p:cond>
+              </p:prevCondLst>
+              <p:nextCondLst>
+                <p:cond evt="onNext" delay="0">
+                  <p:tgtEl>
+                    <p:sldTgt/>
+                  </p:tgtEl>
+                </p:cond>
+              </p:nextCondLst>
+            </p:seq>
+            <p:audio>
+              <p:cMediaNode vol="100000">
+                <p:cTn id="7" fill="hold" display="0">
+                  <p:stCondLst>
+                    <p:cond delay="indefinite"/>
+                  </p:stCondLst>
+                  <p:endCondLst>
+                    <p:cond evt="onStopAudio" delay="0">
+                      <p:tgtEl>
+                        <p:sldTgt/>
+                      </p:tgtEl>
+                    </p:cond>
+                  </p:endCondLst>
+                </p:cTn>
+                <p:tgtEl>
+                  <p:spTgt spid="2"/>
+                </p:tgtEl>
+              </p:cMediaNode>
+            </p:audio>
+          </p:childTnLst>
+        </p:cTn>
+      </p:par>
+    </p:tnLst>
+  </p:timing>
 </p:sld>
 </file>
 
